--- a/docs/wukong介绍.pptx
+++ b/docs/wukong介绍.pptx
@@ -6,27 +6,31 @@
     <p:sldMasterId id="2147483660" r:id="rId2"/>
   </p:sldMasterIdLst>
   <p:notesMasterIdLst>
-    <p:notesMasterId r:id="rId21"/>
+    <p:notesMasterId r:id="rId25"/>
   </p:notesMasterIdLst>
   <p:sldIdLst>
     <p:sldId id="1306" r:id="rId3"/>
     <p:sldId id="1486" r:id="rId4"/>
-    <p:sldId id="1493" r:id="rId5"/>
-    <p:sldId id="1494" r:id="rId6"/>
-    <p:sldId id="1495" r:id="rId7"/>
-    <p:sldId id="1491" r:id="rId8"/>
-    <p:sldId id="1492" r:id="rId9"/>
-    <p:sldId id="1479" r:id="rId10"/>
-    <p:sldId id="1482" r:id="rId11"/>
-    <p:sldId id="1483" r:id="rId12"/>
-    <p:sldId id="1487" r:id="rId13"/>
-    <p:sldId id="1489" r:id="rId14"/>
-    <p:sldId id="1490" r:id="rId15"/>
-    <p:sldId id="1488" r:id="rId16"/>
-    <p:sldId id="1484" r:id="rId17"/>
-    <p:sldId id="1480" r:id="rId18"/>
-    <p:sldId id="1485" r:id="rId19"/>
-    <p:sldId id="1373" r:id="rId20"/>
+    <p:sldId id="1496" r:id="rId5"/>
+    <p:sldId id="1493" r:id="rId6"/>
+    <p:sldId id="1494" r:id="rId7"/>
+    <p:sldId id="1495" r:id="rId8"/>
+    <p:sldId id="1491" r:id="rId9"/>
+    <p:sldId id="1492" r:id="rId10"/>
+    <p:sldId id="1479" r:id="rId11"/>
+    <p:sldId id="1482" r:id="rId12"/>
+    <p:sldId id="1483" r:id="rId13"/>
+    <p:sldId id="1497" r:id="rId14"/>
+    <p:sldId id="1487" r:id="rId15"/>
+    <p:sldId id="1499" r:id="rId16"/>
+    <p:sldId id="1489" r:id="rId17"/>
+    <p:sldId id="1490" r:id="rId18"/>
+    <p:sldId id="1488" r:id="rId19"/>
+    <p:sldId id="1498" r:id="rId20"/>
+    <p:sldId id="1484" r:id="rId21"/>
+    <p:sldId id="1480" r:id="rId22"/>
+    <p:sldId id="1485" r:id="rId23"/>
+    <p:sldId id="1373" r:id="rId24"/>
   </p:sldIdLst>
   <p:sldSz cx="12192000" cy="6858000"/>
   <p:notesSz cx="6858000" cy="9144000"/>
@@ -215,7 +219,7 @@
           <a:p>
             <a:fld id="{E6705448-F7A7-4D28-AE7B-D294464E45FA}" type="datetimeFigureOut">
               <a:rPr lang="zh-CN" altLang="en-US" smtClean="0"/>
-              <a:t>2021/4/16</a:t>
+              <a:t>2021/4/22</a:t>
             </a:fld>
             <a:endParaRPr lang="zh-CN" altLang="en-US"/>
           </a:p>
@@ -824,7 +828,7 @@
           <a:p>
             <a:fld id="{7195B443-3259-44C2-B35E-A2D6CFB6999C}" type="datetimeFigureOut">
               <a:rPr lang="zh-CN" altLang="en-US" smtClean="0"/>
-              <a:t>2021/4/16</a:t>
+              <a:t>2021/4/22</a:t>
             </a:fld>
             <a:endParaRPr lang="zh-CN" altLang="en-US"/>
           </a:p>
@@ -1022,7 +1026,7 @@
           <a:p>
             <a:fld id="{7195B443-3259-44C2-B35E-A2D6CFB6999C}" type="datetimeFigureOut">
               <a:rPr lang="zh-CN" altLang="en-US" smtClean="0"/>
-              <a:t>2021/4/16</a:t>
+              <a:t>2021/4/22</a:t>
             </a:fld>
             <a:endParaRPr lang="zh-CN" altLang="en-US"/>
           </a:p>
@@ -1230,7 +1234,7 @@
           <a:p>
             <a:fld id="{7195B443-3259-44C2-B35E-A2D6CFB6999C}" type="datetimeFigureOut">
               <a:rPr lang="zh-CN" altLang="en-US" smtClean="0"/>
-              <a:t>2021/4/16</a:t>
+              <a:t>2021/4/22</a:t>
             </a:fld>
             <a:endParaRPr lang="zh-CN" altLang="en-US"/>
           </a:p>
@@ -3447,7 +3451,7 @@
           <a:p>
             <a:fld id="{7195B443-3259-44C2-B35E-A2D6CFB6999C}" type="datetimeFigureOut">
               <a:rPr lang="zh-CN" altLang="en-US" smtClean="0"/>
-              <a:t>2021/4/16</a:t>
+              <a:t>2021/4/22</a:t>
             </a:fld>
             <a:endParaRPr lang="zh-CN" altLang="en-US"/>
           </a:p>
@@ -4311,7 +4315,7 @@
           <a:p>
             <a:fld id="{7195B443-3259-44C2-B35E-A2D6CFB6999C}" type="datetimeFigureOut">
               <a:rPr lang="zh-CN" altLang="en-US" smtClean="0"/>
-              <a:t>2021/4/16</a:t>
+              <a:t>2021/4/22</a:t>
             </a:fld>
             <a:endParaRPr lang="zh-CN" altLang="en-US"/>
           </a:p>
@@ -4576,7 +4580,7 @@
           <a:p>
             <a:fld id="{7195B443-3259-44C2-B35E-A2D6CFB6999C}" type="datetimeFigureOut">
               <a:rPr lang="zh-CN" altLang="en-US" smtClean="0"/>
-              <a:t>2021/4/16</a:t>
+              <a:t>2021/4/22</a:t>
             </a:fld>
             <a:endParaRPr lang="zh-CN" altLang="en-US"/>
           </a:p>
@@ -4988,7 +4992,7 @@
           <a:p>
             <a:fld id="{7195B443-3259-44C2-B35E-A2D6CFB6999C}" type="datetimeFigureOut">
               <a:rPr lang="zh-CN" altLang="en-US" smtClean="0"/>
-              <a:t>2021/4/16</a:t>
+              <a:t>2021/4/22</a:t>
             </a:fld>
             <a:endParaRPr lang="zh-CN" altLang="en-US"/>
           </a:p>
@@ -5129,7 +5133,7 @@
           <a:p>
             <a:fld id="{7195B443-3259-44C2-B35E-A2D6CFB6999C}" type="datetimeFigureOut">
               <a:rPr lang="zh-CN" altLang="en-US" smtClean="0"/>
-              <a:t>2021/4/16</a:t>
+              <a:t>2021/4/22</a:t>
             </a:fld>
             <a:endParaRPr lang="zh-CN" altLang="en-US"/>
           </a:p>
@@ -5242,7 +5246,7 @@
           <a:p>
             <a:fld id="{7195B443-3259-44C2-B35E-A2D6CFB6999C}" type="datetimeFigureOut">
               <a:rPr lang="zh-CN" altLang="en-US" smtClean="0"/>
-              <a:t>2021/4/16</a:t>
+              <a:t>2021/4/22</a:t>
             </a:fld>
             <a:endParaRPr lang="zh-CN" altLang="en-US"/>
           </a:p>
@@ -5553,7 +5557,7 @@
           <a:p>
             <a:fld id="{7195B443-3259-44C2-B35E-A2D6CFB6999C}" type="datetimeFigureOut">
               <a:rPr lang="zh-CN" altLang="en-US" smtClean="0"/>
-              <a:t>2021/4/16</a:t>
+              <a:t>2021/4/22</a:t>
             </a:fld>
             <a:endParaRPr lang="zh-CN" altLang="en-US"/>
           </a:p>
@@ -5841,7 +5845,7 @@
           <a:p>
             <a:fld id="{7195B443-3259-44C2-B35E-A2D6CFB6999C}" type="datetimeFigureOut">
               <a:rPr lang="zh-CN" altLang="en-US" smtClean="0"/>
-              <a:t>2021/4/16</a:t>
+              <a:t>2021/4/22</a:t>
             </a:fld>
             <a:endParaRPr lang="zh-CN" altLang="en-US"/>
           </a:p>
@@ -6082,7 +6086,7 @@
           <a:p>
             <a:fld id="{7195B443-3259-44C2-B35E-A2D6CFB6999C}" type="datetimeFigureOut">
               <a:rPr lang="zh-CN" altLang="en-US" smtClean="0"/>
-              <a:t>2021/4/16</a:t>
+              <a:t>2021/4/22</a:t>
             </a:fld>
             <a:endParaRPr lang="zh-CN" altLang="en-US"/>
           </a:p>
@@ -7230,6 +7234,1663 @@
               <a:rPr kumimoji="1" lang="en-US" altLang="zh-CN" sz="3840" dirty="0">
                 <a:latin typeface="Candara" panose="020E0502030303020204" charset="0"/>
               </a:rPr>
+              <a:t>- </a:t>
+            </a:r>
+            <a:r>
+              <a:rPr kumimoji="1" lang="zh-CN" altLang="en-US" sz="3840" dirty="0">
+                <a:latin typeface="Candara" panose="020E0502030303020204" charset="0"/>
+              </a:rPr>
+              <a:t>启动</a:t>
+            </a:r>
+            <a:endParaRPr kumimoji="1" lang="en-US" altLang="zh-CN" sz="3840" dirty="0">
+              <a:latin typeface="Candara" panose="020E0502030303020204" charset="0"/>
+            </a:endParaRPr>
+          </a:p>
+        </p:txBody>
+      </p:sp>
+      <p:sp>
+        <p:nvSpPr>
+          <p:cNvPr id="4" name="灯片编号占位符 3"/>
+          <p:cNvSpPr>
+            <a:spLocks noGrp="1"/>
+          </p:cNvSpPr>
+          <p:nvPr>
+            <p:ph type="sldNum" sz="quarter" idx="12"/>
+          </p:nvPr>
+        </p:nvSpPr>
+        <p:spPr>
+          <a:xfrm>
+            <a:off x="8473440" y="6350257"/>
+            <a:ext cx="2560320" cy="365125"/>
+          </a:xfrm>
+        </p:spPr>
+        <p:txBody>
+          <a:bodyPr/>
+          <a:lstStyle/>
+          <a:p>
+            <a:pPr marL="0" marR="0" lvl="0" indent="0" algn="r" defTabSz="1097280" rtl="0" eaLnBrk="1" fontAlgn="auto" latinLnBrk="0" hangingPunct="1">
+              <a:lnSpc>
+                <a:spcPct val="100000"/>
+              </a:lnSpc>
+              <a:spcBef>
+                <a:spcPts val="0"/>
+              </a:spcBef>
+              <a:spcAft>
+                <a:spcPts val="0"/>
+              </a:spcAft>
+              <a:buClrTx/>
+              <a:buSzTx/>
+              <a:buFontTx/>
+              <a:buNone/>
+              <a:tabLst/>
+              <a:defRPr/>
+            </a:pPr>
+            <a:fld id="{ADE361C3-C043-4A6E-BDCE-8DA1E7D90A3B}" type="slidenum">
+              <a:rPr kumimoji="0" lang="zh-CN" altLang="en-US" sz="1440" b="0" i="0" u="none" strike="noStrike" kern="1200" cap="none" spc="0" normalizeH="0" baseline="0" noProof="0">
+                <a:ln>
+                  <a:noFill/>
+                </a:ln>
+                <a:solidFill>
+                  <a:srgbClr val="000000">
+                    <a:tint val="75000"/>
+                  </a:srgbClr>
+                </a:solidFill>
+                <a:effectLst/>
+                <a:uLnTx/>
+                <a:uFillTx/>
+                <a:latin typeface="等线" panose="02010600030101010101" charset="-122"/>
+                <a:ea typeface="等线" panose="02010600030101010101" charset="-122"/>
+              </a:rPr>
+              <a:pPr marL="0" marR="0" lvl="0" indent="0" algn="r" defTabSz="1097280" rtl="0" eaLnBrk="1" fontAlgn="auto" latinLnBrk="0" hangingPunct="1">
+                <a:lnSpc>
+                  <a:spcPct val="100000"/>
+                </a:lnSpc>
+                <a:spcBef>
+                  <a:spcPts val="0"/>
+                </a:spcBef>
+                <a:spcAft>
+                  <a:spcPts val="0"/>
+                </a:spcAft>
+                <a:buClrTx/>
+                <a:buSzTx/>
+                <a:buFontTx/>
+                <a:buNone/>
+                <a:tabLst/>
+                <a:defRPr/>
+              </a:pPr>
+              <a:t>10</a:t>
+            </a:fld>
+            <a:endParaRPr kumimoji="0" lang="zh-CN" altLang="en-US" sz="1440" b="0" i="0" u="none" strike="noStrike" kern="1200" cap="none" spc="0" normalizeH="0" baseline="0" noProof="0">
+              <a:ln>
+                <a:noFill/>
+              </a:ln>
+              <a:solidFill>
+                <a:srgbClr val="000000">
+                  <a:tint val="75000"/>
+                </a:srgbClr>
+              </a:solidFill>
+              <a:effectLst/>
+              <a:uLnTx/>
+              <a:uFillTx/>
+              <a:latin typeface="等线" panose="02010600030101010101" charset="-122"/>
+              <a:ea typeface="等线" panose="02010600030101010101" charset="-122"/>
+            </a:endParaRPr>
+          </a:p>
+        </p:txBody>
+      </p:sp>
+      <p:grpSp>
+        <p:nvGrpSpPr>
+          <p:cNvPr id="12" name="组合 11">
+            <a:extLst>
+              <a:ext uri="{FF2B5EF4-FFF2-40B4-BE49-F238E27FC236}">
+                <a16:creationId xmlns:a16="http://schemas.microsoft.com/office/drawing/2014/main" id="{5DFC882C-779E-48A7-90B4-1F53CC347E6D}"/>
+              </a:ext>
+            </a:extLst>
+          </p:cNvPr>
+          <p:cNvGrpSpPr/>
+          <p:nvPr/>
+        </p:nvGrpSpPr>
+        <p:grpSpPr>
+          <a:xfrm>
+            <a:off x="1007457" y="2293137"/>
+            <a:ext cx="10177086" cy="604961"/>
+            <a:chOff x="624264" y="1830222"/>
+            <a:chExt cx="10177086" cy="604961"/>
+          </a:xfrm>
+        </p:grpSpPr>
+        <p:grpSp>
+          <p:nvGrpSpPr>
+            <p:cNvPr id="76" name="组合 75">
+              <a:extLst>
+                <a:ext uri="{FF2B5EF4-FFF2-40B4-BE49-F238E27FC236}">
+                  <a16:creationId xmlns:a16="http://schemas.microsoft.com/office/drawing/2014/main" id="{E41984B9-E4BA-40FB-81E8-5F5ED8C21021}"/>
+                </a:ext>
+              </a:extLst>
+            </p:cNvPr>
+            <p:cNvGrpSpPr/>
+            <p:nvPr/>
+          </p:nvGrpSpPr>
+          <p:grpSpPr>
+            <a:xfrm>
+              <a:off x="624264" y="1830225"/>
+              <a:ext cx="1747461" cy="593737"/>
+              <a:chOff x="2308860" y="1960245"/>
+              <a:chExt cx="1908810" cy="725805"/>
+            </a:xfrm>
+          </p:grpSpPr>
+          <p:sp>
+            <p:nvSpPr>
+              <p:cNvPr id="77" name="矩形: 圆角 76">
+                <a:extLst>
+                  <a:ext uri="{FF2B5EF4-FFF2-40B4-BE49-F238E27FC236}">
+                    <a16:creationId xmlns:a16="http://schemas.microsoft.com/office/drawing/2014/main" id="{F9778414-4686-4248-93A4-3663FEC965A2}"/>
+                  </a:ext>
+                </a:extLst>
+              </p:cNvPr>
+              <p:cNvSpPr/>
+              <p:nvPr/>
+            </p:nvSpPr>
+            <p:spPr>
+              <a:xfrm>
+                <a:off x="2308860" y="1960245"/>
+                <a:ext cx="1908810" cy="725805"/>
+              </a:xfrm>
+              <a:prstGeom prst="roundRect">
+                <a:avLst/>
+              </a:prstGeom>
+              <a:noFill/>
+              <a:ln w="38100">
+                <a:solidFill>
+                  <a:srgbClr val="C00000"/>
+                </a:solidFill>
+              </a:ln>
+            </p:spPr>
+            <p:style>
+              <a:lnRef idx="2">
+                <a:schemeClr val="accent1">
+                  <a:shade val="50000"/>
+                </a:schemeClr>
+              </a:lnRef>
+              <a:fillRef idx="1">
+                <a:schemeClr val="accent1"/>
+              </a:fillRef>
+              <a:effectRef idx="0">
+                <a:schemeClr val="accent1"/>
+              </a:effectRef>
+              <a:fontRef idx="minor">
+                <a:schemeClr val="lt1"/>
+              </a:fontRef>
+            </p:style>
+            <p:txBody>
+              <a:bodyPr rtlCol="0" anchor="ctr"/>
+              <a:lstStyle/>
+              <a:p>
+                <a:pPr algn="ctr"/>
+                <a:endParaRPr lang="zh-CN" altLang="en-US">
+                  <a:ln w="28575">
+                    <a:solidFill>
+                      <a:schemeClr val="tx1"/>
+                    </a:solidFill>
+                  </a:ln>
+                </a:endParaRPr>
+              </a:p>
+            </p:txBody>
+          </p:sp>
+          <p:sp>
+            <p:nvSpPr>
+              <p:cNvPr id="78" name="文本框 77">
+                <a:extLst>
+                  <a:ext uri="{FF2B5EF4-FFF2-40B4-BE49-F238E27FC236}">
+                    <a16:creationId xmlns:a16="http://schemas.microsoft.com/office/drawing/2014/main" id="{02AD09EF-79A5-425D-AAA8-ECF1C6C690F8}"/>
+                  </a:ext>
+                </a:extLst>
+              </p:cNvPr>
+              <p:cNvSpPr txBox="1"/>
+              <p:nvPr/>
+            </p:nvSpPr>
+            <p:spPr>
+              <a:xfrm>
+                <a:off x="2308861" y="2092313"/>
+                <a:ext cx="1908809" cy="489109"/>
+              </a:xfrm>
+              <a:prstGeom prst="rect">
+                <a:avLst/>
+              </a:prstGeom>
+              <a:noFill/>
+            </p:spPr>
+            <p:txBody>
+              <a:bodyPr wrap="square" rtlCol="0">
+                <a:spAutoFit/>
+              </a:bodyPr>
+              <a:lstStyle/>
+              <a:p>
+                <a:pPr algn="ctr"/>
+                <a:r>
+                  <a:rPr lang="en-US" altLang="zh-CN" sz="2000" dirty="0">
+                    <a:latin typeface="Georgia" panose="02040502050405020303" pitchFamily="18" charset="0"/>
+                  </a:rPr>
+                  <a:t>Init memory</a:t>
+                </a:r>
+                <a:endParaRPr lang="zh-CN" altLang="en-US" sz="2000" dirty="0">
+                  <a:latin typeface="Georgia" panose="02040502050405020303" pitchFamily="18" charset="0"/>
+                </a:endParaRPr>
+              </a:p>
+            </p:txBody>
+          </p:sp>
+        </p:grpSp>
+        <p:grpSp>
+          <p:nvGrpSpPr>
+            <p:cNvPr id="85" name="组合 84">
+              <a:extLst>
+                <a:ext uri="{FF2B5EF4-FFF2-40B4-BE49-F238E27FC236}">
+                  <a16:creationId xmlns:a16="http://schemas.microsoft.com/office/drawing/2014/main" id="{3ADE9F47-F37E-492F-9AA9-827C41E9478F}"/>
+                </a:ext>
+              </a:extLst>
+            </p:cNvPr>
+            <p:cNvGrpSpPr/>
+            <p:nvPr/>
+          </p:nvGrpSpPr>
+          <p:grpSpPr>
+            <a:xfrm>
+              <a:off x="2936180" y="1841446"/>
+              <a:ext cx="1687255" cy="593737"/>
+              <a:chOff x="2308860" y="1960245"/>
+              <a:chExt cx="1908810" cy="725805"/>
+            </a:xfrm>
+          </p:grpSpPr>
+          <p:sp>
+            <p:nvSpPr>
+              <p:cNvPr id="86" name="矩形: 圆角 85">
+                <a:extLst>
+                  <a:ext uri="{FF2B5EF4-FFF2-40B4-BE49-F238E27FC236}">
+                    <a16:creationId xmlns:a16="http://schemas.microsoft.com/office/drawing/2014/main" id="{00AE7ADA-C887-4C8D-9FB7-7B94E43836B9}"/>
+                  </a:ext>
+                </a:extLst>
+              </p:cNvPr>
+              <p:cNvSpPr/>
+              <p:nvPr/>
+            </p:nvSpPr>
+            <p:spPr>
+              <a:xfrm>
+                <a:off x="2308860" y="1960245"/>
+                <a:ext cx="1908810" cy="725805"/>
+              </a:xfrm>
+              <a:prstGeom prst="roundRect">
+                <a:avLst/>
+              </a:prstGeom>
+              <a:noFill/>
+              <a:ln w="38100">
+                <a:solidFill>
+                  <a:srgbClr val="C00000"/>
+                </a:solidFill>
+              </a:ln>
+            </p:spPr>
+            <p:style>
+              <a:lnRef idx="2">
+                <a:schemeClr val="accent1">
+                  <a:shade val="50000"/>
+                </a:schemeClr>
+              </a:lnRef>
+              <a:fillRef idx="1">
+                <a:schemeClr val="accent1"/>
+              </a:fillRef>
+              <a:effectRef idx="0">
+                <a:schemeClr val="accent1"/>
+              </a:effectRef>
+              <a:fontRef idx="minor">
+                <a:schemeClr val="lt1"/>
+              </a:fontRef>
+            </p:style>
+            <p:txBody>
+              <a:bodyPr rtlCol="0" anchor="ctr"/>
+              <a:lstStyle/>
+              <a:p>
+                <a:pPr algn="ctr"/>
+                <a:endParaRPr lang="zh-CN" altLang="en-US">
+                  <a:ln w="28575">
+                    <a:solidFill>
+                      <a:schemeClr val="tx1"/>
+                    </a:solidFill>
+                  </a:ln>
+                </a:endParaRPr>
+              </a:p>
+            </p:txBody>
+          </p:sp>
+          <p:sp>
+            <p:nvSpPr>
+              <p:cNvPr id="87" name="文本框 86">
+                <a:extLst>
+                  <a:ext uri="{FF2B5EF4-FFF2-40B4-BE49-F238E27FC236}">
+                    <a16:creationId xmlns:a16="http://schemas.microsoft.com/office/drawing/2014/main" id="{62F43C37-8EA1-422D-B87D-F5AC54BB1C83}"/>
+                  </a:ext>
+                </a:extLst>
+              </p:cNvPr>
+              <p:cNvSpPr txBox="1"/>
+              <p:nvPr/>
+            </p:nvSpPr>
+            <p:spPr>
+              <a:xfrm>
+                <a:off x="2308861" y="2092313"/>
+                <a:ext cx="1908809" cy="489109"/>
+              </a:xfrm>
+              <a:prstGeom prst="rect">
+                <a:avLst/>
+              </a:prstGeom>
+              <a:noFill/>
+            </p:spPr>
+            <p:txBody>
+              <a:bodyPr wrap="square" rtlCol="0">
+                <a:spAutoFit/>
+              </a:bodyPr>
+              <a:lstStyle/>
+              <a:p>
+                <a:pPr algn="ctr"/>
+                <a:r>
+                  <a:rPr lang="en-US" altLang="zh-CN" sz="2000" dirty="0">
+                    <a:latin typeface="Georgia" panose="02040502050405020303" pitchFamily="18" charset="0"/>
+                  </a:rPr>
+                  <a:t>Init network</a:t>
+                </a:r>
+                <a:endParaRPr lang="zh-CN" altLang="en-US" sz="2000" dirty="0">
+                  <a:latin typeface="Georgia" panose="02040502050405020303" pitchFamily="18" charset="0"/>
+                </a:endParaRPr>
+              </a:p>
+            </p:txBody>
+          </p:sp>
+        </p:grpSp>
+        <p:grpSp>
+          <p:nvGrpSpPr>
+            <p:cNvPr id="88" name="组合 87">
+              <a:extLst>
+                <a:ext uri="{FF2B5EF4-FFF2-40B4-BE49-F238E27FC236}">
+                  <a16:creationId xmlns:a16="http://schemas.microsoft.com/office/drawing/2014/main" id="{417F5F16-0B0A-4A1D-BE16-169DD54B8825}"/>
+                </a:ext>
+              </a:extLst>
+            </p:cNvPr>
+            <p:cNvGrpSpPr/>
+            <p:nvPr/>
+          </p:nvGrpSpPr>
+          <p:grpSpPr>
+            <a:xfrm>
+              <a:off x="5187890" y="1830223"/>
+              <a:ext cx="1641535" cy="593737"/>
+              <a:chOff x="2308860" y="1960245"/>
+              <a:chExt cx="1908810" cy="725805"/>
+            </a:xfrm>
+          </p:grpSpPr>
+          <p:sp>
+            <p:nvSpPr>
+              <p:cNvPr id="89" name="矩形: 圆角 88">
+                <a:extLst>
+                  <a:ext uri="{FF2B5EF4-FFF2-40B4-BE49-F238E27FC236}">
+                    <a16:creationId xmlns:a16="http://schemas.microsoft.com/office/drawing/2014/main" id="{8C9E1EB4-C22B-4D79-9A63-EBDB2648B797}"/>
+                  </a:ext>
+                </a:extLst>
+              </p:cNvPr>
+              <p:cNvSpPr/>
+              <p:nvPr/>
+            </p:nvSpPr>
+            <p:spPr>
+              <a:xfrm>
+                <a:off x="2308860" y="1960245"/>
+                <a:ext cx="1908810" cy="725805"/>
+              </a:xfrm>
+              <a:prstGeom prst="roundRect">
+                <a:avLst/>
+              </a:prstGeom>
+              <a:noFill/>
+              <a:ln w="38100">
+                <a:solidFill>
+                  <a:srgbClr val="C00000"/>
+                </a:solidFill>
+              </a:ln>
+            </p:spPr>
+            <p:style>
+              <a:lnRef idx="2">
+                <a:schemeClr val="accent1">
+                  <a:shade val="50000"/>
+                </a:schemeClr>
+              </a:lnRef>
+              <a:fillRef idx="1">
+                <a:schemeClr val="accent1"/>
+              </a:fillRef>
+              <a:effectRef idx="0">
+                <a:schemeClr val="accent1"/>
+              </a:effectRef>
+              <a:fontRef idx="minor">
+                <a:schemeClr val="lt1"/>
+              </a:fontRef>
+            </p:style>
+            <p:txBody>
+              <a:bodyPr rtlCol="0" anchor="ctr"/>
+              <a:lstStyle/>
+              <a:p>
+                <a:pPr algn="ctr"/>
+                <a:endParaRPr lang="zh-CN" altLang="en-US">
+                  <a:ln w="28575">
+                    <a:solidFill>
+                      <a:schemeClr val="tx1"/>
+                    </a:solidFill>
+                  </a:ln>
+                </a:endParaRPr>
+              </a:p>
+            </p:txBody>
+          </p:sp>
+          <p:sp>
+            <p:nvSpPr>
+              <p:cNvPr id="90" name="文本框 89">
+                <a:extLst>
+                  <a:ext uri="{FF2B5EF4-FFF2-40B4-BE49-F238E27FC236}">
+                    <a16:creationId xmlns:a16="http://schemas.microsoft.com/office/drawing/2014/main" id="{F1B031F7-1EB1-482C-8480-73F19B1E00DA}"/>
+                  </a:ext>
+                </a:extLst>
+              </p:cNvPr>
+              <p:cNvSpPr txBox="1"/>
+              <p:nvPr/>
+            </p:nvSpPr>
+            <p:spPr>
+              <a:xfrm>
+                <a:off x="2308861" y="2092313"/>
+                <a:ext cx="1908809" cy="489109"/>
+              </a:xfrm>
+              <a:prstGeom prst="rect">
+                <a:avLst/>
+              </a:prstGeom>
+              <a:noFill/>
+            </p:spPr>
+            <p:txBody>
+              <a:bodyPr wrap="square" rtlCol="0">
+                <a:spAutoFit/>
+              </a:bodyPr>
+              <a:lstStyle/>
+              <a:p>
+                <a:pPr algn="ctr"/>
+                <a:r>
+                  <a:rPr lang="en-US" altLang="zh-CN" sz="2000" dirty="0">
+                    <a:latin typeface="Georgia" panose="02040502050405020303" pitchFamily="18" charset="0"/>
+                  </a:rPr>
+                  <a:t>Load graph</a:t>
+                </a:r>
+                <a:endParaRPr lang="zh-CN" altLang="en-US" sz="2000" dirty="0">
+                  <a:latin typeface="Georgia" panose="02040502050405020303" pitchFamily="18" charset="0"/>
+                </a:endParaRPr>
+              </a:p>
+            </p:txBody>
+          </p:sp>
+        </p:grpSp>
+        <p:cxnSp>
+          <p:nvCxnSpPr>
+            <p:cNvPr id="5" name="直接箭头连接符 4">
+              <a:extLst>
+                <a:ext uri="{FF2B5EF4-FFF2-40B4-BE49-F238E27FC236}">
+                  <a16:creationId xmlns:a16="http://schemas.microsoft.com/office/drawing/2014/main" id="{356B764D-FF8A-4019-AF24-5F8406859B0F}"/>
+                </a:ext>
+              </a:extLst>
+            </p:cNvPr>
+            <p:cNvCxnSpPr>
+              <a:cxnSpLocks/>
+              <a:stCxn id="78" idx="3"/>
+            </p:cNvCxnSpPr>
+            <p:nvPr/>
+          </p:nvCxnSpPr>
+          <p:spPr>
+            <a:xfrm>
+              <a:off x="2371725" y="2138317"/>
+              <a:ext cx="565785" cy="0"/>
+            </a:xfrm>
+            <a:prstGeom prst="straightConnector1">
+              <a:avLst/>
+            </a:prstGeom>
+            <a:ln>
+              <a:tailEnd type="triangle"/>
+            </a:ln>
+          </p:spPr>
+          <p:style>
+            <a:lnRef idx="1">
+              <a:schemeClr val="accent1"/>
+            </a:lnRef>
+            <a:fillRef idx="0">
+              <a:schemeClr val="accent1"/>
+            </a:fillRef>
+            <a:effectRef idx="0">
+              <a:schemeClr val="accent1"/>
+            </a:effectRef>
+            <a:fontRef idx="minor">
+              <a:schemeClr val="tx1"/>
+            </a:fontRef>
+          </p:style>
+        </p:cxnSp>
+        <p:cxnSp>
+          <p:nvCxnSpPr>
+            <p:cNvPr id="9" name="直接箭头连接符 8">
+              <a:extLst>
+                <a:ext uri="{FF2B5EF4-FFF2-40B4-BE49-F238E27FC236}">
+                  <a16:creationId xmlns:a16="http://schemas.microsoft.com/office/drawing/2014/main" id="{7869892E-13AE-4305-B937-A1D3D0E8C039}"/>
+                </a:ext>
+              </a:extLst>
+            </p:cNvPr>
+            <p:cNvCxnSpPr>
+              <a:cxnSpLocks/>
+              <a:stCxn id="87" idx="3"/>
+            </p:cNvCxnSpPr>
+            <p:nvPr/>
+          </p:nvCxnSpPr>
+          <p:spPr>
+            <a:xfrm flipV="1">
+              <a:off x="4623435" y="2149537"/>
+              <a:ext cx="564455" cy="1"/>
+            </a:xfrm>
+            <a:prstGeom prst="straightConnector1">
+              <a:avLst/>
+            </a:prstGeom>
+            <a:ln>
+              <a:tailEnd type="triangle"/>
+            </a:ln>
+          </p:spPr>
+          <p:style>
+            <a:lnRef idx="1">
+              <a:schemeClr val="accent1"/>
+            </a:lnRef>
+            <a:fillRef idx="0">
+              <a:schemeClr val="accent1"/>
+            </a:fillRef>
+            <a:effectRef idx="0">
+              <a:schemeClr val="accent1"/>
+            </a:effectRef>
+            <a:fontRef idx="minor">
+              <a:schemeClr val="tx1"/>
+            </a:fontRef>
+          </p:style>
+        </p:cxnSp>
+        <p:grpSp>
+          <p:nvGrpSpPr>
+            <p:cNvPr id="91" name="组合 90">
+              <a:extLst>
+                <a:ext uri="{FF2B5EF4-FFF2-40B4-BE49-F238E27FC236}">
+                  <a16:creationId xmlns:a16="http://schemas.microsoft.com/office/drawing/2014/main" id="{65932212-041B-4515-B5A3-CB647541371F}"/>
+                </a:ext>
+              </a:extLst>
+            </p:cNvPr>
+            <p:cNvGrpSpPr/>
+            <p:nvPr/>
+          </p:nvGrpSpPr>
+          <p:grpSpPr>
+            <a:xfrm>
+              <a:off x="7393880" y="1830222"/>
+              <a:ext cx="1295579" cy="593737"/>
+              <a:chOff x="2308860" y="1960245"/>
+              <a:chExt cx="1908810" cy="725805"/>
+            </a:xfrm>
+          </p:grpSpPr>
+          <p:sp>
+            <p:nvSpPr>
+              <p:cNvPr id="92" name="矩形: 圆角 91">
+                <a:extLst>
+                  <a:ext uri="{FF2B5EF4-FFF2-40B4-BE49-F238E27FC236}">
+                    <a16:creationId xmlns:a16="http://schemas.microsoft.com/office/drawing/2014/main" id="{2EE516D6-9F1C-4677-84D2-020A252BA387}"/>
+                  </a:ext>
+                </a:extLst>
+              </p:cNvPr>
+              <p:cNvSpPr/>
+              <p:nvPr/>
+            </p:nvSpPr>
+            <p:spPr>
+              <a:xfrm>
+                <a:off x="2308860" y="1960245"/>
+                <a:ext cx="1908810" cy="725805"/>
+              </a:xfrm>
+              <a:prstGeom prst="roundRect">
+                <a:avLst/>
+              </a:prstGeom>
+              <a:noFill/>
+              <a:ln w="38100">
+                <a:solidFill>
+                  <a:srgbClr val="C00000"/>
+                </a:solidFill>
+              </a:ln>
+            </p:spPr>
+            <p:style>
+              <a:lnRef idx="2">
+                <a:schemeClr val="accent1">
+                  <a:shade val="50000"/>
+                </a:schemeClr>
+              </a:lnRef>
+              <a:fillRef idx="1">
+                <a:schemeClr val="accent1"/>
+              </a:fillRef>
+              <a:effectRef idx="0">
+                <a:schemeClr val="accent1"/>
+              </a:effectRef>
+              <a:fontRef idx="minor">
+                <a:schemeClr val="lt1"/>
+              </a:fontRef>
+            </p:style>
+            <p:txBody>
+              <a:bodyPr rtlCol="0" anchor="ctr"/>
+              <a:lstStyle/>
+              <a:p>
+                <a:pPr algn="ctr"/>
+                <a:endParaRPr lang="zh-CN" altLang="en-US">
+                  <a:ln w="28575">
+                    <a:solidFill>
+                      <a:schemeClr val="tx1"/>
+                    </a:solidFill>
+                  </a:ln>
+                </a:endParaRPr>
+              </a:p>
+            </p:txBody>
+          </p:sp>
+          <p:sp>
+            <p:nvSpPr>
+              <p:cNvPr id="93" name="文本框 92">
+                <a:extLst>
+                  <a:ext uri="{FF2B5EF4-FFF2-40B4-BE49-F238E27FC236}">
+                    <a16:creationId xmlns:a16="http://schemas.microsoft.com/office/drawing/2014/main" id="{6AB97BFE-F142-4F77-8152-A78CBCC3491D}"/>
+                  </a:ext>
+                </a:extLst>
+              </p:cNvPr>
+              <p:cNvSpPr txBox="1"/>
+              <p:nvPr/>
+            </p:nvSpPr>
+            <p:spPr>
+              <a:xfrm>
+                <a:off x="2308861" y="2092313"/>
+                <a:ext cx="1908809" cy="489109"/>
+              </a:xfrm>
+              <a:prstGeom prst="rect">
+                <a:avLst/>
+              </a:prstGeom>
+              <a:noFill/>
+            </p:spPr>
+            <p:txBody>
+              <a:bodyPr wrap="square" rtlCol="0">
+                <a:spAutoFit/>
+              </a:bodyPr>
+              <a:lstStyle/>
+              <a:p>
+                <a:pPr algn="ctr"/>
+                <a:r>
+                  <a:rPr lang="en-US" altLang="zh-CN" sz="2000" dirty="0">
+                    <a:latin typeface="Georgia" panose="02040502050405020303" pitchFamily="18" charset="0"/>
+                  </a:rPr>
+                  <a:t>Init KV</a:t>
+                </a:r>
+                <a:endParaRPr lang="zh-CN" altLang="en-US" sz="2000" dirty="0">
+                  <a:latin typeface="Georgia" panose="02040502050405020303" pitchFamily="18" charset="0"/>
+                </a:endParaRPr>
+              </a:p>
+            </p:txBody>
+          </p:sp>
+        </p:grpSp>
+        <p:cxnSp>
+          <p:nvCxnSpPr>
+            <p:cNvPr id="95" name="直接箭头连接符 94">
+              <a:extLst>
+                <a:ext uri="{FF2B5EF4-FFF2-40B4-BE49-F238E27FC236}">
+                  <a16:creationId xmlns:a16="http://schemas.microsoft.com/office/drawing/2014/main" id="{FD2D3141-BCEE-4ED7-B706-0914DF7A1A78}"/>
+                </a:ext>
+              </a:extLst>
+            </p:cNvPr>
+            <p:cNvCxnSpPr>
+              <a:cxnSpLocks/>
+            </p:cNvCxnSpPr>
+            <p:nvPr/>
+          </p:nvCxnSpPr>
+          <p:spPr>
+            <a:xfrm flipV="1">
+              <a:off x="6829424" y="2127089"/>
+              <a:ext cx="564455" cy="1"/>
+            </a:xfrm>
+            <a:prstGeom prst="straightConnector1">
+              <a:avLst/>
+            </a:prstGeom>
+            <a:ln>
+              <a:tailEnd type="triangle"/>
+            </a:ln>
+          </p:spPr>
+          <p:style>
+            <a:lnRef idx="1">
+              <a:schemeClr val="accent1"/>
+            </a:lnRef>
+            <a:fillRef idx="0">
+              <a:schemeClr val="accent1"/>
+            </a:fillRef>
+            <a:effectRef idx="0">
+              <a:schemeClr val="accent1"/>
+            </a:effectRef>
+            <a:fontRef idx="minor">
+              <a:schemeClr val="tx1"/>
+            </a:fontRef>
+          </p:style>
+        </p:cxnSp>
+        <p:cxnSp>
+          <p:nvCxnSpPr>
+            <p:cNvPr id="96" name="直接箭头连接符 95">
+              <a:extLst>
+                <a:ext uri="{FF2B5EF4-FFF2-40B4-BE49-F238E27FC236}">
+                  <a16:creationId xmlns:a16="http://schemas.microsoft.com/office/drawing/2014/main" id="{1066C134-6615-4F9C-BFAF-99823E70ABA0}"/>
+                </a:ext>
+              </a:extLst>
+            </p:cNvPr>
+            <p:cNvCxnSpPr>
+              <a:cxnSpLocks/>
+            </p:cNvCxnSpPr>
+            <p:nvPr/>
+          </p:nvCxnSpPr>
+          <p:spPr>
+            <a:xfrm flipV="1">
+              <a:off x="8689459" y="2127088"/>
+              <a:ext cx="564455" cy="1"/>
+            </a:xfrm>
+            <a:prstGeom prst="straightConnector1">
+              <a:avLst/>
+            </a:prstGeom>
+            <a:ln>
+              <a:tailEnd type="triangle"/>
+            </a:ln>
+          </p:spPr>
+          <p:style>
+            <a:lnRef idx="1">
+              <a:schemeClr val="accent1"/>
+            </a:lnRef>
+            <a:fillRef idx="0">
+              <a:schemeClr val="accent1"/>
+            </a:fillRef>
+            <a:effectRef idx="0">
+              <a:schemeClr val="accent1"/>
+            </a:effectRef>
+            <a:fontRef idx="minor">
+              <a:schemeClr val="tx1"/>
+            </a:fontRef>
+          </p:style>
+        </p:cxnSp>
+        <p:grpSp>
+          <p:nvGrpSpPr>
+            <p:cNvPr id="97" name="组合 96">
+              <a:extLst>
+                <a:ext uri="{FF2B5EF4-FFF2-40B4-BE49-F238E27FC236}">
+                  <a16:creationId xmlns:a16="http://schemas.microsoft.com/office/drawing/2014/main" id="{62344066-4A3A-41C2-B4FC-2FD5CD950EA3}"/>
+                </a:ext>
+              </a:extLst>
+            </p:cNvPr>
+            <p:cNvGrpSpPr/>
+            <p:nvPr/>
+          </p:nvGrpSpPr>
+          <p:grpSpPr>
+            <a:xfrm>
+              <a:off x="9253914" y="1830222"/>
+              <a:ext cx="1547436" cy="593737"/>
+              <a:chOff x="2308860" y="1960245"/>
+              <a:chExt cx="1908810" cy="725805"/>
+            </a:xfrm>
+          </p:grpSpPr>
+          <p:sp>
+            <p:nvSpPr>
+              <p:cNvPr id="98" name="矩形: 圆角 97">
+                <a:extLst>
+                  <a:ext uri="{FF2B5EF4-FFF2-40B4-BE49-F238E27FC236}">
+                    <a16:creationId xmlns:a16="http://schemas.microsoft.com/office/drawing/2014/main" id="{B31C9160-1893-43CD-BC0D-C54F920841C6}"/>
+                  </a:ext>
+                </a:extLst>
+              </p:cNvPr>
+              <p:cNvSpPr/>
+              <p:nvPr/>
+            </p:nvSpPr>
+            <p:spPr>
+              <a:xfrm>
+                <a:off x="2308860" y="1960245"/>
+                <a:ext cx="1908810" cy="725805"/>
+              </a:xfrm>
+              <a:prstGeom prst="roundRect">
+                <a:avLst/>
+              </a:prstGeom>
+              <a:noFill/>
+              <a:ln w="38100">
+                <a:solidFill>
+                  <a:srgbClr val="C00000"/>
+                </a:solidFill>
+              </a:ln>
+            </p:spPr>
+            <p:style>
+              <a:lnRef idx="2">
+                <a:schemeClr val="accent1">
+                  <a:shade val="50000"/>
+                </a:schemeClr>
+              </a:lnRef>
+              <a:fillRef idx="1">
+                <a:schemeClr val="accent1"/>
+              </a:fillRef>
+              <a:effectRef idx="0">
+                <a:schemeClr val="accent1"/>
+              </a:effectRef>
+              <a:fontRef idx="minor">
+                <a:schemeClr val="lt1"/>
+              </a:fontRef>
+            </p:style>
+            <p:txBody>
+              <a:bodyPr rtlCol="0" anchor="ctr"/>
+              <a:lstStyle/>
+              <a:p>
+                <a:pPr algn="ctr"/>
+                <a:endParaRPr lang="zh-CN" altLang="en-US">
+                  <a:ln w="28575">
+                    <a:solidFill>
+                      <a:schemeClr val="tx1"/>
+                    </a:solidFill>
+                  </a:ln>
+                </a:endParaRPr>
+              </a:p>
+            </p:txBody>
+          </p:sp>
+          <p:sp>
+            <p:nvSpPr>
+              <p:cNvPr id="99" name="文本框 98">
+                <a:extLst>
+                  <a:ext uri="{FF2B5EF4-FFF2-40B4-BE49-F238E27FC236}">
+                    <a16:creationId xmlns:a16="http://schemas.microsoft.com/office/drawing/2014/main" id="{EFD29A40-5EF4-4C62-BBF5-5B73E7F47533}"/>
+                  </a:ext>
+                </a:extLst>
+              </p:cNvPr>
+              <p:cNvSpPr txBox="1"/>
+              <p:nvPr/>
+            </p:nvSpPr>
+            <p:spPr>
+              <a:xfrm>
+                <a:off x="2308861" y="2092313"/>
+                <a:ext cx="1908809" cy="489109"/>
+              </a:xfrm>
+              <a:prstGeom prst="rect">
+                <a:avLst/>
+              </a:prstGeom>
+              <a:noFill/>
+            </p:spPr>
+            <p:txBody>
+              <a:bodyPr wrap="square" rtlCol="0">
+                <a:spAutoFit/>
+              </a:bodyPr>
+              <a:lstStyle/>
+              <a:p>
+                <a:pPr algn="ctr"/>
+                <a:r>
+                  <a:rPr lang="en-US" altLang="zh-CN" sz="2000" dirty="0">
+                    <a:latin typeface="Georgia" panose="02040502050405020303" pitchFamily="18" charset="0"/>
+                  </a:rPr>
+                  <a:t>Run engine</a:t>
+                </a:r>
+                <a:endParaRPr lang="zh-CN" altLang="en-US" sz="2000" dirty="0">
+                  <a:latin typeface="Georgia" panose="02040502050405020303" pitchFamily="18" charset="0"/>
+                </a:endParaRPr>
+              </a:p>
+            </p:txBody>
+          </p:sp>
+        </p:grpSp>
+      </p:grpSp>
+      <p:sp>
+        <p:nvSpPr>
+          <p:cNvPr id="100" name="文本框 99">
+            <a:extLst>
+              <a:ext uri="{FF2B5EF4-FFF2-40B4-BE49-F238E27FC236}">
+                <a16:creationId xmlns:a16="http://schemas.microsoft.com/office/drawing/2014/main" id="{E57B0112-668B-477F-A842-2308CA9937CF}"/>
+              </a:ext>
+            </a:extLst>
+          </p:cNvPr>
+          <p:cNvSpPr txBox="1"/>
+          <p:nvPr/>
+        </p:nvSpPr>
+        <p:spPr>
+          <a:xfrm>
+            <a:off x="1007457" y="3086932"/>
+            <a:ext cx="1747460" cy="707886"/>
+          </a:xfrm>
+          <a:prstGeom prst="rect">
+            <a:avLst/>
+          </a:prstGeom>
+          <a:noFill/>
+        </p:spPr>
+        <p:txBody>
+          <a:bodyPr wrap="square" rtlCol="0">
+            <a:spAutoFit/>
+          </a:bodyPr>
+          <a:lstStyle/>
+          <a:p>
+            <a:pPr algn="ctr"/>
+            <a:r>
+              <a:rPr lang="en-US" altLang="zh-CN" sz="2000" dirty="0">
+                <a:latin typeface="+mj-lt"/>
+              </a:rPr>
+              <a:t>mem.hpp</a:t>
+            </a:r>
+          </a:p>
+          <a:p>
+            <a:pPr algn="ctr"/>
+            <a:r>
+              <a:rPr lang="en-US" altLang="zh-CN" sz="2000" dirty="0">
+                <a:latin typeface="+mj-lt"/>
+              </a:rPr>
+              <a:t>mm/*.</a:t>
+            </a:r>
+            <a:r>
+              <a:rPr lang="en-US" altLang="zh-CN" sz="2000" dirty="0" err="1">
+                <a:latin typeface="+mj-lt"/>
+              </a:rPr>
+              <a:t>hpp</a:t>
+            </a:r>
+            <a:endParaRPr lang="zh-CN" altLang="en-US" sz="2000" dirty="0">
+              <a:latin typeface="+mj-lt"/>
+            </a:endParaRPr>
+          </a:p>
+        </p:txBody>
+      </p:sp>
+      <p:sp>
+        <p:nvSpPr>
+          <p:cNvPr id="101" name="文本框 100">
+            <a:extLst>
+              <a:ext uri="{FF2B5EF4-FFF2-40B4-BE49-F238E27FC236}">
+                <a16:creationId xmlns:a16="http://schemas.microsoft.com/office/drawing/2014/main" id="{6B765ED5-276C-4125-8DB5-4F27AD9BA5FE}"/>
+              </a:ext>
+            </a:extLst>
+          </p:cNvPr>
+          <p:cNvSpPr txBox="1"/>
+          <p:nvPr/>
+        </p:nvSpPr>
+        <p:spPr>
+          <a:xfrm>
+            <a:off x="3259168" y="3086932"/>
+            <a:ext cx="1747460" cy="707886"/>
+          </a:xfrm>
+          <a:prstGeom prst="rect">
+            <a:avLst/>
+          </a:prstGeom>
+          <a:noFill/>
+        </p:spPr>
+        <p:txBody>
+          <a:bodyPr wrap="square" rtlCol="0">
+            <a:spAutoFit/>
+          </a:bodyPr>
+          <a:lstStyle/>
+          <a:p>
+            <a:pPr algn="ctr"/>
+            <a:r>
+              <a:rPr lang="en-US" altLang="zh-CN" sz="2000" dirty="0">
+                <a:latin typeface="+mj-lt"/>
+              </a:rPr>
+              <a:t>rdma.hpp</a:t>
+            </a:r>
+          </a:p>
+          <a:p>
+            <a:pPr algn="ctr"/>
+            <a:r>
+              <a:rPr lang="en-US" altLang="zh-CN" sz="2000" dirty="0">
+                <a:latin typeface="+mj-lt"/>
+              </a:rPr>
+              <a:t>comm/</a:t>
+            </a:r>
+            <a:r>
+              <a:rPr lang="zh-CN" altLang="en-US" sz="2000" dirty="0">
+                <a:latin typeface="+mj-lt"/>
+              </a:rPr>
+              <a:t>*</a:t>
+            </a:r>
+            <a:r>
+              <a:rPr lang="en-US" altLang="zh-CN" sz="2000" dirty="0">
+                <a:latin typeface="+mj-lt"/>
+              </a:rPr>
+              <a:t>.</a:t>
+            </a:r>
+            <a:r>
+              <a:rPr lang="en-US" altLang="zh-CN" sz="2000" dirty="0" err="1">
+                <a:latin typeface="+mj-lt"/>
+              </a:rPr>
+              <a:t>hpp</a:t>
+            </a:r>
+            <a:endParaRPr lang="zh-CN" altLang="en-US" sz="2000" dirty="0">
+              <a:latin typeface="+mj-lt"/>
+            </a:endParaRPr>
+          </a:p>
+        </p:txBody>
+      </p:sp>
+      <p:sp>
+        <p:nvSpPr>
+          <p:cNvPr id="102" name="文本框 101">
+            <a:extLst>
+              <a:ext uri="{FF2B5EF4-FFF2-40B4-BE49-F238E27FC236}">
+                <a16:creationId xmlns:a16="http://schemas.microsoft.com/office/drawing/2014/main" id="{5BE24914-8DB4-4981-9AD3-72BD35B5E97C}"/>
+              </a:ext>
+            </a:extLst>
+          </p:cNvPr>
+          <p:cNvSpPr txBox="1"/>
+          <p:nvPr/>
+        </p:nvSpPr>
+        <p:spPr>
+          <a:xfrm>
+            <a:off x="5518120" y="3086929"/>
+            <a:ext cx="1747460" cy="400110"/>
+          </a:xfrm>
+          <a:prstGeom prst="rect">
+            <a:avLst/>
+          </a:prstGeom>
+          <a:noFill/>
+        </p:spPr>
+        <p:txBody>
+          <a:bodyPr wrap="square" rtlCol="0">
+            <a:spAutoFit/>
+          </a:bodyPr>
+          <a:lstStyle/>
+          <a:p>
+            <a:pPr algn="ctr"/>
+            <a:r>
+              <a:rPr lang="en-US" altLang="zh-CN" sz="2000" dirty="0">
+                <a:latin typeface="+mj-lt"/>
+              </a:rPr>
+              <a:t>loader/*.</a:t>
+            </a:r>
+            <a:r>
+              <a:rPr lang="en-US" altLang="zh-CN" sz="2000" dirty="0" err="1">
+                <a:latin typeface="+mj-lt"/>
+              </a:rPr>
+              <a:t>hpp</a:t>
+            </a:r>
+            <a:endParaRPr lang="zh-CN" altLang="en-US" sz="2000" dirty="0">
+              <a:latin typeface="+mj-lt"/>
+            </a:endParaRPr>
+          </a:p>
+        </p:txBody>
+      </p:sp>
+      <p:sp>
+        <p:nvSpPr>
+          <p:cNvPr id="103" name="文本框 102">
+            <a:extLst>
+              <a:ext uri="{FF2B5EF4-FFF2-40B4-BE49-F238E27FC236}">
+                <a16:creationId xmlns:a16="http://schemas.microsoft.com/office/drawing/2014/main" id="{42907CBC-00BA-4860-995B-6665138A12F9}"/>
+              </a:ext>
+            </a:extLst>
+          </p:cNvPr>
+          <p:cNvSpPr txBox="1"/>
+          <p:nvPr/>
+        </p:nvSpPr>
+        <p:spPr>
+          <a:xfrm>
+            <a:off x="7551132" y="3086929"/>
+            <a:ext cx="1747460" cy="400110"/>
+          </a:xfrm>
+          <a:prstGeom prst="rect">
+            <a:avLst/>
+          </a:prstGeom>
+          <a:noFill/>
+        </p:spPr>
+        <p:txBody>
+          <a:bodyPr wrap="square" rtlCol="0">
+            <a:spAutoFit/>
+          </a:bodyPr>
+          <a:lstStyle/>
+          <a:p>
+            <a:pPr algn="ctr"/>
+            <a:r>
+              <a:rPr lang="en-US" altLang="zh-CN" sz="2000" dirty="0">
+                <a:latin typeface="+mj-lt"/>
+              </a:rPr>
+              <a:t>store/*.</a:t>
+            </a:r>
+            <a:r>
+              <a:rPr lang="en-US" altLang="zh-CN" sz="2000" dirty="0" err="1">
+                <a:latin typeface="+mj-lt"/>
+              </a:rPr>
+              <a:t>hpp</a:t>
+            </a:r>
+            <a:endParaRPr lang="zh-CN" altLang="en-US" sz="2000" dirty="0">
+              <a:latin typeface="+mj-lt"/>
+            </a:endParaRPr>
+          </a:p>
+        </p:txBody>
+      </p:sp>
+      <p:sp>
+        <p:nvSpPr>
+          <p:cNvPr id="104" name="文本框 103">
+            <a:extLst>
+              <a:ext uri="{FF2B5EF4-FFF2-40B4-BE49-F238E27FC236}">
+                <a16:creationId xmlns:a16="http://schemas.microsoft.com/office/drawing/2014/main" id="{83A800B3-CCD3-4C6F-8D8A-C43A2B05A4DA}"/>
+              </a:ext>
+            </a:extLst>
+          </p:cNvPr>
+          <p:cNvSpPr txBox="1"/>
+          <p:nvPr/>
+        </p:nvSpPr>
+        <p:spPr>
+          <a:xfrm>
+            <a:off x="9537095" y="3086929"/>
+            <a:ext cx="1747460" cy="400110"/>
+          </a:xfrm>
+          <a:prstGeom prst="rect">
+            <a:avLst/>
+          </a:prstGeom>
+          <a:noFill/>
+        </p:spPr>
+        <p:txBody>
+          <a:bodyPr wrap="square" rtlCol="0">
+            <a:spAutoFit/>
+          </a:bodyPr>
+          <a:lstStyle/>
+          <a:p>
+            <a:pPr algn="ctr"/>
+            <a:r>
+              <a:rPr lang="en-US" altLang="zh-CN" sz="2000" dirty="0">
+                <a:latin typeface="+mj-lt"/>
+              </a:rPr>
+              <a:t>engine/*.</a:t>
+            </a:r>
+            <a:r>
+              <a:rPr lang="en-US" altLang="zh-CN" sz="2000" dirty="0" err="1">
+                <a:latin typeface="+mj-lt"/>
+              </a:rPr>
+              <a:t>hpp</a:t>
+            </a:r>
+            <a:endParaRPr lang="zh-CN" altLang="en-US" sz="2000" dirty="0">
+              <a:latin typeface="+mj-lt"/>
+            </a:endParaRPr>
+          </a:p>
+        </p:txBody>
+      </p:sp>
+      <p:grpSp>
+        <p:nvGrpSpPr>
+          <p:cNvPr id="10" name="组合 9">
+            <a:extLst>
+              <a:ext uri="{FF2B5EF4-FFF2-40B4-BE49-F238E27FC236}">
+                <a16:creationId xmlns:a16="http://schemas.microsoft.com/office/drawing/2014/main" id="{EB49238E-1CE2-4C9A-8B61-1D2E7CB29400}"/>
+              </a:ext>
+            </a:extLst>
+          </p:cNvPr>
+          <p:cNvGrpSpPr/>
+          <p:nvPr/>
+        </p:nvGrpSpPr>
+        <p:grpSpPr>
+          <a:xfrm>
+            <a:off x="5055105" y="4455864"/>
+            <a:ext cx="2721967" cy="2145867"/>
+            <a:chOff x="5274945" y="4282380"/>
+            <a:chExt cx="2721967" cy="2145867"/>
+          </a:xfrm>
+        </p:grpSpPr>
+        <p:sp>
+          <p:nvSpPr>
+            <p:cNvPr id="3" name="矩形 2">
+              <a:extLst>
+                <a:ext uri="{FF2B5EF4-FFF2-40B4-BE49-F238E27FC236}">
+                  <a16:creationId xmlns:a16="http://schemas.microsoft.com/office/drawing/2014/main" id="{6DAEEC13-50A4-44BC-BC65-5A43CBBF31EE}"/>
+                </a:ext>
+              </a:extLst>
+            </p:cNvPr>
+            <p:cNvSpPr/>
+            <p:nvPr/>
+          </p:nvSpPr>
+          <p:spPr>
+            <a:xfrm>
+              <a:off x="5274945" y="4282380"/>
+              <a:ext cx="2721967" cy="1638360"/>
+            </a:xfrm>
+            <a:prstGeom prst="rect">
+              <a:avLst/>
+            </a:prstGeom>
+            <a:noFill/>
+          </p:spPr>
+          <p:style>
+            <a:lnRef idx="2">
+              <a:schemeClr val="accent1">
+                <a:shade val="50000"/>
+              </a:schemeClr>
+            </a:lnRef>
+            <a:fillRef idx="1">
+              <a:schemeClr val="accent1"/>
+            </a:fillRef>
+            <a:effectRef idx="0">
+              <a:schemeClr val="accent1"/>
+            </a:effectRef>
+            <a:fontRef idx="minor">
+              <a:schemeClr val="lt1"/>
+            </a:fontRef>
+          </p:style>
+          <p:txBody>
+            <a:bodyPr rtlCol="0" anchor="ctr"/>
+            <a:lstStyle/>
+            <a:p>
+              <a:pPr algn="ctr"/>
+              <a:endParaRPr lang="zh-CN" altLang="en-US"/>
+            </a:p>
+          </p:txBody>
+        </p:sp>
+        <p:sp>
+          <p:nvSpPr>
+            <p:cNvPr id="31" name="文本框 30">
+              <a:extLst>
+                <a:ext uri="{FF2B5EF4-FFF2-40B4-BE49-F238E27FC236}">
+                  <a16:creationId xmlns:a16="http://schemas.microsoft.com/office/drawing/2014/main" id="{35C58466-8DE4-4AF4-A2FA-A3CA9C811DBA}"/>
+                </a:ext>
+              </a:extLst>
+            </p:cNvPr>
+            <p:cNvSpPr txBox="1"/>
+            <p:nvPr/>
+          </p:nvSpPr>
+          <p:spPr>
+            <a:xfrm>
+              <a:off x="5290670" y="4314409"/>
+              <a:ext cx="2706242" cy="1477328"/>
+            </a:xfrm>
+            <a:prstGeom prst="rect">
+              <a:avLst/>
+            </a:prstGeom>
+            <a:noFill/>
+          </p:spPr>
+          <p:txBody>
+            <a:bodyPr wrap="square">
+              <a:spAutoFit/>
+            </a:bodyPr>
+            <a:lstStyle/>
+            <a:p>
+              <a:r>
+                <a:rPr lang="en-US" altLang="zh-CN" dirty="0">
+                  <a:latin typeface="Georgia" panose="02040502050405020303" pitchFamily="18" charset="0"/>
+                </a:rPr>
+                <a:t>s</a:t>
+              </a:r>
+              <a:r>
+                <a:rPr lang="en-US" altLang="zh-CN" sz="1800" dirty="0">
+                  <a:latin typeface="Georgia" panose="02040502050405020303" pitchFamily="18" charset="0"/>
+                </a:rPr>
+                <a:t>ubject  predicate </a:t>
+              </a:r>
+              <a:r>
+                <a:rPr lang="en-US" altLang="zh-CN" dirty="0">
+                  <a:latin typeface="Georgia" panose="02040502050405020303" pitchFamily="18" charset="0"/>
+                </a:rPr>
+                <a:t>object</a:t>
+              </a:r>
+            </a:p>
+            <a:p>
+              <a:r>
+                <a:rPr lang="en-US" altLang="zh-CN" dirty="0">
+                  <a:latin typeface="Georgia" panose="02040502050405020303" pitchFamily="18" charset="0"/>
+                </a:rPr>
+                <a:t>100	3	102</a:t>
+              </a:r>
+            </a:p>
+            <a:p>
+              <a:r>
+                <a:rPr lang="en-US" altLang="zh-CN" dirty="0">
+                  <a:latin typeface="Georgia" panose="02040502050405020303" pitchFamily="18" charset="0"/>
+                </a:rPr>
+                <a:t>101	3	102</a:t>
+              </a:r>
+            </a:p>
+            <a:p>
+              <a:r>
+                <a:rPr lang="en-US" altLang="zh-CN" dirty="0">
+                  <a:latin typeface="Georgia" panose="02040502050405020303" pitchFamily="18" charset="0"/>
+                </a:rPr>
+                <a:t>102	4	103</a:t>
+              </a:r>
+            </a:p>
+            <a:p>
+              <a:endParaRPr lang="en-US" altLang="zh-CN" dirty="0">
+                <a:latin typeface="Georgia" panose="02040502050405020303" pitchFamily="18" charset="0"/>
+              </a:endParaRPr>
+            </a:p>
+          </p:txBody>
+        </p:sp>
+        <p:sp>
+          <p:nvSpPr>
+            <p:cNvPr id="32" name="文本框 31">
+              <a:extLst>
+                <a:ext uri="{FF2B5EF4-FFF2-40B4-BE49-F238E27FC236}">
+                  <a16:creationId xmlns:a16="http://schemas.microsoft.com/office/drawing/2014/main" id="{EBF0BF0E-7773-4DE8-81D4-676673FEFDFD}"/>
+                </a:ext>
+              </a:extLst>
+            </p:cNvPr>
+            <p:cNvSpPr txBox="1"/>
+            <p:nvPr/>
+          </p:nvSpPr>
+          <p:spPr>
+            <a:xfrm>
+              <a:off x="5762198" y="6028137"/>
+              <a:ext cx="1747460" cy="400110"/>
+            </a:xfrm>
+            <a:prstGeom prst="rect">
+              <a:avLst/>
+            </a:prstGeom>
+            <a:noFill/>
+          </p:spPr>
+          <p:txBody>
+            <a:bodyPr wrap="square" rtlCol="0">
+              <a:spAutoFit/>
+            </a:bodyPr>
+            <a:lstStyle/>
+            <a:p>
+              <a:pPr algn="ctr"/>
+              <a:r>
+                <a:rPr lang="en-US" altLang="zh-CN" sz="2000" dirty="0">
+                  <a:latin typeface="Georgia" panose="02040502050405020303" pitchFamily="18" charset="0"/>
+                </a:rPr>
+                <a:t>graph.txt</a:t>
+              </a:r>
+              <a:endParaRPr lang="zh-CN" altLang="en-US" sz="2000" dirty="0">
+                <a:latin typeface="Georgia" panose="02040502050405020303" pitchFamily="18" charset="0"/>
+              </a:endParaRPr>
+            </a:p>
+          </p:txBody>
+        </p:sp>
+        <p:sp>
+          <p:nvSpPr>
+            <p:cNvPr id="34" name="文本框 33">
+              <a:extLst>
+                <a:ext uri="{FF2B5EF4-FFF2-40B4-BE49-F238E27FC236}">
+                  <a16:creationId xmlns:a16="http://schemas.microsoft.com/office/drawing/2014/main" id="{8F278A3F-D8D5-43F5-BB66-89BB40F91A74}"/>
+                </a:ext>
+              </a:extLst>
+            </p:cNvPr>
+            <p:cNvSpPr txBox="1"/>
+            <p:nvPr/>
+          </p:nvSpPr>
+          <p:spPr>
+            <a:xfrm>
+              <a:off x="5444967" y="5577186"/>
+              <a:ext cx="317232" cy="321948"/>
+            </a:xfrm>
+            <a:prstGeom prst="rect">
+              <a:avLst/>
+            </a:prstGeom>
+            <a:noFill/>
+          </p:spPr>
+          <p:txBody>
+            <a:bodyPr wrap="square">
+              <a:spAutoFit/>
+            </a:bodyPr>
+            <a:lstStyle/>
+            <a:p>
+              <a:pPr>
+                <a:lnSpc>
+                  <a:spcPts val="500"/>
+                </a:lnSpc>
+              </a:pPr>
+              <a:r>
+                <a:rPr lang="en-US" altLang="zh-CN" dirty="0">
+                  <a:latin typeface="Georgia" panose="02040502050405020303" pitchFamily="18" charset="0"/>
+                </a:rPr>
+                <a:t>.</a:t>
+              </a:r>
+            </a:p>
+            <a:p>
+              <a:pPr>
+                <a:lnSpc>
+                  <a:spcPts val="500"/>
+                </a:lnSpc>
+              </a:pPr>
+              <a:r>
+                <a:rPr lang="en-US" altLang="zh-CN" dirty="0">
+                  <a:latin typeface="Georgia" panose="02040502050405020303" pitchFamily="18" charset="0"/>
+                </a:rPr>
+                <a:t>.</a:t>
+              </a:r>
+            </a:p>
+            <a:p>
+              <a:pPr>
+                <a:lnSpc>
+                  <a:spcPts val="500"/>
+                </a:lnSpc>
+              </a:pPr>
+              <a:r>
+                <a:rPr lang="en-US" altLang="zh-CN" dirty="0">
+                  <a:latin typeface="Georgia" panose="02040502050405020303" pitchFamily="18" charset="0"/>
+                </a:rPr>
+                <a:t>.</a:t>
+              </a:r>
+              <a:endParaRPr lang="zh-CN" altLang="en-US" dirty="0"/>
+            </a:p>
+          </p:txBody>
+        </p:sp>
+        <p:sp>
+          <p:nvSpPr>
+            <p:cNvPr id="37" name="文本框 36">
+              <a:extLst>
+                <a:ext uri="{FF2B5EF4-FFF2-40B4-BE49-F238E27FC236}">
+                  <a16:creationId xmlns:a16="http://schemas.microsoft.com/office/drawing/2014/main" id="{6B354EF4-1EC3-435B-929D-4575939F613A}"/>
+                </a:ext>
+              </a:extLst>
+            </p:cNvPr>
+            <p:cNvSpPr txBox="1"/>
+            <p:nvPr/>
+          </p:nvSpPr>
+          <p:spPr>
+            <a:xfrm>
+              <a:off x="6233234" y="5577186"/>
+              <a:ext cx="317232" cy="321948"/>
+            </a:xfrm>
+            <a:prstGeom prst="rect">
+              <a:avLst/>
+            </a:prstGeom>
+            <a:noFill/>
+          </p:spPr>
+          <p:txBody>
+            <a:bodyPr wrap="square">
+              <a:spAutoFit/>
+            </a:bodyPr>
+            <a:lstStyle/>
+            <a:p>
+              <a:pPr>
+                <a:lnSpc>
+                  <a:spcPts val="500"/>
+                </a:lnSpc>
+              </a:pPr>
+              <a:r>
+                <a:rPr lang="en-US" altLang="zh-CN" dirty="0">
+                  <a:latin typeface="Georgia" panose="02040502050405020303" pitchFamily="18" charset="0"/>
+                </a:rPr>
+                <a:t>.</a:t>
+              </a:r>
+            </a:p>
+            <a:p>
+              <a:pPr>
+                <a:lnSpc>
+                  <a:spcPts val="500"/>
+                </a:lnSpc>
+              </a:pPr>
+              <a:r>
+                <a:rPr lang="en-US" altLang="zh-CN" dirty="0">
+                  <a:latin typeface="Georgia" panose="02040502050405020303" pitchFamily="18" charset="0"/>
+                </a:rPr>
+                <a:t>.</a:t>
+              </a:r>
+            </a:p>
+            <a:p>
+              <a:pPr>
+                <a:lnSpc>
+                  <a:spcPts val="500"/>
+                </a:lnSpc>
+              </a:pPr>
+              <a:r>
+                <a:rPr lang="en-US" altLang="zh-CN" dirty="0">
+                  <a:latin typeface="Georgia" panose="02040502050405020303" pitchFamily="18" charset="0"/>
+                </a:rPr>
+                <a:t>.</a:t>
+              </a:r>
+              <a:endParaRPr lang="zh-CN" altLang="en-US" dirty="0"/>
+            </a:p>
+          </p:txBody>
+        </p:sp>
+        <p:sp>
+          <p:nvSpPr>
+            <p:cNvPr id="38" name="文本框 37">
+              <a:extLst>
+                <a:ext uri="{FF2B5EF4-FFF2-40B4-BE49-F238E27FC236}">
+                  <a16:creationId xmlns:a16="http://schemas.microsoft.com/office/drawing/2014/main" id="{830D4349-4014-4AF4-8DD5-4DB7587C1E87}"/>
+                </a:ext>
+              </a:extLst>
+            </p:cNvPr>
+            <p:cNvSpPr txBox="1"/>
+            <p:nvPr/>
+          </p:nvSpPr>
+          <p:spPr>
+            <a:xfrm>
+              <a:off x="7192426" y="5577186"/>
+              <a:ext cx="317232" cy="321948"/>
+            </a:xfrm>
+            <a:prstGeom prst="rect">
+              <a:avLst/>
+            </a:prstGeom>
+            <a:noFill/>
+          </p:spPr>
+          <p:txBody>
+            <a:bodyPr wrap="square">
+              <a:spAutoFit/>
+            </a:bodyPr>
+            <a:lstStyle/>
+            <a:p>
+              <a:pPr>
+                <a:lnSpc>
+                  <a:spcPts val="500"/>
+                </a:lnSpc>
+              </a:pPr>
+              <a:r>
+                <a:rPr lang="en-US" altLang="zh-CN" dirty="0">
+                  <a:latin typeface="Georgia" panose="02040502050405020303" pitchFamily="18" charset="0"/>
+                </a:rPr>
+                <a:t>.</a:t>
+              </a:r>
+            </a:p>
+            <a:p>
+              <a:pPr>
+                <a:lnSpc>
+                  <a:spcPts val="500"/>
+                </a:lnSpc>
+              </a:pPr>
+              <a:r>
+                <a:rPr lang="en-US" altLang="zh-CN" dirty="0">
+                  <a:latin typeface="Georgia" panose="02040502050405020303" pitchFamily="18" charset="0"/>
+                </a:rPr>
+                <a:t>.</a:t>
+              </a:r>
+            </a:p>
+            <a:p>
+              <a:pPr>
+                <a:lnSpc>
+                  <a:spcPts val="500"/>
+                </a:lnSpc>
+              </a:pPr>
+              <a:r>
+                <a:rPr lang="en-US" altLang="zh-CN" dirty="0">
+                  <a:latin typeface="Georgia" panose="02040502050405020303" pitchFamily="18" charset="0"/>
+                </a:rPr>
+                <a:t>.</a:t>
+              </a:r>
+              <a:endParaRPr lang="zh-CN" altLang="en-US" dirty="0"/>
+            </a:p>
+          </p:txBody>
+        </p:sp>
+      </p:grpSp>
+      <p:sp>
+        <p:nvSpPr>
+          <p:cNvPr id="11" name="箭头: 上 10">
+            <a:extLst>
+              <a:ext uri="{FF2B5EF4-FFF2-40B4-BE49-F238E27FC236}">
+                <a16:creationId xmlns:a16="http://schemas.microsoft.com/office/drawing/2014/main" id="{A14E25DE-D7AA-4C1F-8899-1BF2A5F91695}"/>
+              </a:ext>
+            </a:extLst>
+          </p:cNvPr>
+          <p:cNvSpPr/>
+          <p:nvPr/>
+        </p:nvSpPr>
+        <p:spPr>
+          <a:xfrm>
+            <a:off x="6283170" y="3659861"/>
+            <a:ext cx="217360" cy="688606"/>
+          </a:xfrm>
+          <a:prstGeom prst="upArrow">
+            <a:avLst/>
+          </a:prstGeom>
+          <a:solidFill>
+            <a:srgbClr val="C00000"/>
+          </a:solidFill>
+          <a:ln>
+            <a:noFill/>
+          </a:ln>
+        </p:spPr>
+        <p:style>
+          <a:lnRef idx="2">
+            <a:schemeClr val="accent1">
+              <a:shade val="50000"/>
+            </a:schemeClr>
+          </a:lnRef>
+          <a:fillRef idx="1">
+            <a:schemeClr val="accent1"/>
+          </a:fillRef>
+          <a:effectRef idx="0">
+            <a:schemeClr val="accent1"/>
+          </a:effectRef>
+          <a:fontRef idx="minor">
+            <a:schemeClr val="lt1"/>
+          </a:fontRef>
+        </p:style>
+        <p:txBody>
+          <a:bodyPr rtlCol="0" anchor="ctr"/>
+          <a:lstStyle/>
+          <a:p>
+            <a:pPr algn="ctr"/>
+            <a:endParaRPr lang="zh-CN" altLang="en-US"/>
+          </a:p>
+        </p:txBody>
+      </p:sp>
+    </p:spTree>
+    <p:extLst>
+      <p:ext uri="{BB962C8B-B14F-4D97-AF65-F5344CB8AC3E}">
+        <p14:creationId xmlns:p14="http://schemas.microsoft.com/office/powerpoint/2010/main" val="3465364813"/>
+      </p:ext>
+    </p:extLst>
+  </p:cSld>
+  <p:clrMapOvr>
+    <a:masterClrMapping/>
+  </p:clrMapOvr>
+</p:sld>
+</file>
+
+<file path=ppt/slides/slide11.xml><?xml version="1.0" encoding="utf-8"?>
+<p:sld xmlns:a="http://schemas.openxmlformats.org/drawingml/2006/main" xmlns:r="http://schemas.openxmlformats.org/officeDocument/2006/relationships" xmlns:p="http://schemas.openxmlformats.org/presentationml/2006/main">
+  <p:cSld>
+    <p:spTree>
+      <p:nvGrpSpPr>
+        <p:cNvPr id="1" name=""/>
+        <p:cNvGrpSpPr/>
+        <p:nvPr/>
+      </p:nvGrpSpPr>
+      <p:grpSpPr>
+        <a:xfrm>
+          <a:off x="0" y="0"/>
+          <a:ext cx="0" cy="0"/>
+          <a:chOff x="0" y="0"/>
+          <a:chExt cx="0" cy="0"/>
+        </a:xfrm>
+      </p:grpSpPr>
+      <p:sp>
+        <p:nvSpPr>
+          <p:cNvPr id="2" name="标题 1"/>
+          <p:cNvSpPr>
+            <a:spLocks noGrp="1"/>
+          </p:cNvSpPr>
+          <p:nvPr>
+            <p:ph type="title"/>
+          </p:nvPr>
+        </p:nvSpPr>
+        <p:spPr/>
+        <p:txBody>
+          <a:bodyPr/>
+          <a:lstStyle/>
+          <a:p>
+            <a:r>
+              <a:rPr kumimoji="1" lang="zh-CN" altLang="en-US" sz="3840" dirty="0">
+                <a:latin typeface="Candara" panose="020E0502030303020204" charset="0"/>
+              </a:rPr>
+              <a:t>工作流 </a:t>
+            </a:r>
+            <a:r>
+              <a:rPr kumimoji="1" lang="en-US" altLang="zh-CN" sz="3840" dirty="0">
+                <a:latin typeface="Candara" panose="020E0502030303020204" charset="0"/>
+              </a:rPr>
               <a:t>– </a:t>
             </a:r>
             <a:r>
@@ -7314,7 +8975,7 @@
                 <a:tabLst/>
                 <a:defRPr/>
               </a:pPr>
-              <a:t>10</a:t>
+              <a:t>11</a:t>
             </a:fld>
             <a:endParaRPr kumimoji="0" lang="zh-CN" altLang="en-US" sz="1440" b="0" i="0" u="none" strike="noStrike" kern="1200" cap="none" spc="0" normalizeH="0" baseline="0" noProof="0">
               <a:ln>
@@ -8521,7 +10182,488 @@
 </p:sld>
 </file>
 
-<file path=ppt/slides/slide11.xml><?xml version="1.0" encoding="utf-8"?>
+<file path=ppt/slides/slide12.xml><?xml version="1.0" encoding="utf-8"?>
+<p:sld xmlns:a="http://schemas.openxmlformats.org/drawingml/2006/main" xmlns:r="http://schemas.openxmlformats.org/officeDocument/2006/relationships" xmlns:p="http://schemas.openxmlformats.org/presentationml/2006/main">
+  <p:cSld>
+    <p:spTree>
+      <p:nvGrpSpPr>
+        <p:cNvPr id="1" name=""/>
+        <p:cNvGrpSpPr/>
+        <p:nvPr/>
+      </p:nvGrpSpPr>
+      <p:grpSpPr>
+        <a:xfrm>
+          <a:off x="0" y="0"/>
+          <a:ext cx="0" cy="0"/>
+          <a:chOff x="0" y="0"/>
+          <a:chExt cx="0" cy="0"/>
+        </a:xfrm>
+      </p:grpSpPr>
+      <p:sp>
+        <p:nvSpPr>
+          <p:cNvPr id="4" name="灯片编号占位符 3"/>
+          <p:cNvSpPr>
+            <a:spLocks noGrp="1"/>
+          </p:cNvSpPr>
+          <p:nvPr>
+            <p:ph type="sldNum" sz="quarter" idx="12"/>
+          </p:nvPr>
+        </p:nvSpPr>
+        <p:spPr>
+          <a:xfrm>
+            <a:off x="8473440" y="6350257"/>
+            <a:ext cx="2560320" cy="365125"/>
+          </a:xfrm>
+        </p:spPr>
+        <p:txBody>
+          <a:bodyPr/>
+          <a:lstStyle/>
+          <a:p>
+            <a:pPr marL="0" marR="0" lvl="0" indent="0" algn="r" defTabSz="1097280" rtl="0" eaLnBrk="1" fontAlgn="auto" latinLnBrk="0" hangingPunct="1">
+              <a:lnSpc>
+                <a:spcPct val="100000"/>
+              </a:lnSpc>
+              <a:spcBef>
+                <a:spcPts val="0"/>
+              </a:spcBef>
+              <a:spcAft>
+                <a:spcPts val="0"/>
+              </a:spcAft>
+              <a:buClrTx/>
+              <a:buSzTx/>
+              <a:buFontTx/>
+              <a:buNone/>
+              <a:tabLst/>
+              <a:defRPr/>
+            </a:pPr>
+            <a:fld id="{ADE361C3-C043-4A6E-BDCE-8DA1E7D90A3B}" type="slidenum">
+              <a:rPr kumimoji="0" lang="zh-CN" altLang="en-US" sz="1440" b="0" i="0" u="none" strike="noStrike" kern="1200" cap="none" spc="0" normalizeH="0" baseline="0" noProof="0">
+                <a:ln>
+                  <a:noFill/>
+                </a:ln>
+                <a:solidFill>
+                  <a:srgbClr val="000000">
+                    <a:tint val="75000"/>
+                  </a:srgbClr>
+                </a:solidFill>
+                <a:effectLst/>
+                <a:uLnTx/>
+                <a:uFillTx/>
+                <a:latin typeface="等线" panose="02010600030101010101" charset="-122"/>
+                <a:ea typeface="等线" panose="02010600030101010101" charset="-122"/>
+              </a:rPr>
+              <a:pPr marL="0" marR="0" lvl="0" indent="0" algn="r" defTabSz="1097280" rtl="0" eaLnBrk="1" fontAlgn="auto" latinLnBrk="0" hangingPunct="1">
+                <a:lnSpc>
+                  <a:spcPct val="100000"/>
+                </a:lnSpc>
+                <a:spcBef>
+                  <a:spcPts val="0"/>
+                </a:spcBef>
+                <a:spcAft>
+                  <a:spcPts val="0"/>
+                </a:spcAft>
+                <a:buClrTx/>
+                <a:buSzTx/>
+                <a:buFontTx/>
+                <a:buNone/>
+                <a:tabLst/>
+                <a:defRPr/>
+              </a:pPr>
+              <a:t>12</a:t>
+            </a:fld>
+            <a:endParaRPr kumimoji="0" lang="zh-CN" altLang="en-US" sz="1440" b="0" i="0" u="none" strike="noStrike" kern="1200" cap="none" spc="0" normalizeH="0" baseline="0" noProof="0">
+              <a:ln>
+                <a:noFill/>
+              </a:ln>
+              <a:solidFill>
+                <a:srgbClr val="000000">
+                  <a:tint val="75000"/>
+                </a:srgbClr>
+              </a:solidFill>
+              <a:effectLst/>
+              <a:uLnTx/>
+              <a:uFillTx/>
+              <a:latin typeface="等线" panose="02010600030101010101" charset="-122"/>
+              <a:ea typeface="等线" panose="02010600030101010101" charset="-122"/>
+            </a:endParaRPr>
+          </a:p>
+        </p:txBody>
+      </p:sp>
+      <p:grpSp>
+        <p:nvGrpSpPr>
+          <p:cNvPr id="7" name="组合 6">
+            <a:extLst>
+              <a:ext uri="{FF2B5EF4-FFF2-40B4-BE49-F238E27FC236}">
+                <a16:creationId xmlns:a16="http://schemas.microsoft.com/office/drawing/2014/main" id="{70C910EB-822C-4F5D-94C1-2A73F28E06E8}"/>
+              </a:ext>
+            </a:extLst>
+          </p:cNvPr>
+          <p:cNvGrpSpPr/>
+          <p:nvPr/>
+        </p:nvGrpSpPr>
+        <p:grpSpPr>
+          <a:xfrm>
+            <a:off x="3148965" y="1540459"/>
+            <a:ext cx="2947035" cy="828675"/>
+            <a:chOff x="3148965" y="1591894"/>
+            <a:chExt cx="2947035" cy="828675"/>
+          </a:xfrm>
+        </p:grpSpPr>
+        <p:sp>
+          <p:nvSpPr>
+            <p:cNvPr id="31" name="文本框 30">
+              <a:extLst>
+                <a:ext uri="{FF2B5EF4-FFF2-40B4-BE49-F238E27FC236}">
+                  <a16:creationId xmlns:a16="http://schemas.microsoft.com/office/drawing/2014/main" id="{0B85963E-B389-4130-88FE-684EE9E3142F}"/>
+                </a:ext>
+              </a:extLst>
+            </p:cNvPr>
+            <p:cNvSpPr txBox="1"/>
+            <p:nvPr/>
+          </p:nvSpPr>
+          <p:spPr>
+            <a:xfrm>
+              <a:off x="3856196" y="1683065"/>
+              <a:ext cx="2239804" cy="646331"/>
+            </a:xfrm>
+            <a:prstGeom prst="rect">
+              <a:avLst/>
+            </a:prstGeom>
+            <a:noFill/>
+          </p:spPr>
+          <p:txBody>
+            <a:bodyPr wrap="square">
+              <a:spAutoFit/>
+            </a:bodyPr>
+            <a:lstStyle/>
+            <a:p>
+              <a:r>
+                <a:rPr lang="zh-CN" altLang="en-US" sz="3600" b="0" i="0" dirty="0">
+                  <a:solidFill>
+                    <a:schemeClr val="bg1">
+                      <a:lumMod val="65000"/>
+                    </a:schemeClr>
+                  </a:solidFill>
+                  <a:effectLst/>
+                  <a:latin typeface="等线" panose="02010600030101010101" pitchFamily="2" charset="-122"/>
+                  <a:ea typeface="等线" panose="02010600030101010101" pitchFamily="2" charset="-122"/>
+                </a:rPr>
+                <a:t>整体介绍</a:t>
+              </a:r>
+              <a:endParaRPr lang="en-US" altLang="zh-CN" sz="3600" b="0" i="0" dirty="0">
+                <a:solidFill>
+                  <a:schemeClr val="bg1">
+                    <a:lumMod val="65000"/>
+                  </a:schemeClr>
+                </a:solidFill>
+                <a:effectLst/>
+                <a:latin typeface="等线" panose="02010600030101010101" pitchFamily="2" charset="-122"/>
+                <a:ea typeface="等线" panose="02010600030101010101" pitchFamily="2" charset="-122"/>
+              </a:endParaRPr>
+            </a:p>
+          </p:txBody>
+        </p:sp>
+        <p:sp>
+          <p:nvSpPr>
+            <p:cNvPr id="6" name="等腰三角形 5">
+              <a:extLst>
+                <a:ext uri="{FF2B5EF4-FFF2-40B4-BE49-F238E27FC236}">
+                  <a16:creationId xmlns:a16="http://schemas.microsoft.com/office/drawing/2014/main" id="{7D78FCAB-4F85-497E-9680-196E1ECB2B54}"/>
+                </a:ext>
+              </a:extLst>
+            </p:cNvPr>
+            <p:cNvSpPr/>
+            <p:nvPr/>
+          </p:nvSpPr>
+          <p:spPr>
+            <a:xfrm rot="5400000">
+              <a:off x="2886075" y="1854784"/>
+              <a:ext cx="828675" cy="302895"/>
+            </a:xfrm>
+            <a:prstGeom prst="triangle">
+              <a:avLst/>
+            </a:prstGeom>
+            <a:ln>
+              <a:noFill/>
+            </a:ln>
+          </p:spPr>
+          <p:style>
+            <a:lnRef idx="2">
+              <a:schemeClr val="accent1">
+                <a:shade val="50000"/>
+              </a:schemeClr>
+            </a:lnRef>
+            <a:fillRef idx="1">
+              <a:schemeClr val="accent1"/>
+            </a:fillRef>
+            <a:effectRef idx="0">
+              <a:schemeClr val="accent1"/>
+            </a:effectRef>
+            <a:fontRef idx="minor">
+              <a:schemeClr val="lt1"/>
+            </a:fontRef>
+          </p:style>
+          <p:txBody>
+            <a:bodyPr rtlCol="0" anchor="ctr"/>
+            <a:lstStyle/>
+            <a:p>
+              <a:pPr algn="ctr"/>
+              <a:endParaRPr lang="zh-CN" altLang="en-US"/>
+            </a:p>
+          </p:txBody>
+        </p:sp>
+      </p:grpSp>
+      <p:grpSp>
+        <p:nvGrpSpPr>
+          <p:cNvPr id="10" name="组合 9">
+            <a:extLst>
+              <a:ext uri="{FF2B5EF4-FFF2-40B4-BE49-F238E27FC236}">
+                <a16:creationId xmlns:a16="http://schemas.microsoft.com/office/drawing/2014/main" id="{ACEDDB22-AD51-4E71-BAC6-4F2743BF344E}"/>
+              </a:ext>
+            </a:extLst>
+          </p:cNvPr>
+          <p:cNvGrpSpPr/>
+          <p:nvPr/>
+        </p:nvGrpSpPr>
+        <p:grpSpPr>
+          <a:xfrm>
+            <a:off x="3148965" y="2875864"/>
+            <a:ext cx="3320415" cy="828675"/>
+            <a:chOff x="3148965" y="1591894"/>
+            <a:chExt cx="3320415" cy="828675"/>
+          </a:xfrm>
+        </p:grpSpPr>
+        <p:sp>
+          <p:nvSpPr>
+            <p:cNvPr id="11" name="文本框 10">
+              <a:extLst>
+                <a:ext uri="{FF2B5EF4-FFF2-40B4-BE49-F238E27FC236}">
+                  <a16:creationId xmlns:a16="http://schemas.microsoft.com/office/drawing/2014/main" id="{486E196A-6074-42A8-B9B3-0E7315756681}"/>
+                </a:ext>
+              </a:extLst>
+            </p:cNvPr>
+            <p:cNvSpPr txBox="1"/>
+            <p:nvPr/>
+          </p:nvSpPr>
+          <p:spPr>
+            <a:xfrm>
+              <a:off x="3856196" y="1683065"/>
+              <a:ext cx="2613184" cy="646331"/>
+            </a:xfrm>
+            <a:prstGeom prst="rect">
+              <a:avLst/>
+            </a:prstGeom>
+            <a:noFill/>
+          </p:spPr>
+          <p:txBody>
+            <a:bodyPr wrap="square">
+              <a:spAutoFit/>
+            </a:bodyPr>
+            <a:lstStyle/>
+            <a:p>
+              <a:r>
+                <a:rPr lang="zh-CN" altLang="en-US" sz="3600" b="0" i="0" dirty="0">
+                  <a:effectLst/>
+                  <a:latin typeface="等线" panose="02010600030101010101" pitchFamily="2" charset="-122"/>
+                  <a:ea typeface="等线" panose="02010600030101010101" pitchFamily="2" charset="-122"/>
+                </a:rPr>
+                <a:t>各模块介绍</a:t>
+              </a:r>
+              <a:endParaRPr lang="en-US" altLang="zh-CN" sz="3600" b="0" i="0" dirty="0">
+                <a:effectLst/>
+                <a:latin typeface="等线" panose="02010600030101010101" pitchFamily="2" charset="-122"/>
+                <a:ea typeface="等线" panose="02010600030101010101" pitchFamily="2" charset="-122"/>
+              </a:endParaRPr>
+            </a:p>
+          </p:txBody>
+        </p:sp>
+        <p:sp>
+          <p:nvSpPr>
+            <p:cNvPr id="12" name="等腰三角形 11">
+              <a:extLst>
+                <a:ext uri="{FF2B5EF4-FFF2-40B4-BE49-F238E27FC236}">
+                  <a16:creationId xmlns:a16="http://schemas.microsoft.com/office/drawing/2014/main" id="{CAD3DF1F-0A52-48E2-B7BF-353394E94EFE}"/>
+                </a:ext>
+              </a:extLst>
+            </p:cNvPr>
+            <p:cNvSpPr/>
+            <p:nvPr/>
+          </p:nvSpPr>
+          <p:spPr>
+            <a:xfrm rot="5400000">
+              <a:off x="2886075" y="1854784"/>
+              <a:ext cx="828675" cy="302895"/>
+            </a:xfrm>
+            <a:prstGeom prst="triangle">
+              <a:avLst/>
+            </a:prstGeom>
+            <a:ln>
+              <a:noFill/>
+            </a:ln>
+          </p:spPr>
+          <p:style>
+            <a:lnRef idx="2">
+              <a:schemeClr val="accent1">
+                <a:shade val="50000"/>
+              </a:schemeClr>
+            </a:lnRef>
+            <a:fillRef idx="1">
+              <a:schemeClr val="accent1"/>
+            </a:fillRef>
+            <a:effectRef idx="0">
+              <a:schemeClr val="accent1"/>
+            </a:effectRef>
+            <a:fontRef idx="minor">
+              <a:schemeClr val="lt1"/>
+            </a:fontRef>
+          </p:style>
+          <p:txBody>
+            <a:bodyPr rtlCol="0" anchor="ctr"/>
+            <a:lstStyle/>
+            <a:p>
+              <a:pPr algn="ctr"/>
+              <a:endParaRPr lang="zh-CN" altLang="en-US"/>
+            </a:p>
+          </p:txBody>
+        </p:sp>
+      </p:grpSp>
+      <p:grpSp>
+        <p:nvGrpSpPr>
+          <p:cNvPr id="13" name="组合 12">
+            <a:extLst>
+              <a:ext uri="{FF2B5EF4-FFF2-40B4-BE49-F238E27FC236}">
+                <a16:creationId xmlns:a16="http://schemas.microsoft.com/office/drawing/2014/main" id="{5B43F4D9-B86D-41D8-9D02-E9379F258573}"/>
+              </a:ext>
+            </a:extLst>
+          </p:cNvPr>
+          <p:cNvGrpSpPr/>
+          <p:nvPr/>
+        </p:nvGrpSpPr>
+        <p:grpSpPr>
+          <a:xfrm>
+            <a:off x="3148965" y="4342178"/>
+            <a:ext cx="4125509" cy="828675"/>
+            <a:chOff x="3148965" y="1591894"/>
+            <a:chExt cx="3153843" cy="828675"/>
+          </a:xfrm>
+        </p:grpSpPr>
+        <p:sp>
+          <p:nvSpPr>
+            <p:cNvPr id="14" name="文本框 13">
+              <a:extLst>
+                <a:ext uri="{FF2B5EF4-FFF2-40B4-BE49-F238E27FC236}">
+                  <a16:creationId xmlns:a16="http://schemas.microsoft.com/office/drawing/2014/main" id="{F0120B18-44D2-4F58-81B1-80B4D0BB46B0}"/>
+                </a:ext>
+              </a:extLst>
+            </p:cNvPr>
+            <p:cNvSpPr txBox="1"/>
+            <p:nvPr/>
+          </p:nvSpPr>
+          <p:spPr>
+            <a:xfrm>
+              <a:off x="3689624" y="1683065"/>
+              <a:ext cx="2613184" cy="646331"/>
+            </a:xfrm>
+            <a:prstGeom prst="rect">
+              <a:avLst/>
+            </a:prstGeom>
+            <a:noFill/>
+          </p:spPr>
+          <p:txBody>
+            <a:bodyPr wrap="square">
+              <a:spAutoFit/>
+            </a:bodyPr>
+            <a:lstStyle/>
+            <a:p>
+              <a:r>
+                <a:rPr lang="zh-CN" altLang="en-US" sz="3600" dirty="0">
+                  <a:solidFill>
+                    <a:schemeClr val="bg1">
+                      <a:lumMod val="65000"/>
+                    </a:schemeClr>
+                  </a:solidFill>
+                  <a:latin typeface="等线" panose="02010600030101010101" pitchFamily="2" charset="-122"/>
+                  <a:ea typeface="等线" panose="02010600030101010101" pitchFamily="2" charset="-122"/>
+                </a:rPr>
+                <a:t>项目相关设计</a:t>
+              </a:r>
+              <a:endParaRPr lang="en-US" altLang="zh-CN" sz="3600" b="0" i="0" dirty="0">
+                <a:solidFill>
+                  <a:schemeClr val="bg1">
+                    <a:lumMod val="65000"/>
+                  </a:schemeClr>
+                </a:solidFill>
+                <a:effectLst/>
+                <a:latin typeface="等线" panose="02010600030101010101" pitchFamily="2" charset="-122"/>
+                <a:ea typeface="等线" panose="02010600030101010101" pitchFamily="2" charset="-122"/>
+              </a:endParaRPr>
+            </a:p>
+          </p:txBody>
+        </p:sp>
+        <p:sp>
+          <p:nvSpPr>
+            <p:cNvPr id="15" name="等腰三角形 14">
+              <a:extLst>
+                <a:ext uri="{FF2B5EF4-FFF2-40B4-BE49-F238E27FC236}">
+                  <a16:creationId xmlns:a16="http://schemas.microsoft.com/office/drawing/2014/main" id="{61923A2D-6A4B-45DA-93DF-3DE360418B7F}"/>
+                </a:ext>
+              </a:extLst>
+            </p:cNvPr>
+            <p:cNvSpPr/>
+            <p:nvPr/>
+          </p:nvSpPr>
+          <p:spPr>
+            <a:xfrm rot="5400000">
+              <a:off x="2886075" y="1854784"/>
+              <a:ext cx="828675" cy="302895"/>
+            </a:xfrm>
+            <a:prstGeom prst="triangle">
+              <a:avLst/>
+            </a:prstGeom>
+            <a:ln>
+              <a:noFill/>
+            </a:ln>
+          </p:spPr>
+          <p:style>
+            <a:lnRef idx="2">
+              <a:schemeClr val="accent1">
+                <a:shade val="50000"/>
+              </a:schemeClr>
+            </a:lnRef>
+            <a:fillRef idx="1">
+              <a:schemeClr val="accent1"/>
+            </a:fillRef>
+            <a:effectRef idx="0">
+              <a:schemeClr val="accent1"/>
+            </a:effectRef>
+            <a:fontRef idx="minor">
+              <a:schemeClr val="lt1"/>
+            </a:fontRef>
+          </p:style>
+          <p:txBody>
+            <a:bodyPr rtlCol="0" anchor="ctr"/>
+            <a:lstStyle/>
+            <a:p>
+              <a:pPr algn="ctr"/>
+              <a:endParaRPr lang="zh-CN" altLang="en-US"/>
+            </a:p>
+          </p:txBody>
+        </p:sp>
+      </p:grpSp>
+    </p:spTree>
+    <p:extLst>
+      <p:ext uri="{BB962C8B-B14F-4D97-AF65-F5344CB8AC3E}">
+        <p14:creationId xmlns:p14="http://schemas.microsoft.com/office/powerpoint/2010/main" val="184864089"/>
+      </p:ext>
+    </p:extLst>
+  </p:cSld>
+  <p:clrMapOvr>
+    <a:masterClrMapping/>
+  </p:clrMapOvr>
+</p:sld>
+</file>
+
+<file path=ppt/slides/slide13.xml><?xml version="1.0" encoding="utf-8"?>
 <p:sld xmlns:a="http://schemas.openxmlformats.org/drawingml/2006/main" xmlns:r="http://schemas.openxmlformats.org/officeDocument/2006/relationships" xmlns:p="http://schemas.openxmlformats.org/presentationml/2006/main">
   <p:cSld>
     <p:spTree>
@@ -8589,7 +10731,7 @@
           <a:p>
             <a:fld id="{ADE361C3-C043-4A6E-BDCE-8DA1E7D90A3B}" type="slidenum">
               <a:rPr lang="zh-CN" altLang="en-US" smtClean="0"/>
-              <a:t>11</a:t>
+              <a:t>13</a:t>
             </a:fld>
             <a:endParaRPr lang="zh-CN" altLang="en-US" dirty="0"/>
           </a:p>
@@ -11580,7 +13722,94 @@
 </p:sld>
 </file>
 
-<file path=ppt/slides/slide12.xml><?xml version="1.0" encoding="utf-8"?>
+<file path=ppt/slides/slide14.xml><?xml version="1.0" encoding="utf-8"?>
+<p:sld xmlns:a="http://schemas.openxmlformats.org/drawingml/2006/main" xmlns:r="http://schemas.openxmlformats.org/officeDocument/2006/relationships" xmlns:p="http://schemas.openxmlformats.org/presentationml/2006/main">
+  <p:cSld>
+    <p:spTree>
+      <p:nvGrpSpPr>
+        <p:cNvPr id="1" name=""/>
+        <p:cNvGrpSpPr/>
+        <p:nvPr/>
+      </p:nvGrpSpPr>
+      <p:grpSpPr>
+        <a:xfrm>
+          <a:off x="0" y="0"/>
+          <a:ext cx="0" cy="0"/>
+          <a:chOff x="0" y="0"/>
+          <a:chExt cx="0" cy="0"/>
+        </a:xfrm>
+      </p:grpSpPr>
+      <p:sp>
+        <p:nvSpPr>
+          <p:cNvPr id="2" name="标题 1">
+            <a:extLst>
+              <a:ext uri="{FF2B5EF4-FFF2-40B4-BE49-F238E27FC236}">
+                <a16:creationId xmlns:a16="http://schemas.microsoft.com/office/drawing/2014/main" id="{B7EDA8DA-09EC-4B43-A637-348D6DC89E23}"/>
+              </a:ext>
+            </a:extLst>
+          </p:cNvPr>
+          <p:cNvSpPr>
+            <a:spLocks noGrp="1"/>
+          </p:cNvSpPr>
+          <p:nvPr>
+            <p:ph type="title"/>
+          </p:nvPr>
+        </p:nvSpPr>
+        <p:spPr/>
+        <p:txBody>
+          <a:bodyPr/>
+          <a:lstStyle/>
+          <a:p>
+            <a:r>
+              <a:rPr lang="zh-CN" altLang="en-US" dirty="0"/>
+              <a:t>工作窃取</a:t>
+            </a:r>
+          </a:p>
+        </p:txBody>
+      </p:sp>
+      <p:sp>
+        <p:nvSpPr>
+          <p:cNvPr id="4" name="灯片编号占位符 3">
+            <a:extLst>
+              <a:ext uri="{FF2B5EF4-FFF2-40B4-BE49-F238E27FC236}">
+                <a16:creationId xmlns:a16="http://schemas.microsoft.com/office/drawing/2014/main" id="{3BF0928F-A994-416C-9586-27761530648C}"/>
+              </a:ext>
+            </a:extLst>
+          </p:cNvPr>
+          <p:cNvSpPr>
+            <a:spLocks noGrp="1"/>
+          </p:cNvSpPr>
+          <p:nvPr>
+            <p:ph type="sldNum" sz="quarter" idx="12"/>
+          </p:nvPr>
+        </p:nvSpPr>
+        <p:spPr/>
+        <p:txBody>
+          <a:bodyPr/>
+          <a:lstStyle/>
+          <a:p>
+            <a:fld id="{ADE361C3-C043-4A6E-BDCE-8DA1E7D90A3B}" type="slidenum">
+              <a:rPr lang="zh-CN" altLang="en-US" smtClean="0"/>
+              <a:t>14</a:t>
+            </a:fld>
+            <a:endParaRPr lang="zh-CN" altLang="en-US" dirty="0"/>
+          </a:p>
+        </p:txBody>
+      </p:sp>
+    </p:spTree>
+    <p:extLst>
+      <p:ext uri="{BB962C8B-B14F-4D97-AF65-F5344CB8AC3E}">
+        <p14:creationId xmlns:p14="http://schemas.microsoft.com/office/powerpoint/2010/main" val="4016672820"/>
+      </p:ext>
+    </p:extLst>
+  </p:cSld>
+  <p:clrMapOvr>
+    <a:masterClrMapping/>
+  </p:clrMapOvr>
+</p:sld>
+</file>
+
+<file path=ppt/slides/slide15.xml><?xml version="1.0" encoding="utf-8"?>
 <p:sld xmlns:a="http://schemas.openxmlformats.org/drawingml/2006/main" xmlns:r="http://schemas.openxmlformats.org/officeDocument/2006/relationships" xmlns:p="http://schemas.openxmlformats.org/presentationml/2006/main">
   <p:cSld>
     <p:spTree>
@@ -11652,7 +13881,7 @@
           <a:p>
             <a:fld id="{ADE361C3-C043-4A6E-BDCE-8DA1E7D90A3B}" type="slidenum">
               <a:rPr lang="zh-CN" altLang="en-US" smtClean="0"/>
-              <a:t>12</a:t>
+              <a:t>15</a:t>
             </a:fld>
             <a:endParaRPr lang="zh-CN" altLang="en-US"/>
           </a:p>
@@ -15159,7 +17388,7 @@
 </p:sld>
 </file>
 
-<file path=ppt/slides/slide13.xml><?xml version="1.0" encoding="utf-8"?>
+<file path=ppt/slides/slide16.xml><?xml version="1.0" encoding="utf-8"?>
 <p:sld xmlns:a="http://schemas.openxmlformats.org/drawingml/2006/main" xmlns:r="http://schemas.openxmlformats.org/officeDocument/2006/relationships" xmlns:p="http://schemas.openxmlformats.org/presentationml/2006/main">
   <p:cSld>
     <p:spTree>
@@ -15227,7 +17456,7 @@
           <a:p>
             <a:fld id="{ADE361C3-C043-4A6E-BDCE-8DA1E7D90A3B}" type="slidenum">
               <a:rPr lang="zh-CN" altLang="en-US" smtClean="0"/>
-              <a:t>13</a:t>
+              <a:t>16</a:t>
             </a:fld>
             <a:endParaRPr lang="zh-CN" altLang="en-US"/>
           </a:p>
@@ -15476,7 +17705,7 @@
 </p:sld>
 </file>
 
-<file path=ppt/slides/slide14.xml><?xml version="1.0" encoding="utf-8"?>
+<file path=ppt/slides/slide17.xml><?xml version="1.0" encoding="utf-8"?>
 <p:sld xmlns:a="http://schemas.openxmlformats.org/drawingml/2006/main" xmlns:r="http://schemas.openxmlformats.org/officeDocument/2006/relationships" xmlns:p="http://schemas.openxmlformats.org/presentationml/2006/main">
   <p:cSld>
     <p:spTree>
@@ -15549,7 +17778,7 @@
           <a:p>
             <a:fld id="{ADE361C3-C043-4A6E-BDCE-8DA1E7D90A3B}" type="slidenum">
               <a:rPr lang="zh-CN" altLang="en-US" smtClean="0"/>
-              <a:t>14</a:t>
+              <a:t>17</a:t>
             </a:fld>
             <a:endParaRPr lang="zh-CN" altLang="en-US"/>
           </a:p>
@@ -16795,7 +19024,488 @@
 </p:sld>
 </file>
 
-<file path=ppt/slides/slide15.xml><?xml version="1.0" encoding="utf-8"?>
+<file path=ppt/slides/slide18.xml><?xml version="1.0" encoding="utf-8"?>
+<p:sld xmlns:a="http://schemas.openxmlformats.org/drawingml/2006/main" xmlns:r="http://schemas.openxmlformats.org/officeDocument/2006/relationships" xmlns:p="http://schemas.openxmlformats.org/presentationml/2006/main">
+  <p:cSld>
+    <p:spTree>
+      <p:nvGrpSpPr>
+        <p:cNvPr id="1" name=""/>
+        <p:cNvGrpSpPr/>
+        <p:nvPr/>
+      </p:nvGrpSpPr>
+      <p:grpSpPr>
+        <a:xfrm>
+          <a:off x="0" y="0"/>
+          <a:ext cx="0" cy="0"/>
+          <a:chOff x="0" y="0"/>
+          <a:chExt cx="0" cy="0"/>
+        </a:xfrm>
+      </p:grpSpPr>
+      <p:sp>
+        <p:nvSpPr>
+          <p:cNvPr id="4" name="灯片编号占位符 3"/>
+          <p:cNvSpPr>
+            <a:spLocks noGrp="1"/>
+          </p:cNvSpPr>
+          <p:nvPr>
+            <p:ph type="sldNum" sz="quarter" idx="12"/>
+          </p:nvPr>
+        </p:nvSpPr>
+        <p:spPr>
+          <a:xfrm>
+            <a:off x="8473440" y="6350257"/>
+            <a:ext cx="2560320" cy="365125"/>
+          </a:xfrm>
+        </p:spPr>
+        <p:txBody>
+          <a:bodyPr/>
+          <a:lstStyle/>
+          <a:p>
+            <a:pPr marL="0" marR="0" lvl="0" indent="0" algn="r" defTabSz="1097280" rtl="0" eaLnBrk="1" fontAlgn="auto" latinLnBrk="0" hangingPunct="1">
+              <a:lnSpc>
+                <a:spcPct val="100000"/>
+              </a:lnSpc>
+              <a:spcBef>
+                <a:spcPts val="0"/>
+              </a:spcBef>
+              <a:spcAft>
+                <a:spcPts val="0"/>
+              </a:spcAft>
+              <a:buClrTx/>
+              <a:buSzTx/>
+              <a:buFontTx/>
+              <a:buNone/>
+              <a:tabLst/>
+              <a:defRPr/>
+            </a:pPr>
+            <a:fld id="{ADE361C3-C043-4A6E-BDCE-8DA1E7D90A3B}" type="slidenum">
+              <a:rPr kumimoji="0" lang="zh-CN" altLang="en-US" sz="1440" b="0" i="0" u="none" strike="noStrike" kern="1200" cap="none" spc="0" normalizeH="0" baseline="0" noProof="0">
+                <a:ln>
+                  <a:noFill/>
+                </a:ln>
+                <a:solidFill>
+                  <a:srgbClr val="000000">
+                    <a:tint val="75000"/>
+                  </a:srgbClr>
+                </a:solidFill>
+                <a:effectLst/>
+                <a:uLnTx/>
+                <a:uFillTx/>
+                <a:latin typeface="等线" panose="02010600030101010101" charset="-122"/>
+                <a:ea typeface="等线" panose="02010600030101010101" charset="-122"/>
+              </a:rPr>
+              <a:pPr marL="0" marR="0" lvl="0" indent="0" algn="r" defTabSz="1097280" rtl="0" eaLnBrk="1" fontAlgn="auto" latinLnBrk="0" hangingPunct="1">
+                <a:lnSpc>
+                  <a:spcPct val="100000"/>
+                </a:lnSpc>
+                <a:spcBef>
+                  <a:spcPts val="0"/>
+                </a:spcBef>
+                <a:spcAft>
+                  <a:spcPts val="0"/>
+                </a:spcAft>
+                <a:buClrTx/>
+                <a:buSzTx/>
+                <a:buFontTx/>
+                <a:buNone/>
+                <a:tabLst/>
+                <a:defRPr/>
+              </a:pPr>
+              <a:t>18</a:t>
+            </a:fld>
+            <a:endParaRPr kumimoji="0" lang="zh-CN" altLang="en-US" sz="1440" b="0" i="0" u="none" strike="noStrike" kern="1200" cap="none" spc="0" normalizeH="0" baseline="0" noProof="0">
+              <a:ln>
+                <a:noFill/>
+              </a:ln>
+              <a:solidFill>
+                <a:srgbClr val="000000">
+                  <a:tint val="75000"/>
+                </a:srgbClr>
+              </a:solidFill>
+              <a:effectLst/>
+              <a:uLnTx/>
+              <a:uFillTx/>
+              <a:latin typeface="等线" panose="02010600030101010101" charset="-122"/>
+              <a:ea typeface="等线" panose="02010600030101010101" charset="-122"/>
+            </a:endParaRPr>
+          </a:p>
+        </p:txBody>
+      </p:sp>
+      <p:grpSp>
+        <p:nvGrpSpPr>
+          <p:cNvPr id="7" name="组合 6">
+            <a:extLst>
+              <a:ext uri="{FF2B5EF4-FFF2-40B4-BE49-F238E27FC236}">
+                <a16:creationId xmlns:a16="http://schemas.microsoft.com/office/drawing/2014/main" id="{70C910EB-822C-4F5D-94C1-2A73F28E06E8}"/>
+              </a:ext>
+            </a:extLst>
+          </p:cNvPr>
+          <p:cNvGrpSpPr/>
+          <p:nvPr/>
+        </p:nvGrpSpPr>
+        <p:grpSpPr>
+          <a:xfrm>
+            <a:off x="3148965" y="1540459"/>
+            <a:ext cx="2947035" cy="828675"/>
+            <a:chOff x="3148965" y="1591894"/>
+            <a:chExt cx="2947035" cy="828675"/>
+          </a:xfrm>
+        </p:grpSpPr>
+        <p:sp>
+          <p:nvSpPr>
+            <p:cNvPr id="31" name="文本框 30">
+              <a:extLst>
+                <a:ext uri="{FF2B5EF4-FFF2-40B4-BE49-F238E27FC236}">
+                  <a16:creationId xmlns:a16="http://schemas.microsoft.com/office/drawing/2014/main" id="{0B85963E-B389-4130-88FE-684EE9E3142F}"/>
+                </a:ext>
+              </a:extLst>
+            </p:cNvPr>
+            <p:cNvSpPr txBox="1"/>
+            <p:nvPr/>
+          </p:nvSpPr>
+          <p:spPr>
+            <a:xfrm>
+              <a:off x="3856196" y="1683065"/>
+              <a:ext cx="2239804" cy="646331"/>
+            </a:xfrm>
+            <a:prstGeom prst="rect">
+              <a:avLst/>
+            </a:prstGeom>
+            <a:noFill/>
+          </p:spPr>
+          <p:txBody>
+            <a:bodyPr wrap="square">
+              <a:spAutoFit/>
+            </a:bodyPr>
+            <a:lstStyle/>
+            <a:p>
+              <a:r>
+                <a:rPr lang="zh-CN" altLang="en-US" sz="3600" b="0" i="0" dirty="0">
+                  <a:solidFill>
+                    <a:schemeClr val="bg1">
+                      <a:lumMod val="65000"/>
+                    </a:schemeClr>
+                  </a:solidFill>
+                  <a:effectLst/>
+                  <a:latin typeface="等线" panose="02010600030101010101" pitchFamily="2" charset="-122"/>
+                  <a:ea typeface="等线" panose="02010600030101010101" pitchFamily="2" charset="-122"/>
+                </a:rPr>
+                <a:t>整体介绍</a:t>
+              </a:r>
+              <a:endParaRPr lang="en-US" altLang="zh-CN" sz="3600" b="0" i="0" dirty="0">
+                <a:solidFill>
+                  <a:schemeClr val="bg1">
+                    <a:lumMod val="65000"/>
+                  </a:schemeClr>
+                </a:solidFill>
+                <a:effectLst/>
+                <a:latin typeface="等线" panose="02010600030101010101" pitchFamily="2" charset="-122"/>
+                <a:ea typeface="等线" panose="02010600030101010101" pitchFamily="2" charset="-122"/>
+              </a:endParaRPr>
+            </a:p>
+          </p:txBody>
+        </p:sp>
+        <p:sp>
+          <p:nvSpPr>
+            <p:cNvPr id="6" name="等腰三角形 5">
+              <a:extLst>
+                <a:ext uri="{FF2B5EF4-FFF2-40B4-BE49-F238E27FC236}">
+                  <a16:creationId xmlns:a16="http://schemas.microsoft.com/office/drawing/2014/main" id="{7D78FCAB-4F85-497E-9680-196E1ECB2B54}"/>
+                </a:ext>
+              </a:extLst>
+            </p:cNvPr>
+            <p:cNvSpPr/>
+            <p:nvPr/>
+          </p:nvSpPr>
+          <p:spPr>
+            <a:xfrm rot="5400000">
+              <a:off x="2886075" y="1854784"/>
+              <a:ext cx="828675" cy="302895"/>
+            </a:xfrm>
+            <a:prstGeom prst="triangle">
+              <a:avLst/>
+            </a:prstGeom>
+            <a:ln>
+              <a:noFill/>
+            </a:ln>
+          </p:spPr>
+          <p:style>
+            <a:lnRef idx="2">
+              <a:schemeClr val="accent1">
+                <a:shade val="50000"/>
+              </a:schemeClr>
+            </a:lnRef>
+            <a:fillRef idx="1">
+              <a:schemeClr val="accent1"/>
+            </a:fillRef>
+            <a:effectRef idx="0">
+              <a:schemeClr val="accent1"/>
+            </a:effectRef>
+            <a:fontRef idx="minor">
+              <a:schemeClr val="lt1"/>
+            </a:fontRef>
+          </p:style>
+          <p:txBody>
+            <a:bodyPr rtlCol="0" anchor="ctr"/>
+            <a:lstStyle/>
+            <a:p>
+              <a:pPr algn="ctr"/>
+              <a:endParaRPr lang="zh-CN" altLang="en-US"/>
+            </a:p>
+          </p:txBody>
+        </p:sp>
+      </p:grpSp>
+      <p:grpSp>
+        <p:nvGrpSpPr>
+          <p:cNvPr id="10" name="组合 9">
+            <a:extLst>
+              <a:ext uri="{FF2B5EF4-FFF2-40B4-BE49-F238E27FC236}">
+                <a16:creationId xmlns:a16="http://schemas.microsoft.com/office/drawing/2014/main" id="{ACEDDB22-AD51-4E71-BAC6-4F2743BF344E}"/>
+              </a:ext>
+            </a:extLst>
+          </p:cNvPr>
+          <p:cNvGrpSpPr/>
+          <p:nvPr/>
+        </p:nvGrpSpPr>
+        <p:grpSpPr>
+          <a:xfrm>
+            <a:off x="3148965" y="2875864"/>
+            <a:ext cx="3320415" cy="828675"/>
+            <a:chOff x="3148965" y="1591894"/>
+            <a:chExt cx="3320415" cy="828675"/>
+          </a:xfrm>
+        </p:grpSpPr>
+        <p:sp>
+          <p:nvSpPr>
+            <p:cNvPr id="11" name="文本框 10">
+              <a:extLst>
+                <a:ext uri="{FF2B5EF4-FFF2-40B4-BE49-F238E27FC236}">
+                  <a16:creationId xmlns:a16="http://schemas.microsoft.com/office/drawing/2014/main" id="{486E196A-6074-42A8-B9B3-0E7315756681}"/>
+                </a:ext>
+              </a:extLst>
+            </p:cNvPr>
+            <p:cNvSpPr txBox="1"/>
+            <p:nvPr/>
+          </p:nvSpPr>
+          <p:spPr>
+            <a:xfrm>
+              <a:off x="3856196" y="1683065"/>
+              <a:ext cx="2613184" cy="646331"/>
+            </a:xfrm>
+            <a:prstGeom prst="rect">
+              <a:avLst/>
+            </a:prstGeom>
+            <a:noFill/>
+          </p:spPr>
+          <p:txBody>
+            <a:bodyPr wrap="square">
+              <a:spAutoFit/>
+            </a:bodyPr>
+            <a:lstStyle/>
+            <a:p>
+              <a:r>
+                <a:rPr lang="zh-CN" altLang="en-US" sz="3600" b="0" i="0" dirty="0">
+                  <a:solidFill>
+                    <a:schemeClr val="bg1">
+                      <a:lumMod val="65000"/>
+                    </a:schemeClr>
+                  </a:solidFill>
+                  <a:effectLst/>
+                  <a:latin typeface="等线" panose="02010600030101010101" pitchFamily="2" charset="-122"/>
+                  <a:ea typeface="等线" panose="02010600030101010101" pitchFamily="2" charset="-122"/>
+                </a:rPr>
+                <a:t>各模块介绍</a:t>
+              </a:r>
+              <a:endParaRPr lang="en-US" altLang="zh-CN" sz="3600" b="0" i="0" dirty="0">
+                <a:solidFill>
+                  <a:schemeClr val="bg1">
+                    <a:lumMod val="65000"/>
+                  </a:schemeClr>
+                </a:solidFill>
+                <a:effectLst/>
+                <a:latin typeface="等线" panose="02010600030101010101" pitchFamily="2" charset="-122"/>
+                <a:ea typeface="等线" panose="02010600030101010101" pitchFamily="2" charset="-122"/>
+              </a:endParaRPr>
+            </a:p>
+          </p:txBody>
+        </p:sp>
+        <p:sp>
+          <p:nvSpPr>
+            <p:cNvPr id="12" name="等腰三角形 11">
+              <a:extLst>
+                <a:ext uri="{FF2B5EF4-FFF2-40B4-BE49-F238E27FC236}">
+                  <a16:creationId xmlns:a16="http://schemas.microsoft.com/office/drawing/2014/main" id="{CAD3DF1F-0A52-48E2-B7BF-353394E94EFE}"/>
+                </a:ext>
+              </a:extLst>
+            </p:cNvPr>
+            <p:cNvSpPr/>
+            <p:nvPr/>
+          </p:nvSpPr>
+          <p:spPr>
+            <a:xfrm rot="5400000">
+              <a:off x="2886075" y="1854784"/>
+              <a:ext cx="828675" cy="302895"/>
+            </a:xfrm>
+            <a:prstGeom prst="triangle">
+              <a:avLst/>
+            </a:prstGeom>
+            <a:ln>
+              <a:noFill/>
+            </a:ln>
+          </p:spPr>
+          <p:style>
+            <a:lnRef idx="2">
+              <a:schemeClr val="accent1">
+                <a:shade val="50000"/>
+              </a:schemeClr>
+            </a:lnRef>
+            <a:fillRef idx="1">
+              <a:schemeClr val="accent1"/>
+            </a:fillRef>
+            <a:effectRef idx="0">
+              <a:schemeClr val="accent1"/>
+            </a:effectRef>
+            <a:fontRef idx="minor">
+              <a:schemeClr val="lt1"/>
+            </a:fontRef>
+          </p:style>
+          <p:txBody>
+            <a:bodyPr rtlCol="0" anchor="ctr"/>
+            <a:lstStyle/>
+            <a:p>
+              <a:pPr algn="ctr"/>
+              <a:endParaRPr lang="zh-CN" altLang="en-US"/>
+            </a:p>
+          </p:txBody>
+        </p:sp>
+      </p:grpSp>
+      <p:grpSp>
+        <p:nvGrpSpPr>
+          <p:cNvPr id="13" name="组合 12">
+            <a:extLst>
+              <a:ext uri="{FF2B5EF4-FFF2-40B4-BE49-F238E27FC236}">
+                <a16:creationId xmlns:a16="http://schemas.microsoft.com/office/drawing/2014/main" id="{5B43F4D9-B86D-41D8-9D02-E9379F258573}"/>
+              </a:ext>
+            </a:extLst>
+          </p:cNvPr>
+          <p:cNvGrpSpPr/>
+          <p:nvPr/>
+        </p:nvGrpSpPr>
+        <p:grpSpPr>
+          <a:xfrm>
+            <a:off x="3148965" y="4342178"/>
+            <a:ext cx="4125509" cy="828675"/>
+            <a:chOff x="3148965" y="1591894"/>
+            <a:chExt cx="3153843" cy="828675"/>
+          </a:xfrm>
+        </p:grpSpPr>
+        <p:sp>
+          <p:nvSpPr>
+            <p:cNvPr id="14" name="文本框 13">
+              <a:extLst>
+                <a:ext uri="{FF2B5EF4-FFF2-40B4-BE49-F238E27FC236}">
+                  <a16:creationId xmlns:a16="http://schemas.microsoft.com/office/drawing/2014/main" id="{F0120B18-44D2-4F58-81B1-80B4D0BB46B0}"/>
+                </a:ext>
+              </a:extLst>
+            </p:cNvPr>
+            <p:cNvSpPr txBox="1"/>
+            <p:nvPr/>
+          </p:nvSpPr>
+          <p:spPr>
+            <a:xfrm>
+              <a:off x="3689624" y="1683065"/>
+              <a:ext cx="2613184" cy="646331"/>
+            </a:xfrm>
+            <a:prstGeom prst="rect">
+              <a:avLst/>
+            </a:prstGeom>
+            <a:noFill/>
+          </p:spPr>
+          <p:txBody>
+            <a:bodyPr wrap="square">
+              <a:spAutoFit/>
+            </a:bodyPr>
+            <a:lstStyle/>
+            <a:p>
+              <a:r>
+                <a:rPr lang="zh-CN" altLang="en-US" sz="3600" dirty="0">
+                  <a:latin typeface="等线" panose="02010600030101010101" pitchFamily="2" charset="-122"/>
+                  <a:ea typeface="等线" panose="02010600030101010101" pitchFamily="2" charset="-122"/>
+                </a:rPr>
+                <a:t>项目相关设计</a:t>
+              </a:r>
+              <a:endParaRPr lang="en-US" altLang="zh-CN" sz="3600" b="0" i="0" dirty="0">
+                <a:effectLst/>
+                <a:latin typeface="等线" panose="02010600030101010101" pitchFamily="2" charset="-122"/>
+                <a:ea typeface="等线" panose="02010600030101010101" pitchFamily="2" charset="-122"/>
+              </a:endParaRPr>
+            </a:p>
+          </p:txBody>
+        </p:sp>
+        <p:sp>
+          <p:nvSpPr>
+            <p:cNvPr id="15" name="等腰三角形 14">
+              <a:extLst>
+                <a:ext uri="{FF2B5EF4-FFF2-40B4-BE49-F238E27FC236}">
+                  <a16:creationId xmlns:a16="http://schemas.microsoft.com/office/drawing/2014/main" id="{61923A2D-6A4B-45DA-93DF-3DE360418B7F}"/>
+                </a:ext>
+              </a:extLst>
+            </p:cNvPr>
+            <p:cNvSpPr/>
+            <p:nvPr/>
+          </p:nvSpPr>
+          <p:spPr>
+            <a:xfrm rot="5400000">
+              <a:off x="2886075" y="1854784"/>
+              <a:ext cx="828675" cy="302895"/>
+            </a:xfrm>
+            <a:prstGeom prst="triangle">
+              <a:avLst/>
+            </a:prstGeom>
+            <a:ln>
+              <a:noFill/>
+            </a:ln>
+          </p:spPr>
+          <p:style>
+            <a:lnRef idx="2">
+              <a:schemeClr val="accent1">
+                <a:shade val="50000"/>
+              </a:schemeClr>
+            </a:lnRef>
+            <a:fillRef idx="1">
+              <a:schemeClr val="accent1"/>
+            </a:fillRef>
+            <a:effectRef idx="0">
+              <a:schemeClr val="accent1"/>
+            </a:effectRef>
+            <a:fontRef idx="minor">
+              <a:schemeClr val="lt1"/>
+            </a:fontRef>
+          </p:style>
+          <p:txBody>
+            <a:bodyPr rtlCol="0" anchor="ctr"/>
+            <a:lstStyle/>
+            <a:p>
+              <a:pPr algn="ctr"/>
+              <a:endParaRPr lang="zh-CN" altLang="en-US"/>
+            </a:p>
+          </p:txBody>
+        </p:sp>
+      </p:grpSp>
+    </p:spTree>
+    <p:extLst>
+      <p:ext uri="{BB962C8B-B14F-4D97-AF65-F5344CB8AC3E}">
+        <p14:creationId xmlns:p14="http://schemas.microsoft.com/office/powerpoint/2010/main" val="3207289278"/>
+      </p:ext>
+    </p:extLst>
+  </p:cSld>
+  <p:clrMapOvr>
+    <a:masterClrMapping/>
+  </p:clrMapOvr>
+</p:sld>
+</file>
+
+<file path=ppt/slides/slide19.xml><?xml version="1.0" encoding="utf-8"?>
 <p:sld xmlns:a="http://schemas.openxmlformats.org/drawingml/2006/main" xmlns:r="http://schemas.openxmlformats.org/officeDocument/2006/relationships" xmlns:p="http://schemas.openxmlformats.org/presentationml/2006/main">
   <p:cSld>
     <p:spTree>
@@ -16909,7 +19619,7 @@
                 <a:tabLst/>
                 <a:defRPr/>
               </a:pPr>
-              <a:t>15</a:t>
+              <a:t>19</a:t>
             </a:fld>
             <a:endParaRPr kumimoji="0" lang="zh-CN" altLang="en-US" sz="1440" b="0" i="0" u="none" strike="noStrike" kern="1200" cap="none" spc="0" normalizeH="0" baseline="0" noProof="0">
               <a:ln>
@@ -20629,7 +23339,494 @@
 </p:sld>
 </file>
 
-<file path=ppt/slides/slide16.xml><?xml version="1.0" encoding="utf-8"?>
+<file path=ppt/slides/slide2.xml><?xml version="1.0" encoding="utf-8"?>
+<p:sld xmlns:a="http://schemas.openxmlformats.org/drawingml/2006/main" xmlns:r="http://schemas.openxmlformats.org/officeDocument/2006/relationships" xmlns:p="http://schemas.openxmlformats.org/presentationml/2006/main">
+  <p:cSld>
+    <p:spTree>
+      <p:nvGrpSpPr>
+        <p:cNvPr id="1" name=""/>
+        <p:cNvGrpSpPr/>
+        <p:nvPr/>
+      </p:nvGrpSpPr>
+      <p:grpSpPr>
+        <a:xfrm>
+          <a:off x="0" y="0"/>
+          <a:ext cx="0" cy="0"/>
+          <a:chOff x="0" y="0"/>
+          <a:chExt cx="0" cy="0"/>
+        </a:xfrm>
+      </p:grpSpPr>
+      <p:sp>
+        <p:nvSpPr>
+          <p:cNvPr id="4" name="灯片编号占位符 3"/>
+          <p:cNvSpPr>
+            <a:spLocks noGrp="1"/>
+          </p:cNvSpPr>
+          <p:nvPr>
+            <p:ph type="sldNum" sz="quarter" idx="12"/>
+          </p:nvPr>
+        </p:nvSpPr>
+        <p:spPr>
+          <a:xfrm>
+            <a:off x="8473440" y="6350257"/>
+            <a:ext cx="2560320" cy="365125"/>
+          </a:xfrm>
+        </p:spPr>
+        <p:txBody>
+          <a:bodyPr/>
+          <a:lstStyle/>
+          <a:p>
+            <a:pPr marL="0" marR="0" lvl="0" indent="0" algn="r" defTabSz="1097280" rtl="0" eaLnBrk="1" fontAlgn="auto" latinLnBrk="0" hangingPunct="1">
+              <a:lnSpc>
+                <a:spcPct val="100000"/>
+              </a:lnSpc>
+              <a:spcBef>
+                <a:spcPts val="0"/>
+              </a:spcBef>
+              <a:spcAft>
+                <a:spcPts val="0"/>
+              </a:spcAft>
+              <a:buClrTx/>
+              <a:buSzTx/>
+              <a:buFontTx/>
+              <a:buNone/>
+              <a:tabLst/>
+              <a:defRPr/>
+            </a:pPr>
+            <a:fld id="{ADE361C3-C043-4A6E-BDCE-8DA1E7D90A3B}" type="slidenum">
+              <a:rPr kumimoji="0" lang="zh-CN" altLang="en-US" sz="1440" b="0" i="0" u="none" strike="noStrike" kern="1200" cap="none" spc="0" normalizeH="0" baseline="0" noProof="0">
+                <a:ln>
+                  <a:noFill/>
+                </a:ln>
+                <a:solidFill>
+                  <a:srgbClr val="000000">
+                    <a:tint val="75000"/>
+                  </a:srgbClr>
+                </a:solidFill>
+                <a:effectLst/>
+                <a:uLnTx/>
+                <a:uFillTx/>
+                <a:latin typeface="等线" panose="02010600030101010101" charset="-122"/>
+                <a:ea typeface="等线" panose="02010600030101010101" charset="-122"/>
+              </a:rPr>
+              <a:pPr marL="0" marR="0" lvl="0" indent="0" algn="r" defTabSz="1097280" rtl="0" eaLnBrk="1" fontAlgn="auto" latinLnBrk="0" hangingPunct="1">
+                <a:lnSpc>
+                  <a:spcPct val="100000"/>
+                </a:lnSpc>
+                <a:spcBef>
+                  <a:spcPts val="0"/>
+                </a:spcBef>
+                <a:spcAft>
+                  <a:spcPts val="0"/>
+                </a:spcAft>
+                <a:buClrTx/>
+                <a:buSzTx/>
+                <a:buFontTx/>
+                <a:buNone/>
+                <a:tabLst/>
+                <a:defRPr/>
+              </a:pPr>
+              <a:t>2</a:t>
+            </a:fld>
+            <a:endParaRPr kumimoji="0" lang="zh-CN" altLang="en-US" sz="1440" b="0" i="0" u="none" strike="noStrike" kern="1200" cap="none" spc="0" normalizeH="0" baseline="0" noProof="0">
+              <a:ln>
+                <a:noFill/>
+              </a:ln>
+              <a:solidFill>
+                <a:srgbClr val="000000">
+                  <a:tint val="75000"/>
+                </a:srgbClr>
+              </a:solidFill>
+              <a:effectLst/>
+              <a:uLnTx/>
+              <a:uFillTx/>
+              <a:latin typeface="等线" panose="02010600030101010101" charset="-122"/>
+              <a:ea typeface="等线" panose="02010600030101010101" charset="-122"/>
+            </a:endParaRPr>
+          </a:p>
+        </p:txBody>
+      </p:sp>
+      <p:grpSp>
+        <p:nvGrpSpPr>
+          <p:cNvPr id="7" name="组合 6">
+            <a:extLst>
+              <a:ext uri="{FF2B5EF4-FFF2-40B4-BE49-F238E27FC236}">
+                <a16:creationId xmlns:a16="http://schemas.microsoft.com/office/drawing/2014/main" id="{70C910EB-822C-4F5D-94C1-2A73F28E06E8}"/>
+              </a:ext>
+            </a:extLst>
+          </p:cNvPr>
+          <p:cNvGrpSpPr/>
+          <p:nvPr/>
+        </p:nvGrpSpPr>
+        <p:grpSpPr>
+          <a:xfrm>
+            <a:off x="3148965" y="1540459"/>
+            <a:ext cx="2947035" cy="828675"/>
+            <a:chOff x="3148965" y="1591894"/>
+            <a:chExt cx="2947035" cy="828675"/>
+          </a:xfrm>
+        </p:grpSpPr>
+        <p:sp>
+          <p:nvSpPr>
+            <p:cNvPr id="31" name="文本框 30">
+              <a:extLst>
+                <a:ext uri="{FF2B5EF4-FFF2-40B4-BE49-F238E27FC236}">
+                  <a16:creationId xmlns:a16="http://schemas.microsoft.com/office/drawing/2014/main" id="{0B85963E-B389-4130-88FE-684EE9E3142F}"/>
+                </a:ext>
+              </a:extLst>
+            </p:cNvPr>
+            <p:cNvSpPr txBox="1"/>
+            <p:nvPr/>
+          </p:nvSpPr>
+          <p:spPr>
+            <a:xfrm>
+              <a:off x="3856196" y="1683065"/>
+              <a:ext cx="2239804" cy="646331"/>
+            </a:xfrm>
+            <a:prstGeom prst="rect">
+              <a:avLst/>
+            </a:prstGeom>
+            <a:noFill/>
+          </p:spPr>
+          <p:txBody>
+            <a:bodyPr wrap="square">
+              <a:spAutoFit/>
+            </a:bodyPr>
+            <a:lstStyle/>
+            <a:p>
+              <a:r>
+                <a:rPr lang="zh-CN" altLang="en-US" sz="3600" b="0" i="0" dirty="0">
+                  <a:solidFill>
+                    <a:srgbClr val="333333"/>
+                  </a:solidFill>
+                  <a:effectLst/>
+                  <a:latin typeface="等线" panose="02010600030101010101" pitchFamily="2" charset="-122"/>
+                  <a:ea typeface="等线" panose="02010600030101010101" pitchFamily="2" charset="-122"/>
+                </a:rPr>
+                <a:t>整体介绍</a:t>
+              </a:r>
+              <a:endParaRPr lang="en-US" altLang="zh-CN" sz="3600" b="0" i="0" dirty="0">
+                <a:solidFill>
+                  <a:srgbClr val="333333"/>
+                </a:solidFill>
+                <a:effectLst/>
+                <a:latin typeface="等线" panose="02010600030101010101" pitchFamily="2" charset="-122"/>
+                <a:ea typeface="等线" panose="02010600030101010101" pitchFamily="2" charset="-122"/>
+              </a:endParaRPr>
+            </a:p>
+          </p:txBody>
+        </p:sp>
+        <p:sp>
+          <p:nvSpPr>
+            <p:cNvPr id="6" name="等腰三角形 5">
+              <a:extLst>
+                <a:ext uri="{FF2B5EF4-FFF2-40B4-BE49-F238E27FC236}">
+                  <a16:creationId xmlns:a16="http://schemas.microsoft.com/office/drawing/2014/main" id="{7D78FCAB-4F85-497E-9680-196E1ECB2B54}"/>
+                </a:ext>
+              </a:extLst>
+            </p:cNvPr>
+            <p:cNvSpPr/>
+            <p:nvPr/>
+          </p:nvSpPr>
+          <p:spPr>
+            <a:xfrm rot="5400000">
+              <a:off x="2886075" y="1854784"/>
+              <a:ext cx="828675" cy="302895"/>
+            </a:xfrm>
+            <a:prstGeom prst="triangle">
+              <a:avLst/>
+            </a:prstGeom>
+            <a:ln>
+              <a:noFill/>
+            </a:ln>
+          </p:spPr>
+          <p:style>
+            <a:lnRef idx="2">
+              <a:schemeClr val="accent1">
+                <a:shade val="50000"/>
+              </a:schemeClr>
+            </a:lnRef>
+            <a:fillRef idx="1">
+              <a:schemeClr val="accent1"/>
+            </a:fillRef>
+            <a:effectRef idx="0">
+              <a:schemeClr val="accent1"/>
+            </a:effectRef>
+            <a:fontRef idx="minor">
+              <a:schemeClr val="lt1"/>
+            </a:fontRef>
+          </p:style>
+          <p:txBody>
+            <a:bodyPr rtlCol="0" anchor="ctr"/>
+            <a:lstStyle/>
+            <a:p>
+              <a:pPr algn="ctr"/>
+              <a:endParaRPr lang="zh-CN" altLang="en-US"/>
+            </a:p>
+          </p:txBody>
+        </p:sp>
+      </p:grpSp>
+      <p:grpSp>
+        <p:nvGrpSpPr>
+          <p:cNvPr id="10" name="组合 9">
+            <a:extLst>
+              <a:ext uri="{FF2B5EF4-FFF2-40B4-BE49-F238E27FC236}">
+                <a16:creationId xmlns:a16="http://schemas.microsoft.com/office/drawing/2014/main" id="{ACEDDB22-AD51-4E71-BAC6-4F2743BF344E}"/>
+              </a:ext>
+            </a:extLst>
+          </p:cNvPr>
+          <p:cNvGrpSpPr/>
+          <p:nvPr/>
+        </p:nvGrpSpPr>
+        <p:grpSpPr>
+          <a:xfrm>
+            <a:off x="3148965" y="2875864"/>
+            <a:ext cx="3320415" cy="828675"/>
+            <a:chOff x="3148965" y="1591894"/>
+            <a:chExt cx="3320415" cy="828675"/>
+          </a:xfrm>
+        </p:grpSpPr>
+        <p:sp>
+          <p:nvSpPr>
+            <p:cNvPr id="11" name="文本框 10">
+              <a:extLst>
+                <a:ext uri="{FF2B5EF4-FFF2-40B4-BE49-F238E27FC236}">
+                  <a16:creationId xmlns:a16="http://schemas.microsoft.com/office/drawing/2014/main" id="{486E196A-6074-42A8-B9B3-0E7315756681}"/>
+                </a:ext>
+              </a:extLst>
+            </p:cNvPr>
+            <p:cNvSpPr txBox="1"/>
+            <p:nvPr/>
+          </p:nvSpPr>
+          <p:spPr>
+            <a:xfrm>
+              <a:off x="3856196" y="1683065"/>
+              <a:ext cx="2613184" cy="646331"/>
+            </a:xfrm>
+            <a:prstGeom prst="rect">
+              <a:avLst/>
+            </a:prstGeom>
+            <a:noFill/>
+          </p:spPr>
+          <p:txBody>
+            <a:bodyPr wrap="square">
+              <a:spAutoFit/>
+            </a:bodyPr>
+            <a:lstStyle/>
+            <a:p>
+              <a:r>
+                <a:rPr lang="zh-CN" altLang="en-US" sz="3600" b="0" i="0" dirty="0">
+                  <a:solidFill>
+                    <a:schemeClr val="bg1">
+                      <a:lumMod val="65000"/>
+                    </a:schemeClr>
+                  </a:solidFill>
+                  <a:effectLst/>
+                  <a:latin typeface="等线" panose="02010600030101010101" pitchFamily="2" charset="-122"/>
+                  <a:ea typeface="等线" panose="02010600030101010101" pitchFamily="2" charset="-122"/>
+                </a:rPr>
+                <a:t>各模块介绍</a:t>
+              </a:r>
+              <a:endParaRPr lang="en-US" altLang="zh-CN" sz="3600" b="0" i="0" dirty="0">
+                <a:solidFill>
+                  <a:schemeClr val="bg1">
+                    <a:lumMod val="65000"/>
+                  </a:schemeClr>
+                </a:solidFill>
+                <a:effectLst/>
+                <a:latin typeface="等线" panose="02010600030101010101" pitchFamily="2" charset="-122"/>
+                <a:ea typeface="等线" panose="02010600030101010101" pitchFamily="2" charset="-122"/>
+              </a:endParaRPr>
+            </a:p>
+          </p:txBody>
+        </p:sp>
+        <p:sp>
+          <p:nvSpPr>
+            <p:cNvPr id="12" name="等腰三角形 11">
+              <a:extLst>
+                <a:ext uri="{FF2B5EF4-FFF2-40B4-BE49-F238E27FC236}">
+                  <a16:creationId xmlns:a16="http://schemas.microsoft.com/office/drawing/2014/main" id="{CAD3DF1F-0A52-48E2-B7BF-353394E94EFE}"/>
+                </a:ext>
+              </a:extLst>
+            </p:cNvPr>
+            <p:cNvSpPr/>
+            <p:nvPr/>
+          </p:nvSpPr>
+          <p:spPr>
+            <a:xfrm rot="5400000">
+              <a:off x="2886075" y="1854784"/>
+              <a:ext cx="828675" cy="302895"/>
+            </a:xfrm>
+            <a:prstGeom prst="triangle">
+              <a:avLst/>
+            </a:prstGeom>
+            <a:ln>
+              <a:noFill/>
+            </a:ln>
+          </p:spPr>
+          <p:style>
+            <a:lnRef idx="2">
+              <a:schemeClr val="accent1">
+                <a:shade val="50000"/>
+              </a:schemeClr>
+            </a:lnRef>
+            <a:fillRef idx="1">
+              <a:schemeClr val="accent1"/>
+            </a:fillRef>
+            <a:effectRef idx="0">
+              <a:schemeClr val="accent1"/>
+            </a:effectRef>
+            <a:fontRef idx="minor">
+              <a:schemeClr val="lt1"/>
+            </a:fontRef>
+          </p:style>
+          <p:txBody>
+            <a:bodyPr rtlCol="0" anchor="ctr"/>
+            <a:lstStyle/>
+            <a:p>
+              <a:pPr algn="ctr"/>
+              <a:endParaRPr lang="zh-CN" altLang="en-US"/>
+            </a:p>
+          </p:txBody>
+        </p:sp>
+      </p:grpSp>
+      <p:grpSp>
+        <p:nvGrpSpPr>
+          <p:cNvPr id="13" name="组合 12">
+            <a:extLst>
+              <a:ext uri="{FF2B5EF4-FFF2-40B4-BE49-F238E27FC236}">
+                <a16:creationId xmlns:a16="http://schemas.microsoft.com/office/drawing/2014/main" id="{5B43F4D9-B86D-41D8-9D02-E9379F258573}"/>
+              </a:ext>
+            </a:extLst>
+          </p:cNvPr>
+          <p:cNvGrpSpPr/>
+          <p:nvPr/>
+        </p:nvGrpSpPr>
+        <p:grpSpPr>
+          <a:xfrm>
+            <a:off x="3148965" y="4342178"/>
+            <a:ext cx="4125509" cy="828675"/>
+            <a:chOff x="3148965" y="1591894"/>
+            <a:chExt cx="3153843" cy="828675"/>
+          </a:xfrm>
+        </p:grpSpPr>
+        <p:sp>
+          <p:nvSpPr>
+            <p:cNvPr id="14" name="文本框 13">
+              <a:extLst>
+                <a:ext uri="{FF2B5EF4-FFF2-40B4-BE49-F238E27FC236}">
+                  <a16:creationId xmlns:a16="http://schemas.microsoft.com/office/drawing/2014/main" id="{F0120B18-44D2-4F58-81B1-80B4D0BB46B0}"/>
+                </a:ext>
+              </a:extLst>
+            </p:cNvPr>
+            <p:cNvSpPr txBox="1"/>
+            <p:nvPr/>
+          </p:nvSpPr>
+          <p:spPr>
+            <a:xfrm>
+              <a:off x="3689624" y="1683065"/>
+              <a:ext cx="2613184" cy="646331"/>
+            </a:xfrm>
+            <a:prstGeom prst="rect">
+              <a:avLst/>
+            </a:prstGeom>
+            <a:noFill/>
+          </p:spPr>
+          <p:txBody>
+            <a:bodyPr wrap="square">
+              <a:spAutoFit/>
+            </a:bodyPr>
+            <a:lstStyle/>
+            <a:p>
+              <a:r>
+                <a:rPr lang="zh-CN" altLang="en-US" sz="3600" dirty="0">
+                  <a:solidFill>
+                    <a:schemeClr val="bg1">
+                      <a:lumMod val="65000"/>
+                    </a:schemeClr>
+                  </a:solidFill>
+                  <a:latin typeface="等线" panose="02010600030101010101" pitchFamily="2" charset="-122"/>
+                  <a:ea typeface="等线" panose="02010600030101010101" pitchFamily="2" charset="-122"/>
+                </a:rPr>
+                <a:t>项目相关设计</a:t>
+              </a:r>
+              <a:endParaRPr lang="en-US" altLang="zh-CN" sz="3600" b="0" i="0" dirty="0">
+                <a:solidFill>
+                  <a:schemeClr val="bg1">
+                    <a:lumMod val="65000"/>
+                  </a:schemeClr>
+                </a:solidFill>
+                <a:effectLst/>
+                <a:latin typeface="等线" panose="02010600030101010101" pitchFamily="2" charset="-122"/>
+                <a:ea typeface="等线" panose="02010600030101010101" pitchFamily="2" charset="-122"/>
+              </a:endParaRPr>
+            </a:p>
+          </p:txBody>
+        </p:sp>
+        <p:sp>
+          <p:nvSpPr>
+            <p:cNvPr id="15" name="等腰三角形 14">
+              <a:extLst>
+                <a:ext uri="{FF2B5EF4-FFF2-40B4-BE49-F238E27FC236}">
+                  <a16:creationId xmlns:a16="http://schemas.microsoft.com/office/drawing/2014/main" id="{61923A2D-6A4B-45DA-93DF-3DE360418B7F}"/>
+                </a:ext>
+              </a:extLst>
+            </p:cNvPr>
+            <p:cNvSpPr/>
+            <p:nvPr/>
+          </p:nvSpPr>
+          <p:spPr>
+            <a:xfrm rot="5400000">
+              <a:off x="2886075" y="1854784"/>
+              <a:ext cx="828675" cy="302895"/>
+            </a:xfrm>
+            <a:prstGeom prst="triangle">
+              <a:avLst/>
+            </a:prstGeom>
+            <a:ln>
+              <a:noFill/>
+            </a:ln>
+          </p:spPr>
+          <p:style>
+            <a:lnRef idx="2">
+              <a:schemeClr val="accent1">
+                <a:shade val="50000"/>
+              </a:schemeClr>
+            </a:lnRef>
+            <a:fillRef idx="1">
+              <a:schemeClr val="accent1"/>
+            </a:fillRef>
+            <a:effectRef idx="0">
+              <a:schemeClr val="accent1"/>
+            </a:effectRef>
+            <a:fontRef idx="minor">
+              <a:schemeClr val="lt1"/>
+            </a:fontRef>
+          </p:style>
+          <p:txBody>
+            <a:bodyPr rtlCol="0" anchor="ctr"/>
+            <a:lstStyle/>
+            <a:p>
+              <a:pPr algn="ctr"/>
+              <a:endParaRPr lang="zh-CN" altLang="en-US"/>
+            </a:p>
+          </p:txBody>
+        </p:sp>
+      </p:grpSp>
+    </p:spTree>
+    <p:extLst>
+      <p:ext uri="{BB962C8B-B14F-4D97-AF65-F5344CB8AC3E}">
+        <p14:creationId xmlns:p14="http://schemas.microsoft.com/office/powerpoint/2010/main" val="3909322404"/>
+      </p:ext>
+    </p:extLst>
+  </p:cSld>
+  <p:clrMapOvr>
+    <a:masterClrMapping/>
+  </p:clrMapOvr>
+</p:sld>
+</file>
+
+<file path=ppt/slides/slide20.xml><?xml version="1.0" encoding="utf-8"?>
 <p:sld xmlns:a="http://schemas.openxmlformats.org/drawingml/2006/main" xmlns:r="http://schemas.openxmlformats.org/officeDocument/2006/relationships" xmlns:p="http://schemas.openxmlformats.org/presentationml/2006/main">
   <p:cSld>
     <p:spTree>
@@ -20744,7 +23941,7 @@
                 <a:tabLst/>
                 <a:defRPr/>
               </a:pPr>
-              <a:t>16</a:t>
+              <a:t>20</a:t>
             </a:fld>
             <a:endParaRPr kumimoji="0" lang="zh-CN" altLang="en-US" sz="1440" b="0" i="0" u="none" strike="noStrike" kern="1200" cap="none" spc="0" normalizeH="0" baseline="0" noProof="0">
               <a:ln>
@@ -21990,7 +25187,7 @@
 </p:sld>
 </file>
 
-<file path=ppt/slides/slide17.xml><?xml version="1.0" encoding="utf-8"?>
+<file path=ppt/slides/slide21.xml><?xml version="1.0" encoding="utf-8"?>
 <p:sld xmlns:a="http://schemas.openxmlformats.org/drawingml/2006/main" xmlns:r="http://schemas.openxmlformats.org/officeDocument/2006/relationships" xmlns:p="http://schemas.openxmlformats.org/presentationml/2006/main">
   <p:cSld>
     <p:spTree>
@@ -22105,7 +25302,7 @@
                 <a:tabLst/>
                 <a:defRPr/>
               </a:pPr>
-              <a:t>17</a:t>
+              <a:t>21</a:t>
             </a:fld>
             <a:endParaRPr kumimoji="0" lang="zh-CN" altLang="en-US" sz="1440" b="0" i="0" u="none" strike="noStrike" kern="1200" cap="none" spc="0" normalizeH="0" baseline="0" noProof="0">
               <a:ln>
@@ -23186,7 +26383,7 @@
 </p:sld>
 </file>
 
-<file path=ppt/slides/slide18.xml><?xml version="1.0" encoding="utf-8"?>
+<file path=ppt/slides/slide22.xml><?xml version="1.0" encoding="utf-8"?>
 <p:sld xmlns:a="http://schemas.openxmlformats.org/drawingml/2006/main" xmlns:r="http://schemas.openxmlformats.org/officeDocument/2006/relationships" xmlns:p="http://schemas.openxmlformats.org/presentationml/2006/main">
   <p:cSld>
     <p:spTree>
@@ -23228,7 +26425,7 @@
                 </a:solidFill>
               </a:rPr>
               <a:pPr defTabSz="1097280"/>
-              <a:t>18</a:t>
+              <a:t>22</a:t>
             </a:fld>
             <a:endParaRPr lang="zh-CN" altLang="en-US">
               <a:solidFill>
@@ -23390,7 +26587,7 @@
 </p:sld>
 </file>
 
-<file path=ppt/slides/slide2.xml><?xml version="1.0" encoding="utf-8"?>
+<file path=ppt/slides/slide3.xml><?xml version="1.0" encoding="utf-8"?>
 <p:sld xmlns:a="http://schemas.openxmlformats.org/drawingml/2006/main" xmlns:r="http://schemas.openxmlformats.org/officeDocument/2006/relationships" xmlns:p="http://schemas.openxmlformats.org/presentationml/2006/main">
   <p:cSld>
     <p:spTree>
@@ -23426,7 +26623,7 @@
               <a:rPr kumimoji="1" lang="zh-CN" altLang="en-US" sz="3840" dirty="0">
                 <a:latin typeface="Candara" panose="020E0502030303020204" charset="0"/>
               </a:rPr>
-              <a:t>介绍</a:t>
+              <a:t>简介</a:t>
             </a:r>
             <a:endParaRPr kumimoji="1" lang="en-US" altLang="zh-CN" sz="3840" dirty="0">
               <a:latin typeface="Candara" panose="020E0502030303020204" charset="0"/>
@@ -23504,7 +26701,7 @@
                 <a:tabLst/>
                 <a:defRPr/>
               </a:pPr>
-              <a:t>2</a:t>
+              <a:t>3</a:t>
             </a:fld>
             <a:endParaRPr kumimoji="0" lang="zh-CN" altLang="en-US" sz="1440" b="0" i="0" u="none" strike="noStrike" kern="1200" cap="none" spc="0" normalizeH="0" baseline="0" noProof="0">
               <a:ln>
@@ -23847,7 +27044,7 @@
     </p:spTree>
     <p:extLst>
       <p:ext uri="{BB962C8B-B14F-4D97-AF65-F5344CB8AC3E}">
-        <p14:creationId xmlns:p14="http://schemas.microsoft.com/office/powerpoint/2010/main" val="3909322404"/>
+        <p14:creationId xmlns:p14="http://schemas.microsoft.com/office/powerpoint/2010/main" val="1841595454"/>
       </p:ext>
     </p:extLst>
   </p:cSld>
@@ -23857,7 +27054,7 @@
 </p:sld>
 </file>
 
-<file path=ppt/slides/slide3.xml><?xml version="1.0" encoding="utf-8"?>
+<file path=ppt/slides/slide4.xml><?xml version="1.0" encoding="utf-8"?>
 <p:sld xmlns:a="http://schemas.openxmlformats.org/drawingml/2006/main" xmlns:r="http://schemas.openxmlformats.org/officeDocument/2006/relationships" xmlns:p="http://schemas.openxmlformats.org/presentationml/2006/main">
   <p:cSld>
     <p:spTree>
@@ -23971,7 +27168,7 @@
                 <a:tabLst/>
                 <a:defRPr/>
               </a:pPr>
-              <a:t>3</a:t>
+              <a:t>4</a:t>
             </a:fld>
             <a:endParaRPr kumimoji="0" lang="zh-CN" altLang="en-US" sz="1440" b="0" i="0" u="none" strike="noStrike" kern="1200" cap="none" spc="0" normalizeH="0" baseline="0" noProof="0">
               <a:ln>
@@ -24006,7 +27203,7 @@
         <p:spPr>
           <a:xfrm>
             <a:off x="1116568" y="1462385"/>
-            <a:ext cx="9958864" cy="4468018"/>
+            <a:ext cx="9958864" cy="3914020"/>
           </a:xfrm>
           <a:prstGeom prst="rect">
             <a:avLst/>
@@ -24027,14 +27224,14 @@
               <a:buChar char="-"/>
             </a:pPr>
             <a:r>
-              <a:rPr lang="en-US" altLang="zh-CN" sz="2400" dirty="0">
+              <a:rPr lang="en-US" altLang="zh-CN" sz="2400" dirty="0" err="1">
                 <a:solidFill>
                   <a:srgbClr val="333333"/>
                 </a:solidFill>
                 <a:latin typeface="等线" panose="02010600030101010101" pitchFamily="2" charset="-122"/>
                 <a:ea typeface="等线" panose="02010600030101010101" pitchFamily="2" charset="-122"/>
               </a:rPr>
-              <a:t>core</a:t>
+              <a:t>src</a:t>
             </a:r>
             <a:r>
               <a:rPr lang="zh-CN" altLang="en-US" sz="2400" dirty="0">
@@ -24313,45 +27510,6 @@
               <a:ea typeface="等线" panose="02010600030101010101" pitchFamily="2" charset="-122"/>
             </a:endParaRPr>
           </a:p>
-          <a:p>
-            <a:pPr marL="342900" indent="-342900">
-              <a:lnSpc>
-                <a:spcPct val="150000"/>
-              </a:lnSpc>
-              <a:buFontTx/>
-              <a:buChar char="-"/>
-            </a:pPr>
-            <a:r>
-              <a:rPr lang="en-US" altLang="zh-CN" sz="2400" b="0" i="0" dirty="0">
-                <a:solidFill>
-                  <a:srgbClr val="333333"/>
-                </a:solidFill>
-                <a:effectLst/>
-                <a:latin typeface="等线" panose="02010600030101010101" pitchFamily="2" charset="-122"/>
-                <a:ea typeface="等线" panose="02010600030101010101" pitchFamily="2" charset="-122"/>
-              </a:rPr>
-              <a:t>utils</a:t>
-            </a:r>
-            <a:r>
-              <a:rPr lang="zh-CN" altLang="en-US" sz="2400" b="0" i="0" dirty="0">
-                <a:solidFill>
-                  <a:srgbClr val="333333"/>
-                </a:solidFill>
-                <a:effectLst/>
-                <a:latin typeface="等线" panose="02010600030101010101" pitchFamily="2" charset="-122"/>
-                <a:ea typeface="等线" panose="02010600030101010101" pitchFamily="2" charset="-122"/>
-              </a:rPr>
-              <a:t>（帮助类）</a:t>
-            </a:r>
-            <a:endParaRPr lang="en-US" altLang="zh-CN" sz="2400" b="0" i="0" dirty="0">
-              <a:solidFill>
-                <a:srgbClr val="333333"/>
-              </a:solidFill>
-              <a:effectLst/>
-              <a:latin typeface="等线" panose="02010600030101010101" pitchFamily="2" charset="-122"/>
-              <a:ea typeface="等线" panose="02010600030101010101" pitchFamily="2" charset="-122"/>
-            </a:endParaRPr>
-          </a:p>
         </p:txBody>
       </p:sp>
     </p:spTree>
@@ -24367,7 +27525,7 @@
 </p:sld>
 </file>
 
-<file path=ppt/slides/slide4.xml><?xml version="1.0" encoding="utf-8"?>
+<file path=ppt/slides/slide5.xml><?xml version="1.0" encoding="utf-8"?>
 <p:sld xmlns:a="http://schemas.openxmlformats.org/drawingml/2006/main" xmlns:r="http://schemas.openxmlformats.org/officeDocument/2006/relationships" xmlns:p="http://schemas.openxmlformats.org/presentationml/2006/main">
   <p:cSld>
     <p:spTree>
@@ -24481,7 +27639,7 @@
                 <a:tabLst/>
                 <a:defRPr/>
               </a:pPr>
-              <a:t>4</a:t>
+              <a:t>5</a:t>
             </a:fld>
             <a:endParaRPr kumimoji="0" lang="zh-CN" altLang="en-US" sz="1440" b="0" i="0" u="none" strike="noStrike" kern="1200" cap="none" spc="0" normalizeH="0" baseline="0" noProof="0">
               <a:ln>
@@ -24544,25 +27702,6 @@
                 <a:latin typeface="等线" panose="02010600030101010101" pitchFamily="2" charset="-122"/>
                 <a:ea typeface="等线" panose="02010600030101010101" pitchFamily="2" charset="-122"/>
               </a:rPr>
-              <a:t>core</a:t>
-            </a:r>
-          </a:p>
-          <a:p>
-            <a:pPr marL="800100" lvl="1" indent="-342900">
-              <a:lnSpc>
-                <a:spcPts val="3500"/>
-              </a:lnSpc>
-              <a:buFontTx/>
-              <a:buChar char="-"/>
-            </a:pPr>
-            <a:r>
-              <a:rPr lang="en-US" altLang="zh-CN" sz="2400" dirty="0">
-                <a:solidFill>
-                  <a:srgbClr val="333333"/>
-                </a:solidFill>
-                <a:latin typeface="等线" panose="02010600030101010101" pitchFamily="2" charset="-122"/>
-                <a:ea typeface="等线" panose="02010600030101010101" pitchFamily="2" charset="-122"/>
-              </a:rPr>
               <a:t>client</a:t>
             </a:r>
             <a:r>
@@ -24584,6 +27723,221 @@
             </a:endParaRPr>
           </a:p>
           <a:p>
+            <a:pPr marL="342900" indent="-342900">
+              <a:lnSpc>
+                <a:spcPts val="3500"/>
+              </a:lnSpc>
+              <a:buFontTx/>
+              <a:buChar char="-"/>
+            </a:pPr>
+            <a:r>
+              <a:rPr lang="en-US" altLang="zh-CN" sz="2400" dirty="0" err="1">
+                <a:solidFill>
+                  <a:srgbClr val="333333"/>
+                </a:solidFill>
+                <a:latin typeface="等线" panose="02010600030101010101" pitchFamily="2" charset="-122"/>
+                <a:ea typeface="等线" panose="02010600030101010101" pitchFamily="2" charset="-122"/>
+              </a:rPr>
+              <a:t>gpu</a:t>
+            </a:r>
+            <a:r>
+              <a:rPr lang="zh-CN" altLang="en-US" sz="2400" dirty="0">
+                <a:solidFill>
+                  <a:srgbClr val="333333"/>
+                </a:solidFill>
+                <a:latin typeface="等线" panose="02010600030101010101" pitchFamily="2" charset="-122"/>
+                <a:ea typeface="等线" panose="02010600030101010101" pitchFamily="2" charset="-122"/>
+              </a:rPr>
+              <a:t>（</a:t>
+            </a:r>
+            <a:r>
+              <a:rPr lang="en-US" altLang="zh-CN" sz="2400" dirty="0">
+                <a:solidFill>
+                  <a:srgbClr val="333333"/>
+                </a:solidFill>
+                <a:latin typeface="等线" panose="02010600030101010101" pitchFamily="2" charset="-122"/>
+                <a:ea typeface="等线" panose="02010600030101010101" pitchFamily="2" charset="-122"/>
+              </a:rPr>
+              <a:t>GPU</a:t>
+            </a:r>
+            <a:r>
+              <a:rPr lang="zh-CN" altLang="en-US" sz="2400" dirty="0">
+                <a:solidFill>
+                  <a:srgbClr val="333333"/>
+                </a:solidFill>
+                <a:latin typeface="等线" panose="02010600030101010101" pitchFamily="2" charset="-122"/>
+                <a:ea typeface="等线" panose="02010600030101010101" pitchFamily="2" charset="-122"/>
+              </a:rPr>
+              <a:t>部分，参考</a:t>
+            </a:r>
+            <a:r>
+              <a:rPr lang="en-US" altLang="zh-CN" sz="2400" dirty="0" err="1">
+                <a:solidFill>
+                  <a:srgbClr val="333333"/>
+                </a:solidFill>
+                <a:latin typeface="等线" panose="02010600030101010101" pitchFamily="2" charset="-122"/>
+                <a:ea typeface="等线" panose="02010600030101010101" pitchFamily="2" charset="-122"/>
+              </a:rPr>
+              <a:t>Wukong+G</a:t>
+            </a:r>
+            <a:r>
+              <a:rPr lang="en-US" altLang="zh-CN" sz="2400" dirty="0">
+                <a:solidFill>
+                  <a:srgbClr val="333333"/>
+                </a:solidFill>
+                <a:latin typeface="等线" panose="02010600030101010101" pitchFamily="2" charset="-122"/>
+                <a:ea typeface="等线" panose="02010600030101010101" pitchFamily="2" charset="-122"/>
+              </a:rPr>
+              <a:t>(ATC’18)</a:t>
+            </a:r>
+            <a:r>
+              <a:rPr lang="zh-CN" altLang="en-US" sz="2400" dirty="0">
+                <a:solidFill>
+                  <a:srgbClr val="333333"/>
+                </a:solidFill>
+                <a:latin typeface="等线" panose="02010600030101010101" pitchFamily="2" charset="-122"/>
+                <a:ea typeface="等线" panose="02010600030101010101" pitchFamily="2" charset="-122"/>
+              </a:rPr>
+              <a:t>）</a:t>
+            </a:r>
+            <a:endParaRPr lang="en-US" altLang="zh-CN" sz="2400" dirty="0">
+              <a:solidFill>
+                <a:srgbClr val="333333"/>
+              </a:solidFill>
+              <a:latin typeface="等线" panose="02010600030101010101" pitchFamily="2" charset="-122"/>
+              <a:ea typeface="等线" panose="02010600030101010101" pitchFamily="2" charset="-122"/>
+            </a:endParaRPr>
+          </a:p>
+          <a:p>
+            <a:pPr marL="342900" indent="-342900">
+              <a:lnSpc>
+                <a:spcPts val="3500"/>
+              </a:lnSpc>
+              <a:buFontTx/>
+              <a:buChar char="-"/>
+            </a:pPr>
+            <a:r>
+              <a:rPr lang="en-US" altLang="zh-CN" sz="2400" dirty="0">
+                <a:solidFill>
+                  <a:srgbClr val="333333"/>
+                </a:solidFill>
+                <a:latin typeface="等线" panose="02010600030101010101" pitchFamily="2" charset="-122"/>
+                <a:ea typeface="等线" panose="02010600030101010101" pitchFamily="2" charset="-122"/>
+              </a:rPr>
+              <a:t>loader</a:t>
+            </a:r>
+            <a:r>
+              <a:rPr lang="zh-CN" altLang="en-US" sz="2400" dirty="0">
+                <a:solidFill>
+                  <a:srgbClr val="333333"/>
+                </a:solidFill>
+                <a:latin typeface="等线" panose="02010600030101010101" pitchFamily="2" charset="-122"/>
+                <a:ea typeface="等线" panose="02010600030101010101" pitchFamily="2" charset="-122"/>
+              </a:rPr>
+              <a:t>（图数据加载）</a:t>
+            </a:r>
+            <a:endParaRPr lang="en-US" altLang="zh-CN" sz="2400" dirty="0">
+              <a:solidFill>
+                <a:srgbClr val="333333"/>
+              </a:solidFill>
+              <a:latin typeface="等线" panose="02010600030101010101" pitchFamily="2" charset="-122"/>
+              <a:ea typeface="等线" panose="02010600030101010101" pitchFamily="2" charset="-122"/>
+            </a:endParaRPr>
+          </a:p>
+          <a:p>
+            <a:pPr marL="342900" indent="-342900">
+              <a:lnSpc>
+                <a:spcPts val="3500"/>
+              </a:lnSpc>
+              <a:buFontTx/>
+              <a:buChar char="-"/>
+            </a:pPr>
+            <a:r>
+              <a:rPr lang="en-US" altLang="zh-CN" sz="2400" dirty="0">
+                <a:solidFill>
+                  <a:srgbClr val="333333"/>
+                </a:solidFill>
+                <a:latin typeface="等线" panose="02010600030101010101" pitchFamily="2" charset="-122"/>
+                <a:ea typeface="等线" panose="02010600030101010101" pitchFamily="2" charset="-122"/>
+              </a:rPr>
+              <a:t>optimizer</a:t>
+            </a:r>
+            <a:r>
+              <a:rPr lang="zh-CN" altLang="en-US" sz="2400" dirty="0">
+                <a:solidFill>
+                  <a:srgbClr val="333333"/>
+                </a:solidFill>
+                <a:latin typeface="等线" panose="02010600030101010101" pitchFamily="2" charset="-122"/>
+                <a:ea typeface="等线" panose="02010600030101010101" pitchFamily="2" charset="-122"/>
+              </a:rPr>
+              <a:t>（查询优化器）</a:t>
+            </a:r>
+            <a:endParaRPr lang="en-US" altLang="zh-CN" sz="2400" dirty="0">
+              <a:solidFill>
+                <a:srgbClr val="333333"/>
+              </a:solidFill>
+              <a:latin typeface="等线" panose="02010600030101010101" pitchFamily="2" charset="-122"/>
+              <a:ea typeface="等线" panose="02010600030101010101" pitchFamily="2" charset="-122"/>
+            </a:endParaRPr>
+          </a:p>
+          <a:p>
+            <a:pPr marL="342900" indent="-342900">
+              <a:lnSpc>
+                <a:spcPts val="3500"/>
+              </a:lnSpc>
+              <a:buFontTx/>
+              <a:buChar char="-"/>
+            </a:pPr>
+            <a:r>
+              <a:rPr lang="en-US" altLang="zh-CN" sz="2400" b="0" i="0" dirty="0">
+                <a:solidFill>
+                  <a:srgbClr val="333333"/>
+                </a:solidFill>
+                <a:effectLst/>
+                <a:latin typeface="等线" panose="02010600030101010101" pitchFamily="2" charset="-122"/>
+                <a:ea typeface="等线" panose="02010600030101010101" pitchFamily="2" charset="-122"/>
+              </a:rPr>
+              <a:t>utils</a:t>
+            </a:r>
+            <a:r>
+              <a:rPr lang="zh-CN" altLang="en-US" sz="2400" b="0" i="0" dirty="0">
+                <a:solidFill>
+                  <a:srgbClr val="333333"/>
+                </a:solidFill>
+                <a:effectLst/>
+                <a:latin typeface="等线" panose="02010600030101010101" pitchFamily="2" charset="-122"/>
+                <a:ea typeface="等线" panose="02010600030101010101" pitchFamily="2" charset="-122"/>
+              </a:rPr>
+              <a:t>（帮助类）</a:t>
+            </a:r>
+            <a:endParaRPr lang="en-US" altLang="zh-CN" sz="2400" dirty="0">
+              <a:solidFill>
+                <a:srgbClr val="333333"/>
+              </a:solidFill>
+              <a:latin typeface="等线" panose="02010600030101010101" pitchFamily="2" charset="-122"/>
+              <a:ea typeface="等线" panose="02010600030101010101" pitchFamily="2" charset="-122"/>
+            </a:endParaRPr>
+          </a:p>
+          <a:p>
+            <a:pPr marL="342900" indent="-342900">
+              <a:lnSpc>
+                <a:spcPts val="3500"/>
+              </a:lnSpc>
+              <a:buFontTx/>
+              <a:buChar char="-"/>
+            </a:pPr>
+            <a:r>
+              <a:rPr lang="en-US" altLang="zh-CN" sz="2400" dirty="0">
+                <a:solidFill>
+                  <a:srgbClr val="333333"/>
+                </a:solidFill>
+                <a:latin typeface="等线" panose="02010600030101010101" pitchFamily="2" charset="-122"/>
+                <a:ea typeface="等线" panose="02010600030101010101" pitchFamily="2" charset="-122"/>
+              </a:rPr>
+              <a:t>core</a:t>
+            </a:r>
+          </a:p>
+          <a:p>
             <a:pPr marL="800100" lvl="1" indent="-342900">
               <a:lnSpc>
                 <a:spcPts val="3500"/>
@@ -24599,7 +27953,7 @@
                 <a:latin typeface="等线" panose="02010600030101010101" pitchFamily="2" charset="-122"/>
                 <a:ea typeface="等线" panose="02010600030101010101" pitchFamily="2" charset="-122"/>
               </a:rPr>
-              <a:t>comm</a:t>
+              <a:t>network</a:t>
             </a:r>
             <a:r>
               <a:rPr lang="zh-CN" altLang="en-US" sz="2400" dirty="0">
@@ -24720,200 +28074,6 @@
               <a:buChar char="-"/>
             </a:pPr>
             <a:r>
-              <a:rPr lang="en-US" altLang="zh-CN" sz="2400" dirty="0" err="1">
-                <a:solidFill>
-                  <a:srgbClr val="333333"/>
-                </a:solidFill>
-                <a:latin typeface="等线" panose="02010600030101010101" pitchFamily="2" charset="-122"/>
-                <a:ea typeface="等线" panose="02010600030101010101" pitchFamily="2" charset="-122"/>
-              </a:rPr>
-              <a:t>gpu</a:t>
-            </a:r>
-            <a:r>
-              <a:rPr lang="zh-CN" altLang="en-US" sz="2400" dirty="0">
-                <a:solidFill>
-                  <a:srgbClr val="333333"/>
-                </a:solidFill>
-                <a:latin typeface="等线" panose="02010600030101010101" pitchFamily="2" charset="-122"/>
-                <a:ea typeface="等线" panose="02010600030101010101" pitchFamily="2" charset="-122"/>
-              </a:rPr>
-              <a:t>（</a:t>
-            </a:r>
-            <a:r>
-              <a:rPr lang="en-US" altLang="zh-CN" sz="2400" dirty="0">
-                <a:solidFill>
-                  <a:srgbClr val="333333"/>
-                </a:solidFill>
-                <a:latin typeface="等线" panose="02010600030101010101" pitchFamily="2" charset="-122"/>
-                <a:ea typeface="等线" panose="02010600030101010101" pitchFamily="2" charset="-122"/>
-              </a:rPr>
-              <a:t>GPU</a:t>
-            </a:r>
-            <a:r>
-              <a:rPr lang="zh-CN" altLang="en-US" sz="2400" dirty="0">
-                <a:solidFill>
-                  <a:srgbClr val="333333"/>
-                </a:solidFill>
-                <a:latin typeface="等线" panose="02010600030101010101" pitchFamily="2" charset="-122"/>
-                <a:ea typeface="等线" panose="02010600030101010101" pitchFamily="2" charset="-122"/>
-              </a:rPr>
-              <a:t>部分，参考</a:t>
-            </a:r>
-            <a:r>
-              <a:rPr lang="en-US" altLang="zh-CN" sz="2400" dirty="0" err="1">
-                <a:solidFill>
-                  <a:srgbClr val="333333"/>
-                </a:solidFill>
-                <a:latin typeface="等线" panose="02010600030101010101" pitchFamily="2" charset="-122"/>
-                <a:ea typeface="等线" panose="02010600030101010101" pitchFamily="2" charset="-122"/>
-              </a:rPr>
-              <a:t>Wukong+G</a:t>
-            </a:r>
-            <a:r>
-              <a:rPr lang="en-US" altLang="zh-CN" sz="2400" dirty="0">
-                <a:solidFill>
-                  <a:srgbClr val="333333"/>
-                </a:solidFill>
-                <a:latin typeface="等线" panose="02010600030101010101" pitchFamily="2" charset="-122"/>
-                <a:ea typeface="等线" panose="02010600030101010101" pitchFamily="2" charset="-122"/>
-              </a:rPr>
-              <a:t>(ATC’18)</a:t>
-            </a:r>
-            <a:r>
-              <a:rPr lang="zh-CN" altLang="en-US" sz="2400" dirty="0">
-                <a:solidFill>
-                  <a:srgbClr val="333333"/>
-                </a:solidFill>
-                <a:latin typeface="等线" panose="02010600030101010101" pitchFamily="2" charset="-122"/>
-                <a:ea typeface="等线" panose="02010600030101010101" pitchFamily="2" charset="-122"/>
-              </a:rPr>
-              <a:t>）</a:t>
-            </a:r>
-            <a:endParaRPr lang="en-US" altLang="zh-CN" sz="2400" dirty="0">
-              <a:solidFill>
-                <a:srgbClr val="333333"/>
-              </a:solidFill>
-              <a:latin typeface="等线" panose="02010600030101010101" pitchFamily="2" charset="-122"/>
-              <a:ea typeface="等线" panose="02010600030101010101" pitchFamily="2" charset="-122"/>
-            </a:endParaRPr>
-          </a:p>
-          <a:p>
-            <a:pPr marL="800100" lvl="1" indent="-342900">
-              <a:lnSpc>
-                <a:spcPts val="3500"/>
-              </a:lnSpc>
-              <a:buFontTx/>
-              <a:buChar char="-"/>
-            </a:pPr>
-            <a:r>
-              <a:rPr lang="en-US" altLang="zh-CN" sz="2400" dirty="0">
-                <a:solidFill>
-                  <a:srgbClr val="333333"/>
-                </a:solidFill>
-                <a:latin typeface="等线" panose="02010600030101010101" pitchFamily="2" charset="-122"/>
-                <a:ea typeface="等线" panose="02010600030101010101" pitchFamily="2" charset="-122"/>
-              </a:rPr>
-              <a:t>graph</a:t>
-            </a:r>
-            <a:r>
-              <a:rPr lang="zh-CN" altLang="en-US" sz="2400" dirty="0">
-                <a:solidFill>
-                  <a:srgbClr val="333333"/>
-                </a:solidFill>
-                <a:latin typeface="等线" panose="02010600030101010101" pitchFamily="2" charset="-122"/>
-                <a:ea typeface="等线" panose="02010600030101010101" pitchFamily="2" charset="-122"/>
-              </a:rPr>
-              <a:t>（图模型）</a:t>
-            </a:r>
-            <a:endParaRPr lang="en-US" altLang="zh-CN" sz="2400" dirty="0">
-              <a:solidFill>
-                <a:srgbClr val="333333"/>
-              </a:solidFill>
-              <a:latin typeface="等线" panose="02010600030101010101" pitchFamily="2" charset="-122"/>
-              <a:ea typeface="等线" panose="02010600030101010101" pitchFamily="2" charset="-122"/>
-            </a:endParaRPr>
-          </a:p>
-          <a:p>
-            <a:pPr marL="800100" lvl="1" indent="-342900">
-              <a:lnSpc>
-                <a:spcPts val="3500"/>
-              </a:lnSpc>
-              <a:buFontTx/>
-              <a:buChar char="-"/>
-            </a:pPr>
-            <a:r>
-              <a:rPr lang="en-US" altLang="zh-CN" sz="2400" dirty="0">
-                <a:solidFill>
-                  <a:srgbClr val="333333"/>
-                </a:solidFill>
-                <a:latin typeface="等线" panose="02010600030101010101" pitchFamily="2" charset="-122"/>
-                <a:ea typeface="等线" panose="02010600030101010101" pitchFamily="2" charset="-122"/>
-              </a:rPr>
-              <a:t>loader</a:t>
-            </a:r>
-            <a:r>
-              <a:rPr lang="zh-CN" altLang="en-US" sz="2400" dirty="0">
-                <a:solidFill>
-                  <a:srgbClr val="333333"/>
-                </a:solidFill>
-                <a:latin typeface="等线" panose="02010600030101010101" pitchFamily="2" charset="-122"/>
-                <a:ea typeface="等线" panose="02010600030101010101" pitchFamily="2" charset="-122"/>
-              </a:rPr>
-              <a:t>（图数据加载）</a:t>
-            </a:r>
-            <a:endParaRPr lang="en-US" altLang="zh-CN" sz="2400" dirty="0">
-              <a:solidFill>
-                <a:srgbClr val="333333"/>
-              </a:solidFill>
-              <a:latin typeface="等线" panose="02010600030101010101" pitchFamily="2" charset="-122"/>
-              <a:ea typeface="等线" panose="02010600030101010101" pitchFamily="2" charset="-122"/>
-            </a:endParaRPr>
-          </a:p>
-          <a:p>
-            <a:pPr marL="800100" lvl="1" indent="-342900">
-              <a:lnSpc>
-                <a:spcPts val="3500"/>
-              </a:lnSpc>
-              <a:buFontTx/>
-              <a:buChar char="-"/>
-            </a:pPr>
-            <a:r>
-              <a:rPr lang="en-US" altLang="zh-CN" sz="2400" dirty="0">
-                <a:solidFill>
-                  <a:srgbClr val="333333"/>
-                </a:solidFill>
-                <a:latin typeface="等线" panose="02010600030101010101" pitchFamily="2" charset="-122"/>
-                <a:ea typeface="等线" panose="02010600030101010101" pitchFamily="2" charset="-122"/>
-              </a:rPr>
-              <a:t>optimizer</a:t>
-            </a:r>
-            <a:r>
-              <a:rPr lang="zh-CN" altLang="en-US" sz="2400" dirty="0">
-                <a:solidFill>
-                  <a:srgbClr val="333333"/>
-                </a:solidFill>
-                <a:latin typeface="等线" panose="02010600030101010101" pitchFamily="2" charset="-122"/>
-                <a:ea typeface="等线" panose="02010600030101010101" pitchFamily="2" charset="-122"/>
-              </a:rPr>
-              <a:t>（查询优化器）</a:t>
-            </a:r>
-            <a:endParaRPr lang="en-US" altLang="zh-CN" sz="2400" dirty="0">
-              <a:solidFill>
-                <a:srgbClr val="333333"/>
-              </a:solidFill>
-              <a:latin typeface="等线" panose="02010600030101010101" pitchFamily="2" charset="-122"/>
-              <a:ea typeface="等线" panose="02010600030101010101" pitchFamily="2" charset="-122"/>
-            </a:endParaRPr>
-          </a:p>
-          <a:p>
-            <a:pPr marL="800100" lvl="1" indent="-342900">
-              <a:lnSpc>
-                <a:spcPts val="3500"/>
-              </a:lnSpc>
-              <a:buFontTx/>
-              <a:buChar char="-"/>
-            </a:pPr>
-            <a:r>
               <a:rPr lang="en-US" altLang="zh-CN" sz="2400" dirty="0">
                 <a:solidFill>
                   <a:srgbClr val="333333"/>
@@ -24992,7 +28152,7 @@
 </p:sld>
 </file>
 
-<file path=ppt/slides/slide5.xml><?xml version="1.0" encoding="utf-8"?>
+<file path=ppt/slides/slide6.xml><?xml version="1.0" encoding="utf-8"?>
 <p:sld xmlns:a="http://schemas.openxmlformats.org/drawingml/2006/main" xmlns:r="http://schemas.openxmlformats.org/officeDocument/2006/relationships" xmlns:p="http://schemas.openxmlformats.org/presentationml/2006/main">
   <p:cSld>
     <p:spTree>
@@ -25106,7 +28266,7 @@
                 <a:tabLst/>
                 <a:defRPr/>
               </a:pPr>
-              <a:t>5</a:t>
+              <a:t>6</a:t>
             </a:fld>
             <a:endParaRPr kumimoji="0" lang="zh-CN" altLang="en-US" sz="1440" b="0" i="0" u="none" strike="noStrike" kern="1200" cap="none" spc="0" normalizeH="0" baseline="0" noProof="0">
               <a:ln>
@@ -25621,7 +28781,7 @@
 </p:sld>
 </file>
 
-<file path=ppt/slides/slide6.xml><?xml version="1.0" encoding="utf-8"?>
+<file path=ppt/slides/slide7.xml><?xml version="1.0" encoding="utf-8"?>
 <p:sld xmlns:a="http://schemas.openxmlformats.org/drawingml/2006/main" xmlns:r="http://schemas.openxmlformats.org/officeDocument/2006/relationships" xmlns:p="http://schemas.openxmlformats.org/presentationml/2006/main">
   <p:cSld>
     <p:spTree>
@@ -25742,7 +28902,7 @@
                 <a:tabLst/>
                 <a:defRPr/>
               </a:pPr>
-              <a:t>6</a:t>
+              <a:t>7</a:t>
             </a:fld>
             <a:endParaRPr kumimoji="0" lang="zh-CN" altLang="en-US" sz="1440" b="0" i="0" u="none" strike="noStrike" kern="1200" cap="none" spc="0" normalizeH="0" baseline="0" noProof="0">
               <a:ln>
@@ -27875,7 +31035,7 @@
 </p:sld>
 </file>
 
-<file path=ppt/slides/slide7.xml><?xml version="1.0" encoding="utf-8"?>
+<file path=ppt/slides/slide8.xml><?xml version="1.0" encoding="utf-8"?>
 <p:sld xmlns:a="http://schemas.openxmlformats.org/drawingml/2006/main" xmlns:r="http://schemas.openxmlformats.org/officeDocument/2006/relationships" xmlns:p="http://schemas.openxmlformats.org/presentationml/2006/main">
   <p:cSld>
     <p:spTree>
@@ -28007,7 +31167,7 @@
                 <a:tabLst/>
                 <a:defRPr/>
               </a:pPr>
-              <a:t>7</a:t>
+              <a:t>8</a:t>
             </a:fld>
             <a:endParaRPr kumimoji="0" lang="zh-CN" altLang="en-US" sz="1440" b="0" i="0" u="none" strike="noStrike" kern="1200" cap="none" spc="0" normalizeH="0" baseline="0" noProof="0">
               <a:ln>
@@ -28158,7 +31318,7 @@
 </p:sld>
 </file>
 
-<file path=ppt/slides/slide8.xml><?xml version="1.0" encoding="utf-8"?>
+<file path=ppt/slides/slide9.xml><?xml version="1.0" encoding="utf-8"?>
 <p:sld xmlns:a="http://schemas.openxmlformats.org/drawingml/2006/main" xmlns:r="http://schemas.openxmlformats.org/officeDocument/2006/relationships" xmlns:p="http://schemas.openxmlformats.org/presentationml/2006/main">
   <p:cSld>
     <p:spTree>
@@ -28278,7 +31438,7 @@
                 <a:tabLst/>
                 <a:defRPr/>
               </a:pPr>
-              <a:t>8</a:t>
+              <a:t>9</a:t>
             </a:fld>
             <a:endParaRPr kumimoji="0" lang="zh-CN" altLang="en-US" sz="1440" b="0" i="0" u="none" strike="noStrike" kern="1200" cap="none" spc="0" normalizeH="0" baseline="0" noProof="0">
               <a:ln>
@@ -30532,1663 +33692,6 @@
 </p:sld>
 </file>
 
-<file path=ppt/slides/slide9.xml><?xml version="1.0" encoding="utf-8"?>
-<p:sld xmlns:a="http://schemas.openxmlformats.org/drawingml/2006/main" xmlns:r="http://schemas.openxmlformats.org/officeDocument/2006/relationships" xmlns:p="http://schemas.openxmlformats.org/presentationml/2006/main">
-  <p:cSld>
-    <p:spTree>
-      <p:nvGrpSpPr>
-        <p:cNvPr id="1" name=""/>
-        <p:cNvGrpSpPr/>
-        <p:nvPr/>
-      </p:nvGrpSpPr>
-      <p:grpSpPr>
-        <a:xfrm>
-          <a:off x="0" y="0"/>
-          <a:ext cx="0" cy="0"/>
-          <a:chOff x="0" y="0"/>
-          <a:chExt cx="0" cy="0"/>
-        </a:xfrm>
-      </p:grpSpPr>
-      <p:sp>
-        <p:nvSpPr>
-          <p:cNvPr id="2" name="标题 1"/>
-          <p:cNvSpPr>
-            <a:spLocks noGrp="1"/>
-          </p:cNvSpPr>
-          <p:nvPr>
-            <p:ph type="title"/>
-          </p:nvPr>
-        </p:nvSpPr>
-        <p:spPr/>
-        <p:txBody>
-          <a:bodyPr/>
-          <a:lstStyle/>
-          <a:p>
-            <a:r>
-              <a:rPr kumimoji="1" lang="zh-CN" altLang="en-US" sz="3840" dirty="0">
-                <a:latin typeface="Candara" panose="020E0502030303020204" charset="0"/>
-              </a:rPr>
-              <a:t>工作流 </a:t>
-            </a:r>
-            <a:r>
-              <a:rPr kumimoji="1" lang="en-US" altLang="zh-CN" sz="3840" dirty="0">
-                <a:latin typeface="Candara" panose="020E0502030303020204" charset="0"/>
-              </a:rPr>
-              <a:t>- </a:t>
-            </a:r>
-            <a:r>
-              <a:rPr kumimoji="1" lang="zh-CN" altLang="en-US" sz="3840" dirty="0">
-                <a:latin typeface="Candara" panose="020E0502030303020204" charset="0"/>
-              </a:rPr>
-              <a:t>启动</a:t>
-            </a:r>
-            <a:endParaRPr kumimoji="1" lang="en-US" altLang="zh-CN" sz="3840" dirty="0">
-              <a:latin typeface="Candara" panose="020E0502030303020204" charset="0"/>
-            </a:endParaRPr>
-          </a:p>
-        </p:txBody>
-      </p:sp>
-      <p:sp>
-        <p:nvSpPr>
-          <p:cNvPr id="4" name="灯片编号占位符 3"/>
-          <p:cNvSpPr>
-            <a:spLocks noGrp="1"/>
-          </p:cNvSpPr>
-          <p:nvPr>
-            <p:ph type="sldNum" sz="quarter" idx="12"/>
-          </p:nvPr>
-        </p:nvSpPr>
-        <p:spPr>
-          <a:xfrm>
-            <a:off x="8473440" y="6350257"/>
-            <a:ext cx="2560320" cy="365125"/>
-          </a:xfrm>
-        </p:spPr>
-        <p:txBody>
-          <a:bodyPr/>
-          <a:lstStyle/>
-          <a:p>
-            <a:pPr marL="0" marR="0" lvl="0" indent="0" algn="r" defTabSz="1097280" rtl="0" eaLnBrk="1" fontAlgn="auto" latinLnBrk="0" hangingPunct="1">
-              <a:lnSpc>
-                <a:spcPct val="100000"/>
-              </a:lnSpc>
-              <a:spcBef>
-                <a:spcPts val="0"/>
-              </a:spcBef>
-              <a:spcAft>
-                <a:spcPts val="0"/>
-              </a:spcAft>
-              <a:buClrTx/>
-              <a:buSzTx/>
-              <a:buFontTx/>
-              <a:buNone/>
-              <a:tabLst/>
-              <a:defRPr/>
-            </a:pPr>
-            <a:fld id="{ADE361C3-C043-4A6E-BDCE-8DA1E7D90A3B}" type="slidenum">
-              <a:rPr kumimoji="0" lang="zh-CN" altLang="en-US" sz="1440" b="0" i="0" u="none" strike="noStrike" kern="1200" cap="none" spc="0" normalizeH="0" baseline="0" noProof="0">
-                <a:ln>
-                  <a:noFill/>
-                </a:ln>
-                <a:solidFill>
-                  <a:srgbClr val="000000">
-                    <a:tint val="75000"/>
-                  </a:srgbClr>
-                </a:solidFill>
-                <a:effectLst/>
-                <a:uLnTx/>
-                <a:uFillTx/>
-                <a:latin typeface="等线" panose="02010600030101010101" charset="-122"/>
-                <a:ea typeface="等线" panose="02010600030101010101" charset="-122"/>
-              </a:rPr>
-              <a:pPr marL="0" marR="0" lvl="0" indent="0" algn="r" defTabSz="1097280" rtl="0" eaLnBrk="1" fontAlgn="auto" latinLnBrk="0" hangingPunct="1">
-                <a:lnSpc>
-                  <a:spcPct val="100000"/>
-                </a:lnSpc>
-                <a:spcBef>
-                  <a:spcPts val="0"/>
-                </a:spcBef>
-                <a:spcAft>
-                  <a:spcPts val="0"/>
-                </a:spcAft>
-                <a:buClrTx/>
-                <a:buSzTx/>
-                <a:buFontTx/>
-                <a:buNone/>
-                <a:tabLst/>
-                <a:defRPr/>
-              </a:pPr>
-              <a:t>9</a:t>
-            </a:fld>
-            <a:endParaRPr kumimoji="0" lang="zh-CN" altLang="en-US" sz="1440" b="0" i="0" u="none" strike="noStrike" kern="1200" cap="none" spc="0" normalizeH="0" baseline="0" noProof="0">
-              <a:ln>
-                <a:noFill/>
-              </a:ln>
-              <a:solidFill>
-                <a:srgbClr val="000000">
-                  <a:tint val="75000"/>
-                </a:srgbClr>
-              </a:solidFill>
-              <a:effectLst/>
-              <a:uLnTx/>
-              <a:uFillTx/>
-              <a:latin typeface="等线" panose="02010600030101010101" charset="-122"/>
-              <a:ea typeface="等线" panose="02010600030101010101" charset="-122"/>
-            </a:endParaRPr>
-          </a:p>
-        </p:txBody>
-      </p:sp>
-      <p:grpSp>
-        <p:nvGrpSpPr>
-          <p:cNvPr id="12" name="组合 11">
-            <a:extLst>
-              <a:ext uri="{FF2B5EF4-FFF2-40B4-BE49-F238E27FC236}">
-                <a16:creationId xmlns:a16="http://schemas.microsoft.com/office/drawing/2014/main" id="{5DFC882C-779E-48A7-90B4-1F53CC347E6D}"/>
-              </a:ext>
-            </a:extLst>
-          </p:cNvPr>
-          <p:cNvGrpSpPr/>
-          <p:nvPr/>
-        </p:nvGrpSpPr>
-        <p:grpSpPr>
-          <a:xfrm>
-            <a:off x="1007457" y="2293137"/>
-            <a:ext cx="10177086" cy="604961"/>
-            <a:chOff x="624264" y="1830222"/>
-            <a:chExt cx="10177086" cy="604961"/>
-          </a:xfrm>
-        </p:grpSpPr>
-        <p:grpSp>
-          <p:nvGrpSpPr>
-            <p:cNvPr id="76" name="组合 75">
-              <a:extLst>
-                <a:ext uri="{FF2B5EF4-FFF2-40B4-BE49-F238E27FC236}">
-                  <a16:creationId xmlns:a16="http://schemas.microsoft.com/office/drawing/2014/main" id="{E41984B9-E4BA-40FB-81E8-5F5ED8C21021}"/>
-                </a:ext>
-              </a:extLst>
-            </p:cNvPr>
-            <p:cNvGrpSpPr/>
-            <p:nvPr/>
-          </p:nvGrpSpPr>
-          <p:grpSpPr>
-            <a:xfrm>
-              <a:off x="624264" y="1830225"/>
-              <a:ext cx="1747461" cy="593737"/>
-              <a:chOff x="2308860" y="1960245"/>
-              <a:chExt cx="1908810" cy="725805"/>
-            </a:xfrm>
-          </p:grpSpPr>
-          <p:sp>
-            <p:nvSpPr>
-              <p:cNvPr id="77" name="矩形: 圆角 76">
-                <a:extLst>
-                  <a:ext uri="{FF2B5EF4-FFF2-40B4-BE49-F238E27FC236}">
-                    <a16:creationId xmlns:a16="http://schemas.microsoft.com/office/drawing/2014/main" id="{F9778414-4686-4248-93A4-3663FEC965A2}"/>
-                  </a:ext>
-                </a:extLst>
-              </p:cNvPr>
-              <p:cNvSpPr/>
-              <p:nvPr/>
-            </p:nvSpPr>
-            <p:spPr>
-              <a:xfrm>
-                <a:off x="2308860" y="1960245"/>
-                <a:ext cx="1908810" cy="725805"/>
-              </a:xfrm>
-              <a:prstGeom prst="roundRect">
-                <a:avLst/>
-              </a:prstGeom>
-              <a:noFill/>
-              <a:ln w="38100">
-                <a:solidFill>
-                  <a:srgbClr val="C00000"/>
-                </a:solidFill>
-              </a:ln>
-            </p:spPr>
-            <p:style>
-              <a:lnRef idx="2">
-                <a:schemeClr val="accent1">
-                  <a:shade val="50000"/>
-                </a:schemeClr>
-              </a:lnRef>
-              <a:fillRef idx="1">
-                <a:schemeClr val="accent1"/>
-              </a:fillRef>
-              <a:effectRef idx="0">
-                <a:schemeClr val="accent1"/>
-              </a:effectRef>
-              <a:fontRef idx="minor">
-                <a:schemeClr val="lt1"/>
-              </a:fontRef>
-            </p:style>
-            <p:txBody>
-              <a:bodyPr rtlCol="0" anchor="ctr"/>
-              <a:lstStyle/>
-              <a:p>
-                <a:pPr algn="ctr"/>
-                <a:endParaRPr lang="zh-CN" altLang="en-US">
-                  <a:ln w="28575">
-                    <a:solidFill>
-                      <a:schemeClr val="tx1"/>
-                    </a:solidFill>
-                  </a:ln>
-                </a:endParaRPr>
-              </a:p>
-            </p:txBody>
-          </p:sp>
-          <p:sp>
-            <p:nvSpPr>
-              <p:cNvPr id="78" name="文本框 77">
-                <a:extLst>
-                  <a:ext uri="{FF2B5EF4-FFF2-40B4-BE49-F238E27FC236}">
-                    <a16:creationId xmlns:a16="http://schemas.microsoft.com/office/drawing/2014/main" id="{02AD09EF-79A5-425D-AAA8-ECF1C6C690F8}"/>
-                  </a:ext>
-                </a:extLst>
-              </p:cNvPr>
-              <p:cNvSpPr txBox="1"/>
-              <p:nvPr/>
-            </p:nvSpPr>
-            <p:spPr>
-              <a:xfrm>
-                <a:off x="2308861" y="2092313"/>
-                <a:ext cx="1908809" cy="489109"/>
-              </a:xfrm>
-              <a:prstGeom prst="rect">
-                <a:avLst/>
-              </a:prstGeom>
-              <a:noFill/>
-            </p:spPr>
-            <p:txBody>
-              <a:bodyPr wrap="square" rtlCol="0">
-                <a:spAutoFit/>
-              </a:bodyPr>
-              <a:lstStyle/>
-              <a:p>
-                <a:pPr algn="ctr"/>
-                <a:r>
-                  <a:rPr lang="en-US" altLang="zh-CN" sz="2000" dirty="0">
-                    <a:latin typeface="Georgia" panose="02040502050405020303" pitchFamily="18" charset="0"/>
-                  </a:rPr>
-                  <a:t>Init memory</a:t>
-                </a:r>
-                <a:endParaRPr lang="zh-CN" altLang="en-US" sz="2000" dirty="0">
-                  <a:latin typeface="Georgia" panose="02040502050405020303" pitchFamily="18" charset="0"/>
-                </a:endParaRPr>
-              </a:p>
-            </p:txBody>
-          </p:sp>
-        </p:grpSp>
-        <p:grpSp>
-          <p:nvGrpSpPr>
-            <p:cNvPr id="85" name="组合 84">
-              <a:extLst>
-                <a:ext uri="{FF2B5EF4-FFF2-40B4-BE49-F238E27FC236}">
-                  <a16:creationId xmlns:a16="http://schemas.microsoft.com/office/drawing/2014/main" id="{3ADE9F47-F37E-492F-9AA9-827C41E9478F}"/>
-                </a:ext>
-              </a:extLst>
-            </p:cNvPr>
-            <p:cNvGrpSpPr/>
-            <p:nvPr/>
-          </p:nvGrpSpPr>
-          <p:grpSpPr>
-            <a:xfrm>
-              <a:off x="2936180" y="1841446"/>
-              <a:ext cx="1687255" cy="593737"/>
-              <a:chOff x="2308860" y="1960245"/>
-              <a:chExt cx="1908810" cy="725805"/>
-            </a:xfrm>
-          </p:grpSpPr>
-          <p:sp>
-            <p:nvSpPr>
-              <p:cNvPr id="86" name="矩形: 圆角 85">
-                <a:extLst>
-                  <a:ext uri="{FF2B5EF4-FFF2-40B4-BE49-F238E27FC236}">
-                    <a16:creationId xmlns:a16="http://schemas.microsoft.com/office/drawing/2014/main" id="{00AE7ADA-C887-4C8D-9FB7-7B94E43836B9}"/>
-                  </a:ext>
-                </a:extLst>
-              </p:cNvPr>
-              <p:cNvSpPr/>
-              <p:nvPr/>
-            </p:nvSpPr>
-            <p:spPr>
-              <a:xfrm>
-                <a:off x="2308860" y="1960245"/>
-                <a:ext cx="1908810" cy="725805"/>
-              </a:xfrm>
-              <a:prstGeom prst="roundRect">
-                <a:avLst/>
-              </a:prstGeom>
-              <a:noFill/>
-              <a:ln w="38100">
-                <a:solidFill>
-                  <a:srgbClr val="C00000"/>
-                </a:solidFill>
-              </a:ln>
-            </p:spPr>
-            <p:style>
-              <a:lnRef idx="2">
-                <a:schemeClr val="accent1">
-                  <a:shade val="50000"/>
-                </a:schemeClr>
-              </a:lnRef>
-              <a:fillRef idx="1">
-                <a:schemeClr val="accent1"/>
-              </a:fillRef>
-              <a:effectRef idx="0">
-                <a:schemeClr val="accent1"/>
-              </a:effectRef>
-              <a:fontRef idx="minor">
-                <a:schemeClr val="lt1"/>
-              </a:fontRef>
-            </p:style>
-            <p:txBody>
-              <a:bodyPr rtlCol="0" anchor="ctr"/>
-              <a:lstStyle/>
-              <a:p>
-                <a:pPr algn="ctr"/>
-                <a:endParaRPr lang="zh-CN" altLang="en-US">
-                  <a:ln w="28575">
-                    <a:solidFill>
-                      <a:schemeClr val="tx1"/>
-                    </a:solidFill>
-                  </a:ln>
-                </a:endParaRPr>
-              </a:p>
-            </p:txBody>
-          </p:sp>
-          <p:sp>
-            <p:nvSpPr>
-              <p:cNvPr id="87" name="文本框 86">
-                <a:extLst>
-                  <a:ext uri="{FF2B5EF4-FFF2-40B4-BE49-F238E27FC236}">
-                    <a16:creationId xmlns:a16="http://schemas.microsoft.com/office/drawing/2014/main" id="{62F43C37-8EA1-422D-B87D-F5AC54BB1C83}"/>
-                  </a:ext>
-                </a:extLst>
-              </p:cNvPr>
-              <p:cNvSpPr txBox="1"/>
-              <p:nvPr/>
-            </p:nvSpPr>
-            <p:spPr>
-              <a:xfrm>
-                <a:off x="2308861" y="2092313"/>
-                <a:ext cx="1908809" cy="489109"/>
-              </a:xfrm>
-              <a:prstGeom prst="rect">
-                <a:avLst/>
-              </a:prstGeom>
-              <a:noFill/>
-            </p:spPr>
-            <p:txBody>
-              <a:bodyPr wrap="square" rtlCol="0">
-                <a:spAutoFit/>
-              </a:bodyPr>
-              <a:lstStyle/>
-              <a:p>
-                <a:pPr algn="ctr"/>
-                <a:r>
-                  <a:rPr lang="en-US" altLang="zh-CN" sz="2000" dirty="0">
-                    <a:latin typeface="Georgia" panose="02040502050405020303" pitchFamily="18" charset="0"/>
-                  </a:rPr>
-                  <a:t>Init network</a:t>
-                </a:r>
-                <a:endParaRPr lang="zh-CN" altLang="en-US" sz="2000" dirty="0">
-                  <a:latin typeface="Georgia" panose="02040502050405020303" pitchFamily="18" charset="0"/>
-                </a:endParaRPr>
-              </a:p>
-            </p:txBody>
-          </p:sp>
-        </p:grpSp>
-        <p:grpSp>
-          <p:nvGrpSpPr>
-            <p:cNvPr id="88" name="组合 87">
-              <a:extLst>
-                <a:ext uri="{FF2B5EF4-FFF2-40B4-BE49-F238E27FC236}">
-                  <a16:creationId xmlns:a16="http://schemas.microsoft.com/office/drawing/2014/main" id="{417F5F16-0B0A-4A1D-BE16-169DD54B8825}"/>
-                </a:ext>
-              </a:extLst>
-            </p:cNvPr>
-            <p:cNvGrpSpPr/>
-            <p:nvPr/>
-          </p:nvGrpSpPr>
-          <p:grpSpPr>
-            <a:xfrm>
-              <a:off x="5187890" y="1830223"/>
-              <a:ext cx="1641535" cy="593737"/>
-              <a:chOff x="2308860" y="1960245"/>
-              <a:chExt cx="1908810" cy="725805"/>
-            </a:xfrm>
-          </p:grpSpPr>
-          <p:sp>
-            <p:nvSpPr>
-              <p:cNvPr id="89" name="矩形: 圆角 88">
-                <a:extLst>
-                  <a:ext uri="{FF2B5EF4-FFF2-40B4-BE49-F238E27FC236}">
-                    <a16:creationId xmlns:a16="http://schemas.microsoft.com/office/drawing/2014/main" id="{8C9E1EB4-C22B-4D79-9A63-EBDB2648B797}"/>
-                  </a:ext>
-                </a:extLst>
-              </p:cNvPr>
-              <p:cNvSpPr/>
-              <p:nvPr/>
-            </p:nvSpPr>
-            <p:spPr>
-              <a:xfrm>
-                <a:off x="2308860" y="1960245"/>
-                <a:ext cx="1908810" cy="725805"/>
-              </a:xfrm>
-              <a:prstGeom prst="roundRect">
-                <a:avLst/>
-              </a:prstGeom>
-              <a:noFill/>
-              <a:ln w="38100">
-                <a:solidFill>
-                  <a:srgbClr val="C00000"/>
-                </a:solidFill>
-              </a:ln>
-            </p:spPr>
-            <p:style>
-              <a:lnRef idx="2">
-                <a:schemeClr val="accent1">
-                  <a:shade val="50000"/>
-                </a:schemeClr>
-              </a:lnRef>
-              <a:fillRef idx="1">
-                <a:schemeClr val="accent1"/>
-              </a:fillRef>
-              <a:effectRef idx="0">
-                <a:schemeClr val="accent1"/>
-              </a:effectRef>
-              <a:fontRef idx="minor">
-                <a:schemeClr val="lt1"/>
-              </a:fontRef>
-            </p:style>
-            <p:txBody>
-              <a:bodyPr rtlCol="0" anchor="ctr"/>
-              <a:lstStyle/>
-              <a:p>
-                <a:pPr algn="ctr"/>
-                <a:endParaRPr lang="zh-CN" altLang="en-US">
-                  <a:ln w="28575">
-                    <a:solidFill>
-                      <a:schemeClr val="tx1"/>
-                    </a:solidFill>
-                  </a:ln>
-                </a:endParaRPr>
-              </a:p>
-            </p:txBody>
-          </p:sp>
-          <p:sp>
-            <p:nvSpPr>
-              <p:cNvPr id="90" name="文本框 89">
-                <a:extLst>
-                  <a:ext uri="{FF2B5EF4-FFF2-40B4-BE49-F238E27FC236}">
-                    <a16:creationId xmlns:a16="http://schemas.microsoft.com/office/drawing/2014/main" id="{F1B031F7-1EB1-482C-8480-73F19B1E00DA}"/>
-                  </a:ext>
-                </a:extLst>
-              </p:cNvPr>
-              <p:cNvSpPr txBox="1"/>
-              <p:nvPr/>
-            </p:nvSpPr>
-            <p:spPr>
-              <a:xfrm>
-                <a:off x="2308861" y="2092313"/>
-                <a:ext cx="1908809" cy="489109"/>
-              </a:xfrm>
-              <a:prstGeom prst="rect">
-                <a:avLst/>
-              </a:prstGeom>
-              <a:noFill/>
-            </p:spPr>
-            <p:txBody>
-              <a:bodyPr wrap="square" rtlCol="0">
-                <a:spAutoFit/>
-              </a:bodyPr>
-              <a:lstStyle/>
-              <a:p>
-                <a:pPr algn="ctr"/>
-                <a:r>
-                  <a:rPr lang="en-US" altLang="zh-CN" sz="2000" dirty="0">
-                    <a:latin typeface="Georgia" panose="02040502050405020303" pitchFamily="18" charset="0"/>
-                  </a:rPr>
-                  <a:t>Load graph</a:t>
-                </a:r>
-                <a:endParaRPr lang="zh-CN" altLang="en-US" sz="2000" dirty="0">
-                  <a:latin typeface="Georgia" panose="02040502050405020303" pitchFamily="18" charset="0"/>
-                </a:endParaRPr>
-              </a:p>
-            </p:txBody>
-          </p:sp>
-        </p:grpSp>
-        <p:cxnSp>
-          <p:nvCxnSpPr>
-            <p:cNvPr id="5" name="直接箭头连接符 4">
-              <a:extLst>
-                <a:ext uri="{FF2B5EF4-FFF2-40B4-BE49-F238E27FC236}">
-                  <a16:creationId xmlns:a16="http://schemas.microsoft.com/office/drawing/2014/main" id="{356B764D-FF8A-4019-AF24-5F8406859B0F}"/>
-                </a:ext>
-              </a:extLst>
-            </p:cNvPr>
-            <p:cNvCxnSpPr>
-              <a:cxnSpLocks/>
-              <a:stCxn id="78" idx="3"/>
-            </p:cNvCxnSpPr>
-            <p:nvPr/>
-          </p:nvCxnSpPr>
-          <p:spPr>
-            <a:xfrm>
-              <a:off x="2371725" y="2138317"/>
-              <a:ext cx="565785" cy="0"/>
-            </a:xfrm>
-            <a:prstGeom prst="straightConnector1">
-              <a:avLst/>
-            </a:prstGeom>
-            <a:ln>
-              <a:tailEnd type="triangle"/>
-            </a:ln>
-          </p:spPr>
-          <p:style>
-            <a:lnRef idx="1">
-              <a:schemeClr val="accent1"/>
-            </a:lnRef>
-            <a:fillRef idx="0">
-              <a:schemeClr val="accent1"/>
-            </a:fillRef>
-            <a:effectRef idx="0">
-              <a:schemeClr val="accent1"/>
-            </a:effectRef>
-            <a:fontRef idx="minor">
-              <a:schemeClr val="tx1"/>
-            </a:fontRef>
-          </p:style>
-        </p:cxnSp>
-        <p:cxnSp>
-          <p:nvCxnSpPr>
-            <p:cNvPr id="9" name="直接箭头连接符 8">
-              <a:extLst>
-                <a:ext uri="{FF2B5EF4-FFF2-40B4-BE49-F238E27FC236}">
-                  <a16:creationId xmlns:a16="http://schemas.microsoft.com/office/drawing/2014/main" id="{7869892E-13AE-4305-B937-A1D3D0E8C039}"/>
-                </a:ext>
-              </a:extLst>
-            </p:cNvPr>
-            <p:cNvCxnSpPr>
-              <a:cxnSpLocks/>
-              <a:stCxn id="87" idx="3"/>
-            </p:cNvCxnSpPr>
-            <p:nvPr/>
-          </p:nvCxnSpPr>
-          <p:spPr>
-            <a:xfrm flipV="1">
-              <a:off x="4623435" y="2149537"/>
-              <a:ext cx="564455" cy="1"/>
-            </a:xfrm>
-            <a:prstGeom prst="straightConnector1">
-              <a:avLst/>
-            </a:prstGeom>
-            <a:ln>
-              <a:tailEnd type="triangle"/>
-            </a:ln>
-          </p:spPr>
-          <p:style>
-            <a:lnRef idx="1">
-              <a:schemeClr val="accent1"/>
-            </a:lnRef>
-            <a:fillRef idx="0">
-              <a:schemeClr val="accent1"/>
-            </a:fillRef>
-            <a:effectRef idx="0">
-              <a:schemeClr val="accent1"/>
-            </a:effectRef>
-            <a:fontRef idx="minor">
-              <a:schemeClr val="tx1"/>
-            </a:fontRef>
-          </p:style>
-        </p:cxnSp>
-        <p:grpSp>
-          <p:nvGrpSpPr>
-            <p:cNvPr id="91" name="组合 90">
-              <a:extLst>
-                <a:ext uri="{FF2B5EF4-FFF2-40B4-BE49-F238E27FC236}">
-                  <a16:creationId xmlns:a16="http://schemas.microsoft.com/office/drawing/2014/main" id="{65932212-041B-4515-B5A3-CB647541371F}"/>
-                </a:ext>
-              </a:extLst>
-            </p:cNvPr>
-            <p:cNvGrpSpPr/>
-            <p:nvPr/>
-          </p:nvGrpSpPr>
-          <p:grpSpPr>
-            <a:xfrm>
-              <a:off x="7393880" y="1830222"/>
-              <a:ext cx="1295579" cy="593737"/>
-              <a:chOff x="2308860" y="1960245"/>
-              <a:chExt cx="1908810" cy="725805"/>
-            </a:xfrm>
-          </p:grpSpPr>
-          <p:sp>
-            <p:nvSpPr>
-              <p:cNvPr id="92" name="矩形: 圆角 91">
-                <a:extLst>
-                  <a:ext uri="{FF2B5EF4-FFF2-40B4-BE49-F238E27FC236}">
-                    <a16:creationId xmlns:a16="http://schemas.microsoft.com/office/drawing/2014/main" id="{2EE516D6-9F1C-4677-84D2-020A252BA387}"/>
-                  </a:ext>
-                </a:extLst>
-              </p:cNvPr>
-              <p:cNvSpPr/>
-              <p:nvPr/>
-            </p:nvSpPr>
-            <p:spPr>
-              <a:xfrm>
-                <a:off x="2308860" y="1960245"/>
-                <a:ext cx="1908810" cy="725805"/>
-              </a:xfrm>
-              <a:prstGeom prst="roundRect">
-                <a:avLst/>
-              </a:prstGeom>
-              <a:noFill/>
-              <a:ln w="38100">
-                <a:solidFill>
-                  <a:srgbClr val="C00000"/>
-                </a:solidFill>
-              </a:ln>
-            </p:spPr>
-            <p:style>
-              <a:lnRef idx="2">
-                <a:schemeClr val="accent1">
-                  <a:shade val="50000"/>
-                </a:schemeClr>
-              </a:lnRef>
-              <a:fillRef idx="1">
-                <a:schemeClr val="accent1"/>
-              </a:fillRef>
-              <a:effectRef idx="0">
-                <a:schemeClr val="accent1"/>
-              </a:effectRef>
-              <a:fontRef idx="minor">
-                <a:schemeClr val="lt1"/>
-              </a:fontRef>
-            </p:style>
-            <p:txBody>
-              <a:bodyPr rtlCol="0" anchor="ctr"/>
-              <a:lstStyle/>
-              <a:p>
-                <a:pPr algn="ctr"/>
-                <a:endParaRPr lang="zh-CN" altLang="en-US">
-                  <a:ln w="28575">
-                    <a:solidFill>
-                      <a:schemeClr val="tx1"/>
-                    </a:solidFill>
-                  </a:ln>
-                </a:endParaRPr>
-              </a:p>
-            </p:txBody>
-          </p:sp>
-          <p:sp>
-            <p:nvSpPr>
-              <p:cNvPr id="93" name="文本框 92">
-                <a:extLst>
-                  <a:ext uri="{FF2B5EF4-FFF2-40B4-BE49-F238E27FC236}">
-                    <a16:creationId xmlns:a16="http://schemas.microsoft.com/office/drawing/2014/main" id="{6AB97BFE-F142-4F77-8152-A78CBCC3491D}"/>
-                  </a:ext>
-                </a:extLst>
-              </p:cNvPr>
-              <p:cNvSpPr txBox="1"/>
-              <p:nvPr/>
-            </p:nvSpPr>
-            <p:spPr>
-              <a:xfrm>
-                <a:off x="2308861" y="2092313"/>
-                <a:ext cx="1908809" cy="489109"/>
-              </a:xfrm>
-              <a:prstGeom prst="rect">
-                <a:avLst/>
-              </a:prstGeom>
-              <a:noFill/>
-            </p:spPr>
-            <p:txBody>
-              <a:bodyPr wrap="square" rtlCol="0">
-                <a:spAutoFit/>
-              </a:bodyPr>
-              <a:lstStyle/>
-              <a:p>
-                <a:pPr algn="ctr"/>
-                <a:r>
-                  <a:rPr lang="en-US" altLang="zh-CN" sz="2000" dirty="0">
-                    <a:latin typeface="Georgia" panose="02040502050405020303" pitchFamily="18" charset="0"/>
-                  </a:rPr>
-                  <a:t>Init KV</a:t>
-                </a:r>
-                <a:endParaRPr lang="zh-CN" altLang="en-US" sz="2000" dirty="0">
-                  <a:latin typeface="Georgia" panose="02040502050405020303" pitchFamily="18" charset="0"/>
-                </a:endParaRPr>
-              </a:p>
-            </p:txBody>
-          </p:sp>
-        </p:grpSp>
-        <p:cxnSp>
-          <p:nvCxnSpPr>
-            <p:cNvPr id="95" name="直接箭头连接符 94">
-              <a:extLst>
-                <a:ext uri="{FF2B5EF4-FFF2-40B4-BE49-F238E27FC236}">
-                  <a16:creationId xmlns:a16="http://schemas.microsoft.com/office/drawing/2014/main" id="{FD2D3141-BCEE-4ED7-B706-0914DF7A1A78}"/>
-                </a:ext>
-              </a:extLst>
-            </p:cNvPr>
-            <p:cNvCxnSpPr>
-              <a:cxnSpLocks/>
-            </p:cNvCxnSpPr>
-            <p:nvPr/>
-          </p:nvCxnSpPr>
-          <p:spPr>
-            <a:xfrm flipV="1">
-              <a:off x="6829424" y="2127089"/>
-              <a:ext cx="564455" cy="1"/>
-            </a:xfrm>
-            <a:prstGeom prst="straightConnector1">
-              <a:avLst/>
-            </a:prstGeom>
-            <a:ln>
-              <a:tailEnd type="triangle"/>
-            </a:ln>
-          </p:spPr>
-          <p:style>
-            <a:lnRef idx="1">
-              <a:schemeClr val="accent1"/>
-            </a:lnRef>
-            <a:fillRef idx="0">
-              <a:schemeClr val="accent1"/>
-            </a:fillRef>
-            <a:effectRef idx="0">
-              <a:schemeClr val="accent1"/>
-            </a:effectRef>
-            <a:fontRef idx="minor">
-              <a:schemeClr val="tx1"/>
-            </a:fontRef>
-          </p:style>
-        </p:cxnSp>
-        <p:cxnSp>
-          <p:nvCxnSpPr>
-            <p:cNvPr id="96" name="直接箭头连接符 95">
-              <a:extLst>
-                <a:ext uri="{FF2B5EF4-FFF2-40B4-BE49-F238E27FC236}">
-                  <a16:creationId xmlns:a16="http://schemas.microsoft.com/office/drawing/2014/main" id="{1066C134-6615-4F9C-BFAF-99823E70ABA0}"/>
-                </a:ext>
-              </a:extLst>
-            </p:cNvPr>
-            <p:cNvCxnSpPr>
-              <a:cxnSpLocks/>
-            </p:cNvCxnSpPr>
-            <p:nvPr/>
-          </p:nvCxnSpPr>
-          <p:spPr>
-            <a:xfrm flipV="1">
-              <a:off x="8689459" y="2127088"/>
-              <a:ext cx="564455" cy="1"/>
-            </a:xfrm>
-            <a:prstGeom prst="straightConnector1">
-              <a:avLst/>
-            </a:prstGeom>
-            <a:ln>
-              <a:tailEnd type="triangle"/>
-            </a:ln>
-          </p:spPr>
-          <p:style>
-            <a:lnRef idx="1">
-              <a:schemeClr val="accent1"/>
-            </a:lnRef>
-            <a:fillRef idx="0">
-              <a:schemeClr val="accent1"/>
-            </a:fillRef>
-            <a:effectRef idx="0">
-              <a:schemeClr val="accent1"/>
-            </a:effectRef>
-            <a:fontRef idx="minor">
-              <a:schemeClr val="tx1"/>
-            </a:fontRef>
-          </p:style>
-        </p:cxnSp>
-        <p:grpSp>
-          <p:nvGrpSpPr>
-            <p:cNvPr id="97" name="组合 96">
-              <a:extLst>
-                <a:ext uri="{FF2B5EF4-FFF2-40B4-BE49-F238E27FC236}">
-                  <a16:creationId xmlns:a16="http://schemas.microsoft.com/office/drawing/2014/main" id="{62344066-4A3A-41C2-B4FC-2FD5CD950EA3}"/>
-                </a:ext>
-              </a:extLst>
-            </p:cNvPr>
-            <p:cNvGrpSpPr/>
-            <p:nvPr/>
-          </p:nvGrpSpPr>
-          <p:grpSpPr>
-            <a:xfrm>
-              <a:off x="9253914" y="1830222"/>
-              <a:ext cx="1547436" cy="593737"/>
-              <a:chOff x="2308860" y="1960245"/>
-              <a:chExt cx="1908810" cy="725805"/>
-            </a:xfrm>
-          </p:grpSpPr>
-          <p:sp>
-            <p:nvSpPr>
-              <p:cNvPr id="98" name="矩形: 圆角 97">
-                <a:extLst>
-                  <a:ext uri="{FF2B5EF4-FFF2-40B4-BE49-F238E27FC236}">
-                    <a16:creationId xmlns:a16="http://schemas.microsoft.com/office/drawing/2014/main" id="{B31C9160-1893-43CD-BC0D-C54F920841C6}"/>
-                  </a:ext>
-                </a:extLst>
-              </p:cNvPr>
-              <p:cNvSpPr/>
-              <p:nvPr/>
-            </p:nvSpPr>
-            <p:spPr>
-              <a:xfrm>
-                <a:off x="2308860" y="1960245"/>
-                <a:ext cx="1908810" cy="725805"/>
-              </a:xfrm>
-              <a:prstGeom prst="roundRect">
-                <a:avLst/>
-              </a:prstGeom>
-              <a:noFill/>
-              <a:ln w="38100">
-                <a:solidFill>
-                  <a:srgbClr val="C00000"/>
-                </a:solidFill>
-              </a:ln>
-            </p:spPr>
-            <p:style>
-              <a:lnRef idx="2">
-                <a:schemeClr val="accent1">
-                  <a:shade val="50000"/>
-                </a:schemeClr>
-              </a:lnRef>
-              <a:fillRef idx="1">
-                <a:schemeClr val="accent1"/>
-              </a:fillRef>
-              <a:effectRef idx="0">
-                <a:schemeClr val="accent1"/>
-              </a:effectRef>
-              <a:fontRef idx="minor">
-                <a:schemeClr val="lt1"/>
-              </a:fontRef>
-            </p:style>
-            <p:txBody>
-              <a:bodyPr rtlCol="0" anchor="ctr"/>
-              <a:lstStyle/>
-              <a:p>
-                <a:pPr algn="ctr"/>
-                <a:endParaRPr lang="zh-CN" altLang="en-US">
-                  <a:ln w="28575">
-                    <a:solidFill>
-                      <a:schemeClr val="tx1"/>
-                    </a:solidFill>
-                  </a:ln>
-                </a:endParaRPr>
-              </a:p>
-            </p:txBody>
-          </p:sp>
-          <p:sp>
-            <p:nvSpPr>
-              <p:cNvPr id="99" name="文本框 98">
-                <a:extLst>
-                  <a:ext uri="{FF2B5EF4-FFF2-40B4-BE49-F238E27FC236}">
-                    <a16:creationId xmlns:a16="http://schemas.microsoft.com/office/drawing/2014/main" id="{EFD29A40-5EF4-4C62-BBF5-5B73E7F47533}"/>
-                  </a:ext>
-                </a:extLst>
-              </p:cNvPr>
-              <p:cNvSpPr txBox="1"/>
-              <p:nvPr/>
-            </p:nvSpPr>
-            <p:spPr>
-              <a:xfrm>
-                <a:off x="2308861" y="2092313"/>
-                <a:ext cx="1908809" cy="489109"/>
-              </a:xfrm>
-              <a:prstGeom prst="rect">
-                <a:avLst/>
-              </a:prstGeom>
-              <a:noFill/>
-            </p:spPr>
-            <p:txBody>
-              <a:bodyPr wrap="square" rtlCol="0">
-                <a:spAutoFit/>
-              </a:bodyPr>
-              <a:lstStyle/>
-              <a:p>
-                <a:pPr algn="ctr"/>
-                <a:r>
-                  <a:rPr lang="en-US" altLang="zh-CN" sz="2000" dirty="0">
-                    <a:latin typeface="Georgia" panose="02040502050405020303" pitchFamily="18" charset="0"/>
-                  </a:rPr>
-                  <a:t>Run engine</a:t>
-                </a:r>
-                <a:endParaRPr lang="zh-CN" altLang="en-US" sz="2000" dirty="0">
-                  <a:latin typeface="Georgia" panose="02040502050405020303" pitchFamily="18" charset="0"/>
-                </a:endParaRPr>
-              </a:p>
-            </p:txBody>
-          </p:sp>
-        </p:grpSp>
-      </p:grpSp>
-      <p:sp>
-        <p:nvSpPr>
-          <p:cNvPr id="100" name="文本框 99">
-            <a:extLst>
-              <a:ext uri="{FF2B5EF4-FFF2-40B4-BE49-F238E27FC236}">
-                <a16:creationId xmlns:a16="http://schemas.microsoft.com/office/drawing/2014/main" id="{E57B0112-668B-477F-A842-2308CA9937CF}"/>
-              </a:ext>
-            </a:extLst>
-          </p:cNvPr>
-          <p:cNvSpPr txBox="1"/>
-          <p:nvPr/>
-        </p:nvSpPr>
-        <p:spPr>
-          <a:xfrm>
-            <a:off x="1007457" y="3086932"/>
-            <a:ext cx="1747460" cy="707886"/>
-          </a:xfrm>
-          <a:prstGeom prst="rect">
-            <a:avLst/>
-          </a:prstGeom>
-          <a:noFill/>
-        </p:spPr>
-        <p:txBody>
-          <a:bodyPr wrap="square" rtlCol="0">
-            <a:spAutoFit/>
-          </a:bodyPr>
-          <a:lstStyle/>
-          <a:p>
-            <a:pPr algn="ctr"/>
-            <a:r>
-              <a:rPr lang="en-US" altLang="zh-CN" sz="2000" dirty="0">
-                <a:latin typeface="+mj-lt"/>
-              </a:rPr>
-              <a:t>mem.hpp</a:t>
-            </a:r>
-          </a:p>
-          <a:p>
-            <a:pPr algn="ctr"/>
-            <a:r>
-              <a:rPr lang="en-US" altLang="zh-CN" sz="2000" dirty="0">
-                <a:latin typeface="+mj-lt"/>
-              </a:rPr>
-              <a:t>mm/*.</a:t>
-            </a:r>
-            <a:r>
-              <a:rPr lang="en-US" altLang="zh-CN" sz="2000" dirty="0" err="1">
-                <a:latin typeface="+mj-lt"/>
-              </a:rPr>
-              <a:t>hpp</a:t>
-            </a:r>
-            <a:endParaRPr lang="zh-CN" altLang="en-US" sz="2000" dirty="0">
-              <a:latin typeface="+mj-lt"/>
-            </a:endParaRPr>
-          </a:p>
-        </p:txBody>
-      </p:sp>
-      <p:sp>
-        <p:nvSpPr>
-          <p:cNvPr id="101" name="文本框 100">
-            <a:extLst>
-              <a:ext uri="{FF2B5EF4-FFF2-40B4-BE49-F238E27FC236}">
-                <a16:creationId xmlns:a16="http://schemas.microsoft.com/office/drawing/2014/main" id="{6B765ED5-276C-4125-8DB5-4F27AD9BA5FE}"/>
-              </a:ext>
-            </a:extLst>
-          </p:cNvPr>
-          <p:cNvSpPr txBox="1"/>
-          <p:nvPr/>
-        </p:nvSpPr>
-        <p:spPr>
-          <a:xfrm>
-            <a:off x="3259168" y="3086932"/>
-            <a:ext cx="1747460" cy="707886"/>
-          </a:xfrm>
-          <a:prstGeom prst="rect">
-            <a:avLst/>
-          </a:prstGeom>
-          <a:noFill/>
-        </p:spPr>
-        <p:txBody>
-          <a:bodyPr wrap="square" rtlCol="0">
-            <a:spAutoFit/>
-          </a:bodyPr>
-          <a:lstStyle/>
-          <a:p>
-            <a:pPr algn="ctr"/>
-            <a:r>
-              <a:rPr lang="en-US" altLang="zh-CN" sz="2000" dirty="0">
-                <a:latin typeface="+mj-lt"/>
-              </a:rPr>
-              <a:t>rdma.hpp</a:t>
-            </a:r>
-          </a:p>
-          <a:p>
-            <a:pPr algn="ctr"/>
-            <a:r>
-              <a:rPr lang="en-US" altLang="zh-CN" sz="2000" dirty="0">
-                <a:latin typeface="+mj-lt"/>
-              </a:rPr>
-              <a:t>comm/</a:t>
-            </a:r>
-            <a:r>
-              <a:rPr lang="zh-CN" altLang="en-US" sz="2000" dirty="0">
-                <a:latin typeface="+mj-lt"/>
-              </a:rPr>
-              <a:t>*</a:t>
-            </a:r>
-            <a:r>
-              <a:rPr lang="en-US" altLang="zh-CN" sz="2000" dirty="0">
-                <a:latin typeface="+mj-lt"/>
-              </a:rPr>
-              <a:t>.</a:t>
-            </a:r>
-            <a:r>
-              <a:rPr lang="en-US" altLang="zh-CN" sz="2000" dirty="0" err="1">
-                <a:latin typeface="+mj-lt"/>
-              </a:rPr>
-              <a:t>hpp</a:t>
-            </a:r>
-            <a:endParaRPr lang="zh-CN" altLang="en-US" sz="2000" dirty="0">
-              <a:latin typeface="+mj-lt"/>
-            </a:endParaRPr>
-          </a:p>
-        </p:txBody>
-      </p:sp>
-      <p:sp>
-        <p:nvSpPr>
-          <p:cNvPr id="102" name="文本框 101">
-            <a:extLst>
-              <a:ext uri="{FF2B5EF4-FFF2-40B4-BE49-F238E27FC236}">
-                <a16:creationId xmlns:a16="http://schemas.microsoft.com/office/drawing/2014/main" id="{5BE24914-8DB4-4981-9AD3-72BD35B5E97C}"/>
-              </a:ext>
-            </a:extLst>
-          </p:cNvPr>
-          <p:cNvSpPr txBox="1"/>
-          <p:nvPr/>
-        </p:nvSpPr>
-        <p:spPr>
-          <a:xfrm>
-            <a:off x="5518120" y="3086929"/>
-            <a:ext cx="1747460" cy="400110"/>
-          </a:xfrm>
-          <a:prstGeom prst="rect">
-            <a:avLst/>
-          </a:prstGeom>
-          <a:noFill/>
-        </p:spPr>
-        <p:txBody>
-          <a:bodyPr wrap="square" rtlCol="0">
-            <a:spAutoFit/>
-          </a:bodyPr>
-          <a:lstStyle/>
-          <a:p>
-            <a:pPr algn="ctr"/>
-            <a:r>
-              <a:rPr lang="en-US" altLang="zh-CN" sz="2000" dirty="0">
-                <a:latin typeface="+mj-lt"/>
-              </a:rPr>
-              <a:t>loader/*.</a:t>
-            </a:r>
-            <a:r>
-              <a:rPr lang="en-US" altLang="zh-CN" sz="2000" dirty="0" err="1">
-                <a:latin typeface="+mj-lt"/>
-              </a:rPr>
-              <a:t>hpp</a:t>
-            </a:r>
-            <a:endParaRPr lang="zh-CN" altLang="en-US" sz="2000" dirty="0">
-              <a:latin typeface="+mj-lt"/>
-            </a:endParaRPr>
-          </a:p>
-        </p:txBody>
-      </p:sp>
-      <p:sp>
-        <p:nvSpPr>
-          <p:cNvPr id="103" name="文本框 102">
-            <a:extLst>
-              <a:ext uri="{FF2B5EF4-FFF2-40B4-BE49-F238E27FC236}">
-                <a16:creationId xmlns:a16="http://schemas.microsoft.com/office/drawing/2014/main" id="{42907CBC-00BA-4860-995B-6665138A12F9}"/>
-              </a:ext>
-            </a:extLst>
-          </p:cNvPr>
-          <p:cNvSpPr txBox="1"/>
-          <p:nvPr/>
-        </p:nvSpPr>
-        <p:spPr>
-          <a:xfrm>
-            <a:off x="7551132" y="3086929"/>
-            <a:ext cx="1747460" cy="400110"/>
-          </a:xfrm>
-          <a:prstGeom prst="rect">
-            <a:avLst/>
-          </a:prstGeom>
-          <a:noFill/>
-        </p:spPr>
-        <p:txBody>
-          <a:bodyPr wrap="square" rtlCol="0">
-            <a:spAutoFit/>
-          </a:bodyPr>
-          <a:lstStyle/>
-          <a:p>
-            <a:pPr algn="ctr"/>
-            <a:r>
-              <a:rPr lang="en-US" altLang="zh-CN" sz="2000" dirty="0">
-                <a:latin typeface="+mj-lt"/>
-              </a:rPr>
-              <a:t>store/*.</a:t>
-            </a:r>
-            <a:r>
-              <a:rPr lang="en-US" altLang="zh-CN" sz="2000" dirty="0" err="1">
-                <a:latin typeface="+mj-lt"/>
-              </a:rPr>
-              <a:t>hpp</a:t>
-            </a:r>
-            <a:endParaRPr lang="zh-CN" altLang="en-US" sz="2000" dirty="0">
-              <a:latin typeface="+mj-lt"/>
-            </a:endParaRPr>
-          </a:p>
-        </p:txBody>
-      </p:sp>
-      <p:sp>
-        <p:nvSpPr>
-          <p:cNvPr id="104" name="文本框 103">
-            <a:extLst>
-              <a:ext uri="{FF2B5EF4-FFF2-40B4-BE49-F238E27FC236}">
-                <a16:creationId xmlns:a16="http://schemas.microsoft.com/office/drawing/2014/main" id="{83A800B3-CCD3-4C6F-8D8A-C43A2B05A4DA}"/>
-              </a:ext>
-            </a:extLst>
-          </p:cNvPr>
-          <p:cNvSpPr txBox="1"/>
-          <p:nvPr/>
-        </p:nvSpPr>
-        <p:spPr>
-          <a:xfrm>
-            <a:off x="9537095" y="3086929"/>
-            <a:ext cx="1747460" cy="400110"/>
-          </a:xfrm>
-          <a:prstGeom prst="rect">
-            <a:avLst/>
-          </a:prstGeom>
-          <a:noFill/>
-        </p:spPr>
-        <p:txBody>
-          <a:bodyPr wrap="square" rtlCol="0">
-            <a:spAutoFit/>
-          </a:bodyPr>
-          <a:lstStyle/>
-          <a:p>
-            <a:pPr algn="ctr"/>
-            <a:r>
-              <a:rPr lang="en-US" altLang="zh-CN" sz="2000" dirty="0">
-                <a:latin typeface="+mj-lt"/>
-              </a:rPr>
-              <a:t>engine/*.</a:t>
-            </a:r>
-            <a:r>
-              <a:rPr lang="en-US" altLang="zh-CN" sz="2000" dirty="0" err="1">
-                <a:latin typeface="+mj-lt"/>
-              </a:rPr>
-              <a:t>hpp</a:t>
-            </a:r>
-            <a:endParaRPr lang="zh-CN" altLang="en-US" sz="2000" dirty="0">
-              <a:latin typeface="+mj-lt"/>
-            </a:endParaRPr>
-          </a:p>
-        </p:txBody>
-      </p:sp>
-      <p:grpSp>
-        <p:nvGrpSpPr>
-          <p:cNvPr id="10" name="组合 9">
-            <a:extLst>
-              <a:ext uri="{FF2B5EF4-FFF2-40B4-BE49-F238E27FC236}">
-                <a16:creationId xmlns:a16="http://schemas.microsoft.com/office/drawing/2014/main" id="{EB49238E-1CE2-4C9A-8B61-1D2E7CB29400}"/>
-              </a:ext>
-            </a:extLst>
-          </p:cNvPr>
-          <p:cNvGrpSpPr/>
-          <p:nvPr/>
-        </p:nvGrpSpPr>
-        <p:grpSpPr>
-          <a:xfrm>
-            <a:off x="5055105" y="4455864"/>
-            <a:ext cx="2721967" cy="2145867"/>
-            <a:chOff x="5274945" y="4282380"/>
-            <a:chExt cx="2721967" cy="2145867"/>
-          </a:xfrm>
-        </p:grpSpPr>
-        <p:sp>
-          <p:nvSpPr>
-            <p:cNvPr id="3" name="矩形 2">
-              <a:extLst>
-                <a:ext uri="{FF2B5EF4-FFF2-40B4-BE49-F238E27FC236}">
-                  <a16:creationId xmlns:a16="http://schemas.microsoft.com/office/drawing/2014/main" id="{6DAEEC13-50A4-44BC-BC65-5A43CBBF31EE}"/>
-                </a:ext>
-              </a:extLst>
-            </p:cNvPr>
-            <p:cNvSpPr/>
-            <p:nvPr/>
-          </p:nvSpPr>
-          <p:spPr>
-            <a:xfrm>
-              <a:off x="5274945" y="4282380"/>
-              <a:ext cx="2721967" cy="1638360"/>
-            </a:xfrm>
-            <a:prstGeom prst="rect">
-              <a:avLst/>
-            </a:prstGeom>
-            <a:noFill/>
-          </p:spPr>
-          <p:style>
-            <a:lnRef idx="2">
-              <a:schemeClr val="accent1">
-                <a:shade val="50000"/>
-              </a:schemeClr>
-            </a:lnRef>
-            <a:fillRef idx="1">
-              <a:schemeClr val="accent1"/>
-            </a:fillRef>
-            <a:effectRef idx="0">
-              <a:schemeClr val="accent1"/>
-            </a:effectRef>
-            <a:fontRef idx="minor">
-              <a:schemeClr val="lt1"/>
-            </a:fontRef>
-          </p:style>
-          <p:txBody>
-            <a:bodyPr rtlCol="0" anchor="ctr"/>
-            <a:lstStyle/>
-            <a:p>
-              <a:pPr algn="ctr"/>
-              <a:endParaRPr lang="zh-CN" altLang="en-US"/>
-            </a:p>
-          </p:txBody>
-        </p:sp>
-        <p:sp>
-          <p:nvSpPr>
-            <p:cNvPr id="31" name="文本框 30">
-              <a:extLst>
-                <a:ext uri="{FF2B5EF4-FFF2-40B4-BE49-F238E27FC236}">
-                  <a16:creationId xmlns:a16="http://schemas.microsoft.com/office/drawing/2014/main" id="{35C58466-8DE4-4AF4-A2FA-A3CA9C811DBA}"/>
-                </a:ext>
-              </a:extLst>
-            </p:cNvPr>
-            <p:cNvSpPr txBox="1"/>
-            <p:nvPr/>
-          </p:nvSpPr>
-          <p:spPr>
-            <a:xfrm>
-              <a:off x="5290670" y="4314409"/>
-              <a:ext cx="2706242" cy="1477328"/>
-            </a:xfrm>
-            <a:prstGeom prst="rect">
-              <a:avLst/>
-            </a:prstGeom>
-            <a:noFill/>
-          </p:spPr>
-          <p:txBody>
-            <a:bodyPr wrap="square">
-              <a:spAutoFit/>
-            </a:bodyPr>
-            <a:lstStyle/>
-            <a:p>
-              <a:r>
-                <a:rPr lang="en-US" altLang="zh-CN" dirty="0">
-                  <a:latin typeface="Georgia" panose="02040502050405020303" pitchFamily="18" charset="0"/>
-                </a:rPr>
-                <a:t>s</a:t>
-              </a:r>
-              <a:r>
-                <a:rPr lang="en-US" altLang="zh-CN" sz="1800" dirty="0">
-                  <a:latin typeface="Georgia" panose="02040502050405020303" pitchFamily="18" charset="0"/>
-                </a:rPr>
-                <a:t>ubject  predicate </a:t>
-              </a:r>
-              <a:r>
-                <a:rPr lang="en-US" altLang="zh-CN" dirty="0">
-                  <a:latin typeface="Georgia" panose="02040502050405020303" pitchFamily="18" charset="0"/>
-                </a:rPr>
-                <a:t>object</a:t>
-              </a:r>
-            </a:p>
-            <a:p>
-              <a:r>
-                <a:rPr lang="en-US" altLang="zh-CN" dirty="0">
-                  <a:latin typeface="Georgia" panose="02040502050405020303" pitchFamily="18" charset="0"/>
-                </a:rPr>
-                <a:t>100	3	102</a:t>
-              </a:r>
-            </a:p>
-            <a:p>
-              <a:r>
-                <a:rPr lang="en-US" altLang="zh-CN" dirty="0">
-                  <a:latin typeface="Georgia" panose="02040502050405020303" pitchFamily="18" charset="0"/>
-                </a:rPr>
-                <a:t>101	3	102</a:t>
-              </a:r>
-            </a:p>
-            <a:p>
-              <a:r>
-                <a:rPr lang="en-US" altLang="zh-CN" dirty="0">
-                  <a:latin typeface="Georgia" panose="02040502050405020303" pitchFamily="18" charset="0"/>
-                </a:rPr>
-                <a:t>102	4	103</a:t>
-              </a:r>
-            </a:p>
-            <a:p>
-              <a:endParaRPr lang="en-US" altLang="zh-CN" dirty="0">
-                <a:latin typeface="Georgia" panose="02040502050405020303" pitchFamily="18" charset="0"/>
-              </a:endParaRPr>
-            </a:p>
-          </p:txBody>
-        </p:sp>
-        <p:sp>
-          <p:nvSpPr>
-            <p:cNvPr id="32" name="文本框 31">
-              <a:extLst>
-                <a:ext uri="{FF2B5EF4-FFF2-40B4-BE49-F238E27FC236}">
-                  <a16:creationId xmlns:a16="http://schemas.microsoft.com/office/drawing/2014/main" id="{EBF0BF0E-7773-4DE8-81D4-676673FEFDFD}"/>
-                </a:ext>
-              </a:extLst>
-            </p:cNvPr>
-            <p:cNvSpPr txBox="1"/>
-            <p:nvPr/>
-          </p:nvSpPr>
-          <p:spPr>
-            <a:xfrm>
-              <a:off x="5762198" y="6028137"/>
-              <a:ext cx="1747460" cy="400110"/>
-            </a:xfrm>
-            <a:prstGeom prst="rect">
-              <a:avLst/>
-            </a:prstGeom>
-            <a:noFill/>
-          </p:spPr>
-          <p:txBody>
-            <a:bodyPr wrap="square" rtlCol="0">
-              <a:spAutoFit/>
-            </a:bodyPr>
-            <a:lstStyle/>
-            <a:p>
-              <a:pPr algn="ctr"/>
-              <a:r>
-                <a:rPr lang="en-US" altLang="zh-CN" sz="2000" dirty="0">
-                  <a:latin typeface="Georgia" panose="02040502050405020303" pitchFamily="18" charset="0"/>
-                </a:rPr>
-                <a:t>graph.txt</a:t>
-              </a:r>
-              <a:endParaRPr lang="zh-CN" altLang="en-US" sz="2000" dirty="0">
-                <a:latin typeface="Georgia" panose="02040502050405020303" pitchFamily="18" charset="0"/>
-              </a:endParaRPr>
-            </a:p>
-          </p:txBody>
-        </p:sp>
-        <p:sp>
-          <p:nvSpPr>
-            <p:cNvPr id="34" name="文本框 33">
-              <a:extLst>
-                <a:ext uri="{FF2B5EF4-FFF2-40B4-BE49-F238E27FC236}">
-                  <a16:creationId xmlns:a16="http://schemas.microsoft.com/office/drawing/2014/main" id="{8F278A3F-D8D5-43F5-BB66-89BB40F91A74}"/>
-                </a:ext>
-              </a:extLst>
-            </p:cNvPr>
-            <p:cNvSpPr txBox="1"/>
-            <p:nvPr/>
-          </p:nvSpPr>
-          <p:spPr>
-            <a:xfrm>
-              <a:off x="5444967" y="5577186"/>
-              <a:ext cx="317232" cy="321948"/>
-            </a:xfrm>
-            <a:prstGeom prst="rect">
-              <a:avLst/>
-            </a:prstGeom>
-            <a:noFill/>
-          </p:spPr>
-          <p:txBody>
-            <a:bodyPr wrap="square">
-              <a:spAutoFit/>
-            </a:bodyPr>
-            <a:lstStyle/>
-            <a:p>
-              <a:pPr>
-                <a:lnSpc>
-                  <a:spcPts val="500"/>
-                </a:lnSpc>
-              </a:pPr>
-              <a:r>
-                <a:rPr lang="en-US" altLang="zh-CN" dirty="0">
-                  <a:latin typeface="Georgia" panose="02040502050405020303" pitchFamily="18" charset="0"/>
-                </a:rPr>
-                <a:t>.</a:t>
-              </a:r>
-            </a:p>
-            <a:p>
-              <a:pPr>
-                <a:lnSpc>
-                  <a:spcPts val="500"/>
-                </a:lnSpc>
-              </a:pPr>
-              <a:r>
-                <a:rPr lang="en-US" altLang="zh-CN" dirty="0">
-                  <a:latin typeface="Georgia" panose="02040502050405020303" pitchFamily="18" charset="0"/>
-                </a:rPr>
-                <a:t>.</a:t>
-              </a:r>
-            </a:p>
-            <a:p>
-              <a:pPr>
-                <a:lnSpc>
-                  <a:spcPts val="500"/>
-                </a:lnSpc>
-              </a:pPr>
-              <a:r>
-                <a:rPr lang="en-US" altLang="zh-CN" dirty="0">
-                  <a:latin typeface="Georgia" panose="02040502050405020303" pitchFamily="18" charset="0"/>
-                </a:rPr>
-                <a:t>.</a:t>
-              </a:r>
-              <a:endParaRPr lang="zh-CN" altLang="en-US" dirty="0"/>
-            </a:p>
-          </p:txBody>
-        </p:sp>
-        <p:sp>
-          <p:nvSpPr>
-            <p:cNvPr id="37" name="文本框 36">
-              <a:extLst>
-                <a:ext uri="{FF2B5EF4-FFF2-40B4-BE49-F238E27FC236}">
-                  <a16:creationId xmlns:a16="http://schemas.microsoft.com/office/drawing/2014/main" id="{6B354EF4-1EC3-435B-929D-4575939F613A}"/>
-                </a:ext>
-              </a:extLst>
-            </p:cNvPr>
-            <p:cNvSpPr txBox="1"/>
-            <p:nvPr/>
-          </p:nvSpPr>
-          <p:spPr>
-            <a:xfrm>
-              <a:off x="6233234" y="5577186"/>
-              <a:ext cx="317232" cy="321948"/>
-            </a:xfrm>
-            <a:prstGeom prst="rect">
-              <a:avLst/>
-            </a:prstGeom>
-            <a:noFill/>
-          </p:spPr>
-          <p:txBody>
-            <a:bodyPr wrap="square">
-              <a:spAutoFit/>
-            </a:bodyPr>
-            <a:lstStyle/>
-            <a:p>
-              <a:pPr>
-                <a:lnSpc>
-                  <a:spcPts val="500"/>
-                </a:lnSpc>
-              </a:pPr>
-              <a:r>
-                <a:rPr lang="en-US" altLang="zh-CN" dirty="0">
-                  <a:latin typeface="Georgia" panose="02040502050405020303" pitchFamily="18" charset="0"/>
-                </a:rPr>
-                <a:t>.</a:t>
-              </a:r>
-            </a:p>
-            <a:p>
-              <a:pPr>
-                <a:lnSpc>
-                  <a:spcPts val="500"/>
-                </a:lnSpc>
-              </a:pPr>
-              <a:r>
-                <a:rPr lang="en-US" altLang="zh-CN" dirty="0">
-                  <a:latin typeface="Georgia" panose="02040502050405020303" pitchFamily="18" charset="0"/>
-                </a:rPr>
-                <a:t>.</a:t>
-              </a:r>
-            </a:p>
-            <a:p>
-              <a:pPr>
-                <a:lnSpc>
-                  <a:spcPts val="500"/>
-                </a:lnSpc>
-              </a:pPr>
-              <a:r>
-                <a:rPr lang="en-US" altLang="zh-CN" dirty="0">
-                  <a:latin typeface="Georgia" panose="02040502050405020303" pitchFamily="18" charset="0"/>
-                </a:rPr>
-                <a:t>.</a:t>
-              </a:r>
-              <a:endParaRPr lang="zh-CN" altLang="en-US" dirty="0"/>
-            </a:p>
-          </p:txBody>
-        </p:sp>
-        <p:sp>
-          <p:nvSpPr>
-            <p:cNvPr id="38" name="文本框 37">
-              <a:extLst>
-                <a:ext uri="{FF2B5EF4-FFF2-40B4-BE49-F238E27FC236}">
-                  <a16:creationId xmlns:a16="http://schemas.microsoft.com/office/drawing/2014/main" id="{830D4349-4014-4AF4-8DD5-4DB7587C1E87}"/>
-                </a:ext>
-              </a:extLst>
-            </p:cNvPr>
-            <p:cNvSpPr txBox="1"/>
-            <p:nvPr/>
-          </p:nvSpPr>
-          <p:spPr>
-            <a:xfrm>
-              <a:off x="7192426" y="5577186"/>
-              <a:ext cx="317232" cy="321948"/>
-            </a:xfrm>
-            <a:prstGeom prst="rect">
-              <a:avLst/>
-            </a:prstGeom>
-            <a:noFill/>
-          </p:spPr>
-          <p:txBody>
-            <a:bodyPr wrap="square">
-              <a:spAutoFit/>
-            </a:bodyPr>
-            <a:lstStyle/>
-            <a:p>
-              <a:pPr>
-                <a:lnSpc>
-                  <a:spcPts val="500"/>
-                </a:lnSpc>
-              </a:pPr>
-              <a:r>
-                <a:rPr lang="en-US" altLang="zh-CN" dirty="0">
-                  <a:latin typeface="Georgia" panose="02040502050405020303" pitchFamily="18" charset="0"/>
-                </a:rPr>
-                <a:t>.</a:t>
-              </a:r>
-            </a:p>
-            <a:p>
-              <a:pPr>
-                <a:lnSpc>
-                  <a:spcPts val="500"/>
-                </a:lnSpc>
-              </a:pPr>
-              <a:r>
-                <a:rPr lang="en-US" altLang="zh-CN" dirty="0">
-                  <a:latin typeface="Georgia" panose="02040502050405020303" pitchFamily="18" charset="0"/>
-                </a:rPr>
-                <a:t>.</a:t>
-              </a:r>
-            </a:p>
-            <a:p>
-              <a:pPr>
-                <a:lnSpc>
-                  <a:spcPts val="500"/>
-                </a:lnSpc>
-              </a:pPr>
-              <a:r>
-                <a:rPr lang="en-US" altLang="zh-CN" dirty="0">
-                  <a:latin typeface="Georgia" panose="02040502050405020303" pitchFamily="18" charset="0"/>
-                </a:rPr>
-                <a:t>.</a:t>
-              </a:r>
-              <a:endParaRPr lang="zh-CN" altLang="en-US" dirty="0"/>
-            </a:p>
-          </p:txBody>
-        </p:sp>
-      </p:grpSp>
-      <p:sp>
-        <p:nvSpPr>
-          <p:cNvPr id="11" name="箭头: 上 10">
-            <a:extLst>
-              <a:ext uri="{FF2B5EF4-FFF2-40B4-BE49-F238E27FC236}">
-                <a16:creationId xmlns:a16="http://schemas.microsoft.com/office/drawing/2014/main" id="{A14E25DE-D7AA-4C1F-8899-1BF2A5F91695}"/>
-              </a:ext>
-            </a:extLst>
-          </p:cNvPr>
-          <p:cNvSpPr/>
-          <p:nvPr/>
-        </p:nvSpPr>
-        <p:spPr>
-          <a:xfrm>
-            <a:off x="6283170" y="3659861"/>
-            <a:ext cx="217360" cy="688606"/>
-          </a:xfrm>
-          <a:prstGeom prst="upArrow">
-            <a:avLst/>
-          </a:prstGeom>
-          <a:solidFill>
-            <a:srgbClr val="C00000"/>
-          </a:solidFill>
-          <a:ln>
-            <a:noFill/>
-          </a:ln>
-        </p:spPr>
-        <p:style>
-          <a:lnRef idx="2">
-            <a:schemeClr val="accent1">
-              <a:shade val="50000"/>
-            </a:schemeClr>
-          </a:lnRef>
-          <a:fillRef idx="1">
-            <a:schemeClr val="accent1"/>
-          </a:fillRef>
-          <a:effectRef idx="0">
-            <a:schemeClr val="accent1"/>
-          </a:effectRef>
-          <a:fontRef idx="minor">
-            <a:schemeClr val="lt1"/>
-          </a:fontRef>
-        </p:style>
-        <p:txBody>
-          <a:bodyPr rtlCol="0" anchor="ctr"/>
-          <a:lstStyle/>
-          <a:p>
-            <a:pPr algn="ctr"/>
-            <a:endParaRPr lang="zh-CN" altLang="en-US"/>
-          </a:p>
-        </p:txBody>
-      </p:sp>
-    </p:spTree>
-    <p:extLst>
-      <p:ext uri="{BB962C8B-B14F-4D97-AF65-F5344CB8AC3E}">
-        <p14:creationId xmlns:p14="http://schemas.microsoft.com/office/powerpoint/2010/main" val="3465364813"/>
-      </p:ext>
-    </p:extLst>
-  </p:cSld>
-  <p:clrMapOvr>
-    <a:masterClrMapping/>
-  </p:clrMapOvr>
-</p:sld>
-</file>
-
 <file path=ppt/theme/theme1.xml><?xml version="1.0" encoding="utf-8"?>
 <a:theme xmlns:a="http://schemas.openxmlformats.org/drawingml/2006/main" name="Office 主题​​">
   <a:themeElements>
